--- a/docs/frontend.pptx
+++ b/docs/frontend.pptx
@@ -3,23 +3,26 @@
 <p:presentation xmlns:a="http://schemas.openxmlformats.org/drawingml/2006/main" xmlns:r="http://schemas.openxmlformats.org/officeDocument/2006/relationships" xmlns:p="http://schemas.openxmlformats.org/presentationml/2006/main" saveSubsetFonts="1">
   <p:sldMasterIdLst>
     <p:sldMasterId id="2147483648" r:id="rId1"/>
+    <p:sldMasterId id="2147483661" r:id="rId2"/>
   </p:sldMasterIdLst>
   <p:notesMasterIdLst>
-    <p:notesMasterId r:id="rId14"/>
+    <p:notesMasterId r:id="rId17"/>
   </p:notesMasterIdLst>
   <p:sldIdLst>
-    <p:sldId id="256" r:id="rId2"/>
-    <p:sldId id="257" r:id="rId3"/>
-    <p:sldId id="258" r:id="rId4"/>
-    <p:sldId id="260" r:id="rId5"/>
-    <p:sldId id="269" r:id="rId6"/>
-    <p:sldId id="262" r:id="rId7"/>
-    <p:sldId id="263" r:id="rId8"/>
-    <p:sldId id="264" r:id="rId9"/>
-    <p:sldId id="265" r:id="rId10"/>
-    <p:sldId id="266" r:id="rId11"/>
-    <p:sldId id="268" r:id="rId12"/>
-    <p:sldId id="270" r:id="rId13"/>
+    <p:sldId id="2974" r:id="rId3"/>
+    <p:sldId id="257" r:id="rId4"/>
+    <p:sldId id="258" r:id="rId5"/>
+    <p:sldId id="260" r:id="rId6"/>
+    <p:sldId id="269" r:id="rId7"/>
+    <p:sldId id="262" r:id="rId8"/>
+    <p:sldId id="263" r:id="rId9"/>
+    <p:sldId id="264" r:id="rId10"/>
+    <p:sldId id="265" r:id="rId11"/>
+    <p:sldId id="266" r:id="rId12"/>
+    <p:sldId id="268" r:id="rId13"/>
+    <p:sldId id="270" r:id="rId14"/>
+    <p:sldId id="2975" r:id="rId15"/>
+    <p:sldId id="2976" r:id="rId16"/>
   </p:sldIdLst>
   <p:sldSz cx="12192000" cy="6858000"/>
   <p:notesSz cx="6858000" cy="9144000"/>
@@ -118,6 +121,11 @@
       </a:defRPr>
     </a:lvl9pPr>
   </p:defaultTextStyle>
+  <p:extLst>
+    <p:ext uri="{EFAFB233-063F-42B5-8137-9DF3F51BA10A}">
+      <p15:sldGuideLst xmlns:p15="http://schemas.microsoft.com/office/powerpoint/2012/main"/>
+    </p:ext>
+  </p:extLst>
 </p:presentation>
 </file>
 
@@ -2638,7 +2646,7 @@
           <a:p>
             <a:fld id="{5C2857C4-326C-48C3-BD2A-59750F5BD131}" type="datetimeFigureOut">
               <a:rPr lang="zh-CN" altLang="en-US" smtClean="0"/>
-              <a:t>2021/12/5</a:t>
+              <a:t>2021/12/6</a:t>
             </a:fld>
             <a:endParaRPr lang="zh-CN" altLang="en-US"/>
           </a:p>
@@ -3304,7 +3312,7 @@
           <a:p>
             <a:fld id="{C17A0604-A1E3-4405-B0FC-584B0C77DB17}" type="datetimeFigureOut">
               <a:rPr lang="zh-CN" altLang="en-US" smtClean="0"/>
-              <a:t>2021/12/5</a:t>
+              <a:t>2021/12/6</a:t>
             </a:fld>
             <a:endParaRPr lang="zh-CN" altLang="en-US"/>
           </a:p>
@@ -3502,7 +3510,7 @@
           <a:p>
             <a:fld id="{C17A0604-A1E3-4405-B0FC-584B0C77DB17}" type="datetimeFigureOut">
               <a:rPr lang="zh-CN" altLang="en-US" smtClean="0"/>
-              <a:t>2021/12/5</a:t>
+              <a:t>2021/12/6</a:t>
             </a:fld>
             <a:endParaRPr lang="zh-CN" altLang="en-US"/>
           </a:p>
@@ -3710,7 +3718,7 @@
           <a:p>
             <a:fld id="{C17A0604-A1E3-4405-B0FC-584B0C77DB17}" type="datetimeFigureOut">
               <a:rPr lang="zh-CN" altLang="en-US" smtClean="0"/>
-              <a:t>2021/12/5</a:t>
+              <a:t>2021/12/6</a:t>
             </a:fld>
             <a:endParaRPr lang="zh-CN" altLang="en-US"/>
           </a:p>
@@ -3780,6 +3788,1014 @@
   <p:clrMapOvr>
     <a:masterClrMapping/>
   </p:clrMapOvr>
+</p:sldLayout>
+</file>
+
+<file path=ppt/slideLayouts/slideLayout12.xml><?xml version="1.0" encoding="utf-8"?>
+<p:sldLayout xmlns:a="http://schemas.openxmlformats.org/drawingml/2006/main" xmlns:r="http://schemas.openxmlformats.org/officeDocument/2006/relationships" xmlns:p="http://schemas.openxmlformats.org/presentationml/2006/main">
+  <p:cSld name="Divider Slide ">
+    <p:bg>
+      <p:bgPr>
+        <a:solidFill>
+          <a:schemeClr val="bg1"/>
+        </a:solidFill>
+        <a:effectLst/>
+      </p:bgPr>
+    </p:bg>
+    <p:spTree>
+      <p:nvGrpSpPr>
+        <p:cNvPr id="1" name=""/>
+        <p:cNvGrpSpPr/>
+        <p:nvPr/>
+      </p:nvGrpSpPr>
+      <p:grpSpPr>
+        <a:xfrm>
+          <a:off x="0" y="0"/>
+          <a:ext cx="0" cy="0"/>
+          <a:chOff x="0" y="0"/>
+          <a:chExt cx="0" cy="0"/>
+        </a:xfrm>
+      </p:grpSpPr>
+      <p:cxnSp>
+        <p:nvCxnSpPr>
+          <p:cNvPr id="6" name="Straight Connector 5">
+            <a:extLst>
+              <a:ext uri="{FF2B5EF4-FFF2-40B4-BE49-F238E27FC236}">
+                <a16:creationId xmlns:a16="http://schemas.microsoft.com/office/drawing/2014/main" id="{95A52D07-9C0E-4B5A-9377-CB37D8F19C9F}"/>
+              </a:ext>
+            </a:extLst>
+          </p:cNvPr>
+          <p:cNvCxnSpPr>
+            <a:cxnSpLocks/>
+          </p:cNvCxnSpPr>
+          <p:nvPr userDrawn="1"/>
+        </p:nvCxnSpPr>
+        <p:spPr>
+          <a:xfrm>
+            <a:off x="0" y="838200"/>
+            <a:ext cx="12192000" cy="0"/>
+          </a:xfrm>
+          <a:prstGeom prst="line">
+            <a:avLst/>
+          </a:prstGeom>
+          <a:noFill/>
+          <a:ln w="19050" cap="flat" cmpd="sng" algn="ctr">
+            <a:solidFill>
+              <a:srgbClr val="7500C0"/>
+            </a:solidFill>
+            <a:prstDash val="solid"/>
+            <a:miter lim="800000"/>
+          </a:ln>
+          <a:effectLst/>
+        </p:spPr>
+      </p:cxnSp>
+      <p:pic>
+        <p:nvPicPr>
+          <p:cNvPr id="8" name="Picture 7">
+            <a:extLst>
+              <a:ext uri="{FF2B5EF4-FFF2-40B4-BE49-F238E27FC236}">
+                <a16:creationId xmlns:a16="http://schemas.microsoft.com/office/drawing/2014/main" id="{E2818D91-F6CB-4E6E-AAA4-0CA29E783721}"/>
+              </a:ext>
+            </a:extLst>
+          </p:cNvPr>
+          <p:cNvPicPr>
+            <a:picLocks noChangeAspect="1"/>
+          </p:cNvPicPr>
+          <p:nvPr userDrawn="1"/>
+        </p:nvPicPr>
+        <p:blipFill>
+          <a:blip r:embed="rId2">
+            <a:extLst>
+              <a:ext uri="{28A0092B-C50C-407E-A947-70E740481C1C}">
+                <a14:useLocalDpi xmlns:a14="http://schemas.microsoft.com/office/drawing/2010/main"/>
+              </a:ext>
+            </a:extLst>
+          </a:blip>
+          <a:stretch>
+            <a:fillRect/>
+          </a:stretch>
+        </p:blipFill>
+        <p:spPr>
+          <a:xfrm>
+            <a:off x="9846206" y="325717"/>
+            <a:ext cx="2086504" cy="190896"/>
+          </a:xfrm>
+          <a:prstGeom prst="rect">
+            <a:avLst/>
+          </a:prstGeom>
+        </p:spPr>
+      </p:pic>
+      <p:sp>
+        <p:nvSpPr>
+          <p:cNvPr id="12" name="スライド番号プレースホルダー 2">
+            <a:extLst>
+              <a:ext uri="{FF2B5EF4-FFF2-40B4-BE49-F238E27FC236}">
+                <a16:creationId xmlns:a16="http://schemas.microsoft.com/office/drawing/2014/main" id="{3FD10923-F458-4003-A428-962555E82B95}"/>
+              </a:ext>
+            </a:extLst>
+          </p:cNvPr>
+          <p:cNvSpPr txBox="1">
+            <a:spLocks/>
+          </p:cNvSpPr>
+          <p:nvPr userDrawn="1"/>
+        </p:nvSpPr>
+        <p:spPr>
+          <a:xfrm>
+            <a:off x="11496600" y="6633356"/>
+            <a:ext cx="539825" cy="133312"/>
+          </a:xfrm>
+          <a:prstGeom prst="rect">
+            <a:avLst/>
+          </a:prstGeom>
+        </p:spPr>
+        <p:txBody>
+          <a:bodyPr vert="horz" lIns="91440" tIns="45720" rIns="91440" bIns="45720" rtlCol="0" anchor="ctr"/>
+          <a:lstStyle>
+            <a:defPPr>
+              <a:defRPr lang="en-US"/>
+            </a:defPPr>
+            <a:lvl1pPr algn="r" rtl="0" fontAlgn="base">
+              <a:spcBef>
+                <a:spcPct val="0"/>
+              </a:spcBef>
+              <a:spcAft>
+                <a:spcPct val="0"/>
+              </a:spcAft>
+              <a:defRPr kumimoji="1" sz="1000" kern="1200">
+                <a:solidFill>
+                  <a:schemeClr val="bg1">
+                    <a:lumMod val="50000"/>
+                  </a:schemeClr>
+                </a:solidFill>
+                <a:latin typeface="Meiryo UI" panose="020B0604030504040204" pitchFamily="50" charset="-128"/>
+                <a:ea typeface="Meiryo UI" panose="020B0604030504040204" pitchFamily="50" charset="-128"/>
+                <a:cs typeface="+mn-cs"/>
+              </a:defRPr>
+            </a:lvl1pPr>
+            <a:lvl2pPr marL="457200" algn="l" rtl="0" fontAlgn="base">
+              <a:spcBef>
+                <a:spcPct val="0"/>
+              </a:spcBef>
+              <a:spcAft>
+                <a:spcPct val="0"/>
+              </a:spcAft>
+              <a:defRPr kumimoji="1" sz="2000" kern="1200">
+                <a:solidFill>
+                  <a:schemeClr val="tx1"/>
+                </a:solidFill>
+                <a:latin typeface="Arial" charset="0"/>
+                <a:ea typeface="ＭＳ Ｐゴシック" charset="-128"/>
+                <a:cs typeface="+mn-cs"/>
+              </a:defRPr>
+            </a:lvl2pPr>
+            <a:lvl3pPr marL="914400" algn="l" rtl="0" fontAlgn="base">
+              <a:spcBef>
+                <a:spcPct val="0"/>
+              </a:spcBef>
+              <a:spcAft>
+                <a:spcPct val="0"/>
+              </a:spcAft>
+              <a:defRPr kumimoji="1" sz="2000" kern="1200">
+                <a:solidFill>
+                  <a:schemeClr val="tx1"/>
+                </a:solidFill>
+                <a:latin typeface="Arial" charset="0"/>
+                <a:ea typeface="ＭＳ Ｐゴシック" charset="-128"/>
+                <a:cs typeface="+mn-cs"/>
+              </a:defRPr>
+            </a:lvl3pPr>
+            <a:lvl4pPr marL="1371600" algn="l" rtl="0" fontAlgn="base">
+              <a:spcBef>
+                <a:spcPct val="0"/>
+              </a:spcBef>
+              <a:spcAft>
+                <a:spcPct val="0"/>
+              </a:spcAft>
+              <a:defRPr kumimoji="1" sz="2000" kern="1200">
+                <a:solidFill>
+                  <a:schemeClr val="tx1"/>
+                </a:solidFill>
+                <a:latin typeface="Arial" charset="0"/>
+                <a:ea typeface="ＭＳ Ｐゴシック" charset="-128"/>
+                <a:cs typeface="+mn-cs"/>
+              </a:defRPr>
+            </a:lvl4pPr>
+            <a:lvl5pPr marL="1828800" algn="l" rtl="0" fontAlgn="base">
+              <a:spcBef>
+                <a:spcPct val="0"/>
+              </a:spcBef>
+              <a:spcAft>
+                <a:spcPct val="0"/>
+              </a:spcAft>
+              <a:defRPr kumimoji="1" sz="2000" kern="1200">
+                <a:solidFill>
+                  <a:schemeClr val="tx1"/>
+                </a:solidFill>
+                <a:latin typeface="Arial" charset="0"/>
+                <a:ea typeface="ＭＳ Ｐゴシック" charset="-128"/>
+                <a:cs typeface="+mn-cs"/>
+              </a:defRPr>
+            </a:lvl5pPr>
+            <a:lvl6pPr marL="2286000" algn="l" defTabSz="914400" rtl="0" eaLnBrk="1" latinLnBrk="0" hangingPunct="1">
+              <a:defRPr kumimoji="1" sz="2000" kern="1200">
+                <a:solidFill>
+                  <a:schemeClr val="tx1"/>
+                </a:solidFill>
+                <a:latin typeface="Arial" charset="0"/>
+                <a:ea typeface="ＭＳ Ｐゴシック" charset="-128"/>
+                <a:cs typeface="+mn-cs"/>
+              </a:defRPr>
+            </a:lvl6pPr>
+            <a:lvl7pPr marL="2743200" algn="l" defTabSz="914400" rtl="0" eaLnBrk="1" latinLnBrk="0" hangingPunct="1">
+              <a:defRPr kumimoji="1" sz="2000" kern="1200">
+                <a:solidFill>
+                  <a:schemeClr val="tx1"/>
+                </a:solidFill>
+                <a:latin typeface="Arial" charset="0"/>
+                <a:ea typeface="ＭＳ Ｐゴシック" charset="-128"/>
+                <a:cs typeface="+mn-cs"/>
+              </a:defRPr>
+            </a:lvl7pPr>
+            <a:lvl8pPr marL="3200400" algn="l" defTabSz="914400" rtl="0" eaLnBrk="1" latinLnBrk="0" hangingPunct="1">
+              <a:defRPr kumimoji="1" sz="2000" kern="1200">
+                <a:solidFill>
+                  <a:schemeClr val="tx1"/>
+                </a:solidFill>
+                <a:latin typeface="Arial" charset="0"/>
+                <a:ea typeface="ＭＳ Ｐゴシック" charset="-128"/>
+                <a:cs typeface="+mn-cs"/>
+              </a:defRPr>
+            </a:lvl8pPr>
+            <a:lvl9pPr marL="3657600" algn="l" defTabSz="914400" rtl="0" eaLnBrk="1" latinLnBrk="0" hangingPunct="1">
+              <a:defRPr kumimoji="1" sz="2000" kern="1200">
+                <a:solidFill>
+                  <a:schemeClr val="tx1"/>
+                </a:solidFill>
+                <a:latin typeface="Arial" charset="0"/>
+                <a:ea typeface="ＭＳ Ｐゴシック" charset="-128"/>
+                <a:cs typeface="+mn-cs"/>
+              </a:defRPr>
+            </a:lvl9pPr>
+          </a:lstStyle>
+          <a:p>
+            <a:pPr marL="0" marR="0" lvl="0" indent="0" algn="r" defTabSz="914400" rtl="0" eaLnBrk="1" fontAlgn="base" latinLnBrk="0" hangingPunct="1">
+              <a:lnSpc>
+                <a:spcPct val="100000"/>
+              </a:lnSpc>
+              <a:spcBef>
+                <a:spcPct val="0"/>
+              </a:spcBef>
+              <a:spcAft>
+                <a:spcPct val="0"/>
+              </a:spcAft>
+              <a:buClrTx/>
+              <a:buSzTx/>
+              <a:buFontTx/>
+              <a:buNone/>
+              <a:tabLst/>
+              <a:defRPr/>
+            </a:pPr>
+            <a:fld id="{4594D425-9E1F-411F-9940-C95AEC58D20D}" type="slidenum">
+              <a:rPr kumimoji="1" lang="ja-JP" altLang="en-US" sz="1000" b="0" i="0" u="none" strike="noStrike" kern="1200" cap="none" spc="0" normalizeH="0" baseline="0" noProof="0" smtClean="0">
+                <a:ln>
+                  <a:noFill/>
+                </a:ln>
+                <a:solidFill>
+                  <a:prstClr val="white">
+                    <a:lumMod val="50000"/>
+                  </a:prstClr>
+                </a:solidFill>
+                <a:effectLst/>
+                <a:uLnTx/>
+                <a:uFillTx/>
+                <a:latin typeface="+mn-lt"/>
+                <a:ea typeface="Meiryo UI" panose="020B0604030504040204" pitchFamily="50" charset="-128"/>
+                <a:cs typeface="+mn-cs"/>
+              </a:rPr>
+              <a:pPr marL="0" marR="0" lvl="0" indent="0" algn="r" defTabSz="914400" rtl="0" eaLnBrk="1" fontAlgn="base" latinLnBrk="0" hangingPunct="1">
+                <a:lnSpc>
+                  <a:spcPct val="100000"/>
+                </a:lnSpc>
+                <a:spcBef>
+                  <a:spcPct val="0"/>
+                </a:spcBef>
+                <a:spcAft>
+                  <a:spcPct val="0"/>
+                </a:spcAft>
+                <a:buClrTx/>
+                <a:buSzTx/>
+                <a:buFontTx/>
+                <a:buNone/>
+                <a:tabLst/>
+                <a:defRPr/>
+              </a:pPr>
+              <a:t>‹#›</a:t>
+            </a:fld>
+            <a:endParaRPr kumimoji="1" lang="ja-JP" altLang="en-US" sz="1000" b="0" i="0" u="none" strike="noStrike" kern="1200" cap="none" spc="0" normalizeH="0" baseline="0" noProof="0">
+              <a:ln>
+                <a:noFill/>
+              </a:ln>
+              <a:solidFill>
+                <a:prstClr val="white">
+                  <a:lumMod val="50000"/>
+                </a:prstClr>
+              </a:solidFill>
+              <a:effectLst/>
+              <a:uLnTx/>
+              <a:uFillTx/>
+              <a:latin typeface="+mn-lt"/>
+              <a:ea typeface="Meiryo UI" panose="020B0604030504040204" pitchFamily="50" charset="-128"/>
+              <a:cs typeface="+mn-cs"/>
+            </a:endParaRPr>
+          </a:p>
+        </p:txBody>
+      </p:sp>
+      <p:sp>
+        <p:nvSpPr>
+          <p:cNvPr id="13" name="フッター プレースホルダー 3">
+            <a:extLst>
+              <a:ext uri="{FF2B5EF4-FFF2-40B4-BE49-F238E27FC236}">
+                <a16:creationId xmlns:a16="http://schemas.microsoft.com/office/drawing/2014/main" id="{DD15AE61-6456-40A7-A9EB-8411E9E777B9}"/>
+              </a:ext>
+            </a:extLst>
+          </p:cNvPr>
+          <p:cNvSpPr txBox="1">
+            <a:spLocks/>
+          </p:cNvSpPr>
+          <p:nvPr userDrawn="1"/>
+        </p:nvSpPr>
+        <p:spPr>
+          <a:xfrm>
+            <a:off x="155575" y="6633356"/>
+            <a:ext cx="4114330" cy="133312"/>
+          </a:xfrm>
+          <a:prstGeom prst="rect">
+            <a:avLst/>
+          </a:prstGeom>
+        </p:spPr>
+        <p:txBody>
+          <a:bodyPr vert="horz" lIns="91440" tIns="45720" rIns="91440" bIns="45720" rtlCol="0" anchor="ctr"/>
+          <a:lstStyle>
+            <a:defPPr>
+              <a:defRPr lang="en-US"/>
+            </a:defPPr>
+            <a:lvl1pPr algn="l" rtl="0" fontAlgn="base">
+              <a:spcBef>
+                <a:spcPct val="0"/>
+              </a:spcBef>
+              <a:spcAft>
+                <a:spcPct val="0"/>
+              </a:spcAft>
+              <a:defRPr kumimoji="1" sz="1000" kern="1200">
+                <a:solidFill>
+                  <a:schemeClr val="bg1">
+                    <a:lumMod val="50000"/>
+                  </a:schemeClr>
+                </a:solidFill>
+                <a:latin typeface="Meiryo UI" panose="020B0604030504040204" pitchFamily="50" charset="-128"/>
+                <a:ea typeface="Meiryo UI" panose="020B0604030504040204" pitchFamily="50" charset="-128"/>
+                <a:cs typeface="+mn-cs"/>
+              </a:defRPr>
+            </a:lvl1pPr>
+            <a:lvl2pPr marL="457200" algn="l" rtl="0" fontAlgn="base">
+              <a:spcBef>
+                <a:spcPct val="0"/>
+              </a:spcBef>
+              <a:spcAft>
+                <a:spcPct val="0"/>
+              </a:spcAft>
+              <a:defRPr kumimoji="1" sz="2000" kern="1200">
+                <a:solidFill>
+                  <a:schemeClr val="tx1"/>
+                </a:solidFill>
+                <a:latin typeface="Arial" charset="0"/>
+                <a:ea typeface="ＭＳ Ｐゴシック" charset="-128"/>
+                <a:cs typeface="+mn-cs"/>
+              </a:defRPr>
+            </a:lvl2pPr>
+            <a:lvl3pPr marL="914400" algn="l" rtl="0" fontAlgn="base">
+              <a:spcBef>
+                <a:spcPct val="0"/>
+              </a:spcBef>
+              <a:spcAft>
+                <a:spcPct val="0"/>
+              </a:spcAft>
+              <a:defRPr kumimoji="1" sz="2000" kern="1200">
+                <a:solidFill>
+                  <a:schemeClr val="tx1"/>
+                </a:solidFill>
+                <a:latin typeface="Arial" charset="0"/>
+                <a:ea typeface="ＭＳ Ｐゴシック" charset="-128"/>
+                <a:cs typeface="+mn-cs"/>
+              </a:defRPr>
+            </a:lvl3pPr>
+            <a:lvl4pPr marL="1371600" algn="l" rtl="0" fontAlgn="base">
+              <a:spcBef>
+                <a:spcPct val="0"/>
+              </a:spcBef>
+              <a:spcAft>
+                <a:spcPct val="0"/>
+              </a:spcAft>
+              <a:defRPr kumimoji="1" sz="2000" kern="1200">
+                <a:solidFill>
+                  <a:schemeClr val="tx1"/>
+                </a:solidFill>
+                <a:latin typeface="Arial" charset="0"/>
+                <a:ea typeface="ＭＳ Ｐゴシック" charset="-128"/>
+                <a:cs typeface="+mn-cs"/>
+              </a:defRPr>
+            </a:lvl4pPr>
+            <a:lvl5pPr marL="1828800" algn="l" rtl="0" fontAlgn="base">
+              <a:spcBef>
+                <a:spcPct val="0"/>
+              </a:spcBef>
+              <a:spcAft>
+                <a:spcPct val="0"/>
+              </a:spcAft>
+              <a:defRPr kumimoji="1" sz="2000" kern="1200">
+                <a:solidFill>
+                  <a:schemeClr val="tx1"/>
+                </a:solidFill>
+                <a:latin typeface="Arial" charset="0"/>
+                <a:ea typeface="ＭＳ Ｐゴシック" charset="-128"/>
+                <a:cs typeface="+mn-cs"/>
+              </a:defRPr>
+            </a:lvl5pPr>
+            <a:lvl6pPr marL="2286000" algn="l" defTabSz="914400" rtl="0" eaLnBrk="1" latinLnBrk="0" hangingPunct="1">
+              <a:defRPr kumimoji="1" sz="2000" kern="1200">
+                <a:solidFill>
+                  <a:schemeClr val="tx1"/>
+                </a:solidFill>
+                <a:latin typeface="Arial" charset="0"/>
+                <a:ea typeface="ＭＳ Ｐゴシック" charset="-128"/>
+                <a:cs typeface="+mn-cs"/>
+              </a:defRPr>
+            </a:lvl6pPr>
+            <a:lvl7pPr marL="2743200" algn="l" defTabSz="914400" rtl="0" eaLnBrk="1" latinLnBrk="0" hangingPunct="1">
+              <a:defRPr kumimoji="1" sz="2000" kern="1200">
+                <a:solidFill>
+                  <a:schemeClr val="tx1"/>
+                </a:solidFill>
+                <a:latin typeface="Arial" charset="0"/>
+                <a:ea typeface="ＭＳ Ｐゴシック" charset="-128"/>
+                <a:cs typeface="+mn-cs"/>
+              </a:defRPr>
+            </a:lvl7pPr>
+            <a:lvl8pPr marL="3200400" algn="l" defTabSz="914400" rtl="0" eaLnBrk="1" latinLnBrk="0" hangingPunct="1">
+              <a:defRPr kumimoji="1" sz="2000" kern="1200">
+                <a:solidFill>
+                  <a:schemeClr val="tx1"/>
+                </a:solidFill>
+                <a:latin typeface="Arial" charset="0"/>
+                <a:ea typeface="ＭＳ Ｐゴシック" charset="-128"/>
+                <a:cs typeface="+mn-cs"/>
+              </a:defRPr>
+            </a:lvl8pPr>
+            <a:lvl9pPr marL="3657600" algn="l" defTabSz="914400" rtl="0" eaLnBrk="1" latinLnBrk="0" hangingPunct="1">
+              <a:defRPr kumimoji="1" sz="2000" kern="1200">
+                <a:solidFill>
+                  <a:schemeClr val="tx1"/>
+                </a:solidFill>
+                <a:latin typeface="Arial" charset="0"/>
+                <a:ea typeface="ＭＳ Ｐゴシック" charset="-128"/>
+                <a:cs typeface="+mn-cs"/>
+              </a:defRPr>
+            </a:lvl9pPr>
+          </a:lstStyle>
+          <a:p>
+            <a:pPr marL="0" marR="0" lvl="0" indent="0" algn="l" defTabSz="914400" rtl="0" eaLnBrk="1" fontAlgn="base" latinLnBrk="0" hangingPunct="1">
+              <a:lnSpc>
+                <a:spcPct val="100000"/>
+              </a:lnSpc>
+              <a:spcBef>
+                <a:spcPct val="0"/>
+              </a:spcBef>
+              <a:spcAft>
+                <a:spcPct val="0"/>
+              </a:spcAft>
+              <a:buClrTx/>
+              <a:buSzTx/>
+              <a:buFontTx/>
+              <a:buNone/>
+              <a:tabLst/>
+              <a:defRPr/>
+            </a:pPr>
+            <a:r>
+              <a:rPr kumimoji="1" lang="en-US" altLang="ja-JP" sz="1000" b="0" i="0" u="none" strike="noStrike" kern="1200" cap="none" spc="0" normalizeH="0" baseline="0" noProof="0" dirty="0">
+                <a:ln>
+                  <a:noFill/>
+                </a:ln>
+                <a:solidFill>
+                  <a:prstClr val="white">
+                    <a:lumMod val="50000"/>
+                  </a:prstClr>
+                </a:solidFill>
+                <a:effectLst/>
+                <a:uLnTx/>
+                <a:uFillTx/>
+                <a:latin typeface="+mn-lt"/>
+                <a:ea typeface="Meiryo UI" panose="020B0604030504040204" pitchFamily="50" charset="-128"/>
+                <a:cs typeface="+mn-cs"/>
+              </a:rPr>
+              <a:t>Copyright © 2021 Accenture  All rights reserved.</a:t>
+            </a:r>
+            <a:endParaRPr kumimoji="1" lang="ja-JP" altLang="en-US" sz="1000" b="0" i="0" u="none" strike="noStrike" kern="1200" cap="none" spc="0" normalizeH="0" baseline="0" noProof="0" dirty="0">
+              <a:ln>
+                <a:noFill/>
+              </a:ln>
+              <a:solidFill>
+                <a:prstClr val="white">
+                  <a:lumMod val="50000"/>
+                </a:prstClr>
+              </a:solidFill>
+              <a:effectLst/>
+              <a:uLnTx/>
+              <a:uFillTx/>
+              <a:latin typeface="+mn-lt"/>
+              <a:ea typeface="Meiryo UI" panose="020B0604030504040204" pitchFamily="50" charset="-128"/>
+              <a:cs typeface="+mn-cs"/>
+            </a:endParaRPr>
+          </a:p>
+        </p:txBody>
+      </p:sp>
+      <p:sp>
+        <p:nvSpPr>
+          <p:cNvPr id="2" name="Rectangle 1">
+            <a:extLst>
+              <a:ext uri="{FF2B5EF4-FFF2-40B4-BE49-F238E27FC236}">
+                <a16:creationId xmlns:a16="http://schemas.microsoft.com/office/drawing/2014/main" id="{7D3C28A9-052D-471C-9E96-D723E4996FA8}"/>
+              </a:ext>
+            </a:extLst>
+          </p:cNvPr>
+          <p:cNvSpPr/>
+          <p:nvPr userDrawn="1"/>
+        </p:nvSpPr>
+        <p:spPr>
+          <a:xfrm>
+            <a:off x="-1122744" y="752354"/>
+            <a:ext cx="925974" cy="486132"/>
+          </a:xfrm>
+          <a:prstGeom prst="rect">
+            <a:avLst/>
+          </a:prstGeom>
+          <a:solidFill>
+            <a:srgbClr val="A100FF"/>
+          </a:solidFill>
+          <a:ln>
+            <a:noFill/>
+          </a:ln>
+        </p:spPr>
+        <p:style>
+          <a:lnRef idx="2">
+            <a:schemeClr val="accent1">
+              <a:shade val="50000"/>
+            </a:schemeClr>
+          </a:lnRef>
+          <a:fillRef idx="1">
+            <a:schemeClr val="accent1"/>
+          </a:fillRef>
+          <a:effectRef idx="0">
+            <a:schemeClr val="accent1"/>
+          </a:effectRef>
+          <a:fontRef idx="minor">
+            <a:schemeClr val="lt1"/>
+          </a:fontRef>
+        </p:style>
+        <p:txBody>
+          <a:bodyPr rtlCol="0" anchor="ctr"/>
+          <a:lstStyle/>
+          <a:p>
+            <a:pPr algn="ctr"/>
+            <a:endParaRPr kumimoji="1" lang="ja-JP" altLang="en-US"/>
+          </a:p>
+        </p:txBody>
+      </p:sp>
+      <p:sp>
+        <p:nvSpPr>
+          <p:cNvPr id="16" name="Rectangle 15">
+            <a:extLst>
+              <a:ext uri="{FF2B5EF4-FFF2-40B4-BE49-F238E27FC236}">
+                <a16:creationId xmlns:a16="http://schemas.microsoft.com/office/drawing/2014/main" id="{F3C9E645-5287-4D60-84FD-29EFCA9DF8C5}"/>
+              </a:ext>
+            </a:extLst>
+          </p:cNvPr>
+          <p:cNvSpPr/>
+          <p:nvPr userDrawn="1"/>
+        </p:nvSpPr>
+        <p:spPr>
+          <a:xfrm>
+            <a:off x="-1122744" y="1354237"/>
+            <a:ext cx="925974" cy="486132"/>
+          </a:xfrm>
+          <a:prstGeom prst="rect">
+            <a:avLst/>
+          </a:prstGeom>
+          <a:solidFill>
+            <a:srgbClr val="F3DDFF"/>
+          </a:solidFill>
+          <a:ln>
+            <a:noFill/>
+          </a:ln>
+        </p:spPr>
+        <p:style>
+          <a:lnRef idx="2">
+            <a:schemeClr val="accent1">
+              <a:shade val="50000"/>
+            </a:schemeClr>
+          </a:lnRef>
+          <a:fillRef idx="1">
+            <a:schemeClr val="accent1"/>
+          </a:fillRef>
+          <a:effectRef idx="0">
+            <a:schemeClr val="accent1"/>
+          </a:effectRef>
+          <a:fontRef idx="minor">
+            <a:schemeClr val="lt1"/>
+          </a:fontRef>
+        </p:style>
+        <p:txBody>
+          <a:bodyPr rtlCol="0" anchor="ctr"/>
+          <a:lstStyle/>
+          <a:p>
+            <a:pPr algn="ctr"/>
+            <a:endParaRPr kumimoji="1" lang="ja-JP" altLang="en-US"/>
+          </a:p>
+        </p:txBody>
+      </p:sp>
+    </p:spTree>
+    <p:extLst>
+      <p:ext uri="{BB962C8B-B14F-4D97-AF65-F5344CB8AC3E}">
+        <p14:creationId xmlns:p14="http://schemas.microsoft.com/office/powerpoint/2010/main" val="4207131540"/>
+      </p:ext>
+    </p:extLst>
+  </p:cSld>
+  <p:clrMapOvr>
+    <a:masterClrMapping/>
+  </p:clrMapOvr>
+</p:sldLayout>
+</file>
+
+<file path=ppt/slideLayouts/slideLayout13.xml><?xml version="1.0" encoding="utf-8"?>
+<p:sldLayout xmlns:a="http://schemas.openxmlformats.org/drawingml/2006/main" xmlns:r="http://schemas.openxmlformats.org/officeDocument/2006/relationships" xmlns:p="http://schemas.openxmlformats.org/presentationml/2006/main" preserve="1" userDrawn="1">
+  <p:cSld name="Title Slide">
+    <p:spTree>
+      <p:nvGrpSpPr>
+        <p:cNvPr id="1" name=""/>
+        <p:cNvGrpSpPr/>
+        <p:nvPr/>
+      </p:nvGrpSpPr>
+      <p:grpSpPr>
+        <a:xfrm>
+          <a:off x="0" y="0"/>
+          <a:ext cx="0" cy="0"/>
+          <a:chOff x="0" y="0"/>
+          <a:chExt cx="0" cy="0"/>
+        </a:xfrm>
+      </p:grpSpPr>
+      <p:pic>
+        <p:nvPicPr>
+          <p:cNvPr id="11" name="Picture 10">
+            <a:extLst>
+              <a:ext uri="{FF2B5EF4-FFF2-40B4-BE49-F238E27FC236}">
+                <a16:creationId xmlns:a16="http://schemas.microsoft.com/office/drawing/2014/main" id="{67755E08-4E2C-4CBA-85A6-28273F5C87B8}"/>
+              </a:ext>
+            </a:extLst>
+          </p:cNvPr>
+          <p:cNvPicPr>
+            <a:picLocks noChangeAspect="1"/>
+          </p:cNvPicPr>
+          <p:nvPr userDrawn="1"/>
+        </p:nvPicPr>
+        <p:blipFill rotWithShape="1">
+          <a:blip r:embed="rId2">
+            <a:extLst>
+              <a:ext uri="{28A0092B-C50C-407E-A947-70E740481C1C}">
+                <a14:useLocalDpi xmlns:a14="http://schemas.microsoft.com/office/drawing/2010/main" val="0"/>
+              </a:ext>
+            </a:extLst>
+          </a:blip>
+          <a:srcRect/>
+          <a:stretch/>
+        </p:blipFill>
+        <p:spPr>
+          <a:xfrm>
+            <a:off x="0" y="0"/>
+            <a:ext cx="12192000" cy="6858000"/>
+          </a:xfrm>
+          <a:prstGeom prst="rect">
+            <a:avLst/>
+          </a:prstGeom>
+        </p:spPr>
+      </p:pic>
+    </p:spTree>
+    <p:extLst>
+      <p:ext uri="{BB962C8B-B14F-4D97-AF65-F5344CB8AC3E}">
+        <p14:creationId xmlns:p14="http://schemas.microsoft.com/office/powerpoint/2010/main" val="3685586791"/>
+      </p:ext>
+    </p:extLst>
+  </p:cSld>
+  <p:clrMapOvr>
+    <a:masterClrMapping/>
+  </p:clrMapOvr>
+</p:sldLayout>
+</file>
+
+<file path=ppt/slideLayouts/slideLayout14.xml><?xml version="1.0" encoding="utf-8"?>
+<p:sldLayout xmlns:a="http://schemas.openxmlformats.org/drawingml/2006/main" xmlns:r="http://schemas.openxmlformats.org/officeDocument/2006/relationships" xmlns:p="http://schemas.openxmlformats.org/presentationml/2006/main" userDrawn="1">
+  <p:cSld name="Divider Slide opt 4">
+    <p:bg>
+      <p:bgPr>
+        <a:solidFill>
+          <a:schemeClr val="accent2"/>
+        </a:solidFill>
+        <a:effectLst/>
+      </p:bgPr>
+    </p:bg>
+    <p:spTree>
+      <p:nvGrpSpPr>
+        <p:cNvPr id="1" name=""/>
+        <p:cNvGrpSpPr/>
+        <p:nvPr/>
+      </p:nvGrpSpPr>
+      <p:grpSpPr>
+        <a:xfrm>
+          <a:off x="0" y="0"/>
+          <a:ext cx="0" cy="0"/>
+          <a:chOff x="0" y="0"/>
+          <a:chExt cx="0" cy="0"/>
+        </a:xfrm>
+      </p:grpSpPr>
+      <p:grpSp>
+        <p:nvGrpSpPr>
+          <p:cNvPr id="9" name="Group 8">
+            <a:extLst>
+              <a:ext uri="{FF2B5EF4-FFF2-40B4-BE49-F238E27FC236}">
+                <a16:creationId xmlns:a16="http://schemas.microsoft.com/office/drawing/2014/main" id="{60BC0154-8F01-45CA-849D-34E3AE00CF0F}"/>
+              </a:ext>
+            </a:extLst>
+          </p:cNvPr>
+          <p:cNvGrpSpPr>
+            <a:grpSpLocks noChangeAspect="1"/>
+          </p:cNvGrpSpPr>
+          <p:nvPr userDrawn="1"/>
+        </p:nvGrpSpPr>
+        <p:grpSpPr>
+          <a:xfrm>
+            <a:off x="9554578" y="5833249"/>
+            <a:ext cx="2256422" cy="605651"/>
+            <a:chOff x="9638475" y="1219200"/>
+            <a:chExt cx="1389888" cy="373063"/>
+          </a:xfrm>
+          <a:effectLst/>
+        </p:grpSpPr>
+        <p:pic>
+          <p:nvPicPr>
+            <p:cNvPr id="13" name="Picture 12">
+              <a:extLst>
+                <a:ext uri="{FF2B5EF4-FFF2-40B4-BE49-F238E27FC236}">
+                  <a16:creationId xmlns:a16="http://schemas.microsoft.com/office/drawing/2014/main" id="{BAE479CA-D694-4F45-BD11-38BE36BB333E}"/>
+                </a:ext>
+              </a:extLst>
+            </p:cNvPr>
+            <p:cNvPicPr>
+              <a:picLocks noChangeAspect="1"/>
+            </p:cNvPicPr>
+            <p:nvPr/>
+          </p:nvPicPr>
+          <p:blipFill>
+            <a:blip r:embed="rId2">
+              <a:extLst>
+                <a:ext uri="{28A0092B-C50C-407E-A947-70E740481C1C}">
+                  <a14:useLocalDpi xmlns:a14="http://schemas.microsoft.com/office/drawing/2010/main" val="0"/>
+                </a:ext>
+              </a:extLst>
+            </a:blip>
+            <a:stretch>
+              <a:fillRect/>
+            </a:stretch>
+          </p:blipFill>
+          <p:spPr>
+            <a:xfrm>
+              <a:off x="9638475" y="1372165"/>
+              <a:ext cx="1389888" cy="220098"/>
+            </a:xfrm>
+            <a:prstGeom prst="rect">
+              <a:avLst/>
+            </a:prstGeom>
+          </p:spPr>
+        </p:pic>
+        <p:sp>
+          <p:nvSpPr>
+            <p:cNvPr id="16" name="Freeform 5">
+              <a:extLst>
+                <a:ext uri="{FF2B5EF4-FFF2-40B4-BE49-F238E27FC236}">
+                  <a16:creationId xmlns:a16="http://schemas.microsoft.com/office/drawing/2014/main" id="{86BA3475-6F51-4B12-8741-D94FF0367CBF}"/>
+                </a:ext>
+              </a:extLst>
+            </p:cNvPr>
+            <p:cNvSpPr>
+              <a:spLocks/>
+            </p:cNvSpPr>
+            <p:nvPr/>
+          </p:nvSpPr>
+          <p:spPr bwMode="auto">
+            <a:xfrm>
+              <a:off x="10448925" y="1219200"/>
+              <a:ext cx="136525" cy="147638"/>
+            </a:xfrm>
+            <a:custGeom>
+              <a:avLst/>
+              <a:gdLst>
+                <a:gd name="T0" fmla="*/ 0 w 86"/>
+                <a:gd name="T1" fmla="*/ 66 h 93"/>
+                <a:gd name="T2" fmla="*/ 50 w 86"/>
+                <a:gd name="T3" fmla="*/ 47 h 93"/>
+                <a:gd name="T4" fmla="*/ 0 w 86"/>
+                <a:gd name="T5" fmla="*/ 27 h 93"/>
+                <a:gd name="T6" fmla="*/ 0 w 86"/>
+                <a:gd name="T7" fmla="*/ 0 h 93"/>
+                <a:gd name="T8" fmla="*/ 86 w 86"/>
+                <a:gd name="T9" fmla="*/ 35 h 93"/>
+                <a:gd name="T10" fmla="*/ 86 w 86"/>
+                <a:gd name="T11" fmla="*/ 57 h 93"/>
+                <a:gd name="T12" fmla="*/ 0 w 86"/>
+                <a:gd name="T13" fmla="*/ 93 h 93"/>
+                <a:gd name="T14" fmla="*/ 0 w 86"/>
+                <a:gd name="T15" fmla="*/ 66 h 93"/>
+              </a:gdLst>
+              <a:ahLst/>
+              <a:cxnLst>
+                <a:cxn ang="0">
+                  <a:pos x="T0" y="T1"/>
+                </a:cxn>
+                <a:cxn ang="0">
+                  <a:pos x="T2" y="T3"/>
+                </a:cxn>
+                <a:cxn ang="0">
+                  <a:pos x="T4" y="T5"/>
+                </a:cxn>
+                <a:cxn ang="0">
+                  <a:pos x="T6" y="T7"/>
+                </a:cxn>
+                <a:cxn ang="0">
+                  <a:pos x="T8" y="T9"/>
+                </a:cxn>
+                <a:cxn ang="0">
+                  <a:pos x="T10" y="T11"/>
+                </a:cxn>
+                <a:cxn ang="0">
+                  <a:pos x="T12" y="T13"/>
+                </a:cxn>
+                <a:cxn ang="0">
+                  <a:pos x="T14" y="T15"/>
+                </a:cxn>
+              </a:cxnLst>
+              <a:rect l="0" t="0" r="r" b="b"/>
+              <a:pathLst>
+                <a:path w="86" h="93">
+                  <a:moveTo>
+                    <a:pt x="0" y="66"/>
+                  </a:moveTo>
+                  <a:lnTo>
+                    <a:pt x="50" y="47"/>
+                  </a:lnTo>
+                  <a:lnTo>
+                    <a:pt x="0" y="27"/>
+                  </a:lnTo>
+                  <a:lnTo>
+                    <a:pt x="0" y="0"/>
+                  </a:lnTo>
+                  <a:lnTo>
+                    <a:pt x="86" y="35"/>
+                  </a:lnTo>
+                  <a:lnTo>
+                    <a:pt x="86" y="57"/>
+                  </a:lnTo>
+                  <a:lnTo>
+                    <a:pt x="0" y="93"/>
+                  </a:lnTo>
+                  <a:lnTo>
+                    <a:pt x="0" y="66"/>
+                  </a:lnTo>
+                  <a:close/>
+                </a:path>
+              </a:pathLst>
+            </a:custGeom>
+            <a:solidFill>
+              <a:schemeClr val="bg1"/>
+            </a:solidFill>
+            <a:ln>
+              <a:noFill/>
+            </a:ln>
+            <a:extLst>
+              <a:ext uri="{91240B29-F687-4F45-9708-019B960494DF}">
+                <a14:hiddenLine xmlns:a14="http://schemas.microsoft.com/office/drawing/2010/main" w="9525">
+                  <a:solidFill>
+                    <a:srgbClr val="000000"/>
+                  </a:solidFill>
+                  <a:round/>
+                  <a:headEnd/>
+                  <a:tailEnd/>
+                </a14:hiddenLine>
+              </a:ext>
+            </a:extLst>
+          </p:spPr>
+          <p:txBody>
+            <a:bodyPr vert="horz" wrap="square" lIns="91440" tIns="45720" rIns="91440" bIns="45720" numCol="1" anchor="t" anchorCtr="0" compatLnSpc="1">
+              <a:prstTxWarp prst="textNoShape">
+                <a:avLst/>
+              </a:prstTxWarp>
+            </a:bodyPr>
+            <a:lstStyle/>
+            <a:p>
+              <a:endParaRPr lang="en-US"/>
+            </a:p>
+          </p:txBody>
+        </p:sp>
+      </p:grpSp>
+      <p:sp>
+        <p:nvSpPr>
+          <p:cNvPr id="8" name="Text Placeholder 2">
+            <a:extLst>
+              <a:ext uri="{FF2B5EF4-FFF2-40B4-BE49-F238E27FC236}">
+                <a16:creationId xmlns:a16="http://schemas.microsoft.com/office/drawing/2014/main" id="{C91AB612-3710-45D4-9355-B422D880C8AE}"/>
+              </a:ext>
+            </a:extLst>
+          </p:cNvPr>
+          <p:cNvSpPr>
+            <a:spLocks noGrp="1"/>
+          </p:cNvSpPr>
+          <p:nvPr>
+            <p:ph type="body" sz="quarter" idx="10" hasCustomPrompt="1"/>
+          </p:nvPr>
+        </p:nvSpPr>
+        <p:spPr>
+          <a:xfrm>
+            <a:off x="381000" y="2903537"/>
+            <a:ext cx="11430000" cy="969963"/>
+          </a:xfrm>
+          <a:prstGeom prst="rect">
+            <a:avLst/>
+          </a:prstGeom>
+        </p:spPr>
+        <p:txBody>
+          <a:bodyPr tIns="0" bIns="0" anchor="ctr">
+            <a:normAutofit/>
+          </a:bodyPr>
+          <a:lstStyle>
+            <a:lvl1pPr algn="ctr">
+              <a:lnSpc>
+                <a:spcPct val="80000"/>
+              </a:lnSpc>
+              <a:defRPr sz="3600" cap="none">
+                <a:solidFill>
+                  <a:schemeClr val="bg1"/>
+                </a:solidFill>
+              </a:defRPr>
+            </a:lvl1pPr>
+            <a:lvl2pPr>
+              <a:defRPr sz="6000"/>
+            </a:lvl2pPr>
+            <a:lvl3pPr>
+              <a:defRPr sz="6000"/>
+            </a:lvl3pPr>
+            <a:lvl4pPr>
+              <a:defRPr sz="6000"/>
+            </a:lvl4pPr>
+            <a:lvl5pPr>
+              <a:defRPr sz="6000"/>
+            </a:lvl5pPr>
+          </a:lstStyle>
+          <a:p>
+            <a:pPr lvl="0"/>
+            <a:r>
+              <a:rPr lang="en-US" dirty="0"/>
+              <a:t>Insert title at 36pt, min 30pt</a:t>
+            </a:r>
+          </a:p>
+        </p:txBody>
+      </p:sp>
+    </p:spTree>
+    <p:extLst>
+      <p:ext uri="{BB962C8B-B14F-4D97-AF65-F5344CB8AC3E}">
+        <p14:creationId xmlns:p14="http://schemas.microsoft.com/office/powerpoint/2010/main" val="2328246323"/>
+      </p:ext>
+    </p:extLst>
+  </p:cSld>
+  <p:clrMapOvr>
+    <a:masterClrMapping/>
+  </p:clrMapOvr>
+  <p:extLst>
+    <p:ext uri="{DCECCB84-F9BA-43D5-87BE-67443E8EF086}">
+      <p15:sldGuideLst xmlns:p15="http://schemas.microsoft.com/office/powerpoint/2012/main">
+        <p15:guide id="1" pos="3840">
+          <p15:clr>
+            <a:srgbClr val="FBAE40"/>
+          </p15:clr>
+        </p15:guide>
+      </p15:sldGuideLst>
+    </p:ext>
+  </p:extLst>
 </p:sldLayout>
 </file>
 
@@ -3924,7 +4940,7 @@
           <a:p>
             <a:fld id="{C17A0604-A1E3-4405-B0FC-584B0C77DB17}" type="datetimeFigureOut">
               <a:rPr lang="zh-CN" altLang="en-US" smtClean="0"/>
-              <a:t>2021/12/5</a:t>
+              <a:t>2021/12/6</a:t>
             </a:fld>
             <a:endParaRPr lang="zh-CN" altLang="en-US"/>
           </a:p>
@@ -4199,7 +5215,7 @@
           <a:p>
             <a:fld id="{C17A0604-A1E3-4405-B0FC-584B0C77DB17}" type="datetimeFigureOut">
               <a:rPr lang="zh-CN" altLang="en-US" smtClean="0"/>
-              <a:t>2021/12/5</a:t>
+              <a:t>2021/12/6</a:t>
             </a:fld>
             <a:endParaRPr lang="zh-CN" altLang="en-US"/>
           </a:p>
@@ -4464,7 +5480,7 @@
           <a:p>
             <a:fld id="{C17A0604-A1E3-4405-B0FC-584B0C77DB17}" type="datetimeFigureOut">
               <a:rPr lang="zh-CN" altLang="en-US" smtClean="0"/>
-              <a:t>2021/12/5</a:t>
+              <a:t>2021/12/6</a:t>
             </a:fld>
             <a:endParaRPr lang="zh-CN" altLang="en-US"/>
           </a:p>
@@ -4876,7 +5892,7 @@
           <a:p>
             <a:fld id="{C17A0604-A1E3-4405-B0FC-584B0C77DB17}" type="datetimeFigureOut">
               <a:rPr lang="zh-CN" altLang="en-US" smtClean="0"/>
-              <a:t>2021/12/5</a:t>
+              <a:t>2021/12/6</a:t>
             </a:fld>
             <a:endParaRPr lang="zh-CN" altLang="en-US"/>
           </a:p>
@@ -5017,7 +6033,7 @@
           <a:p>
             <a:fld id="{C17A0604-A1E3-4405-B0FC-584B0C77DB17}" type="datetimeFigureOut">
               <a:rPr lang="zh-CN" altLang="en-US" smtClean="0"/>
-              <a:t>2021/12/5</a:t>
+              <a:t>2021/12/6</a:t>
             </a:fld>
             <a:endParaRPr lang="zh-CN" altLang="en-US"/>
           </a:p>
@@ -5130,7 +6146,7 @@
           <a:p>
             <a:fld id="{C17A0604-A1E3-4405-B0FC-584B0C77DB17}" type="datetimeFigureOut">
               <a:rPr lang="zh-CN" altLang="en-US" smtClean="0"/>
-              <a:t>2021/12/5</a:t>
+              <a:t>2021/12/6</a:t>
             </a:fld>
             <a:endParaRPr lang="zh-CN" altLang="en-US"/>
           </a:p>
@@ -5441,7 +6457,7 @@
           <a:p>
             <a:fld id="{C17A0604-A1E3-4405-B0FC-584B0C77DB17}" type="datetimeFigureOut">
               <a:rPr lang="zh-CN" altLang="en-US" smtClean="0"/>
-              <a:t>2021/12/5</a:t>
+              <a:t>2021/12/6</a:t>
             </a:fld>
             <a:endParaRPr lang="zh-CN" altLang="en-US"/>
           </a:p>
@@ -5729,7 +6745,7 @@
           <a:p>
             <a:fld id="{C17A0604-A1E3-4405-B0FC-584B0C77DB17}" type="datetimeFigureOut">
               <a:rPr lang="zh-CN" altLang="en-US" smtClean="0"/>
-              <a:t>2021/12/5</a:t>
+              <a:t>2021/12/6</a:t>
             </a:fld>
             <a:endParaRPr lang="zh-CN" altLang="en-US"/>
           </a:p>
@@ -5970,7 +6986,7 @@
           <a:p>
             <a:fld id="{C17A0604-A1E3-4405-B0FC-584B0C77DB17}" type="datetimeFigureOut">
               <a:rPr lang="zh-CN" altLang="en-US" smtClean="0"/>
-              <a:t>2021/12/5</a:t>
+              <a:t>2021/12/6</a:t>
             </a:fld>
             <a:endParaRPr lang="zh-CN" altLang="en-US"/>
           </a:p>
@@ -6086,6 +7102,7 @@
     <p:sldLayoutId id="2147483657" r:id="rId9"/>
     <p:sldLayoutId id="2147483658" r:id="rId10"/>
     <p:sldLayoutId id="2147483659" r:id="rId11"/>
+    <p:sldLayoutId id="2147483660" r:id="rId12"/>
   </p:sldLayoutIdLst>
   <p:txStyles>
     <p:titleStyle>
@@ -6370,6 +7387,567 @@
 </p:sldMaster>
 </file>
 
+<file path=ppt/slideMasters/slideMaster2.xml><?xml version="1.0" encoding="utf-8"?>
+<p:sldMaster xmlns:a="http://schemas.openxmlformats.org/drawingml/2006/main" xmlns:r="http://schemas.openxmlformats.org/officeDocument/2006/relationships" xmlns:p="http://schemas.openxmlformats.org/presentationml/2006/main" preserve="1">
+  <p:cSld>
+    <p:bg>
+      <p:bgRef idx="1001">
+        <a:schemeClr val="bg1"/>
+      </p:bgRef>
+    </p:bg>
+    <p:spTree>
+      <p:nvGrpSpPr>
+        <p:cNvPr id="1" name=""/>
+        <p:cNvGrpSpPr/>
+        <p:nvPr/>
+      </p:nvGrpSpPr>
+      <p:grpSpPr>
+        <a:xfrm>
+          <a:off x="0" y="0"/>
+          <a:ext cx="0" cy="0"/>
+          <a:chOff x="0" y="0"/>
+          <a:chExt cx="0" cy="0"/>
+        </a:xfrm>
+      </p:grpSpPr>
+      <p:sp>
+        <p:nvSpPr>
+          <p:cNvPr id="2" name="Title Placeholder 1">
+            <a:extLst>
+              <a:ext uri="{FF2B5EF4-FFF2-40B4-BE49-F238E27FC236}">
+                <a16:creationId xmlns:a16="http://schemas.microsoft.com/office/drawing/2014/main" id="{D8CA232C-B162-4B5E-812A-99E35430EC77}"/>
+              </a:ext>
+            </a:extLst>
+          </p:cNvPr>
+          <p:cNvSpPr>
+            <a:spLocks noGrp="1"/>
+          </p:cNvSpPr>
+          <p:nvPr>
+            <p:ph type="title"/>
+          </p:nvPr>
+        </p:nvSpPr>
+        <p:spPr>
+          <a:xfrm>
+            <a:off x="838200" y="365125"/>
+            <a:ext cx="10515600" cy="1325563"/>
+          </a:xfrm>
+          <a:prstGeom prst="rect">
+            <a:avLst/>
+          </a:prstGeom>
+        </p:spPr>
+        <p:txBody>
+          <a:bodyPr vert="horz" lIns="91440" tIns="45720" rIns="91440" bIns="45720" rtlCol="0" anchor="ctr">
+            <a:normAutofit/>
+          </a:bodyPr>
+          <a:lstStyle/>
+          <a:p>
+            <a:r>
+              <a:rPr kumimoji="1" lang="en-US" altLang="ja-JP"/>
+              <a:t>Click to edit Master title style</a:t>
+            </a:r>
+            <a:endParaRPr kumimoji="1" lang="ja-JP" altLang="en-US"/>
+          </a:p>
+        </p:txBody>
+      </p:sp>
+      <p:sp>
+        <p:nvSpPr>
+          <p:cNvPr id="3" name="Text Placeholder 2">
+            <a:extLst>
+              <a:ext uri="{FF2B5EF4-FFF2-40B4-BE49-F238E27FC236}">
+                <a16:creationId xmlns:a16="http://schemas.microsoft.com/office/drawing/2014/main" id="{7A0B5553-6711-4A6F-917A-DF90DC0F80AA}"/>
+              </a:ext>
+            </a:extLst>
+          </p:cNvPr>
+          <p:cNvSpPr>
+            <a:spLocks noGrp="1"/>
+          </p:cNvSpPr>
+          <p:nvPr>
+            <p:ph type="body" idx="1"/>
+          </p:nvPr>
+        </p:nvSpPr>
+        <p:spPr>
+          <a:xfrm>
+            <a:off x="838200" y="1825625"/>
+            <a:ext cx="10515600" cy="4351338"/>
+          </a:xfrm>
+          <a:prstGeom prst="rect">
+            <a:avLst/>
+          </a:prstGeom>
+        </p:spPr>
+        <p:txBody>
+          <a:bodyPr vert="horz" lIns="91440" tIns="45720" rIns="91440" bIns="45720" rtlCol="0">
+            <a:normAutofit/>
+          </a:bodyPr>
+          <a:lstStyle/>
+          <a:p>
+            <a:pPr lvl="0"/>
+            <a:r>
+              <a:rPr kumimoji="1" lang="en-US" altLang="ja-JP"/>
+              <a:t>Click to edit Master text styles</a:t>
+            </a:r>
+          </a:p>
+          <a:p>
+            <a:pPr lvl="1"/>
+            <a:r>
+              <a:rPr kumimoji="1" lang="en-US" altLang="ja-JP"/>
+              <a:t>Second level</a:t>
+            </a:r>
+          </a:p>
+          <a:p>
+            <a:pPr lvl="2"/>
+            <a:r>
+              <a:rPr kumimoji="1" lang="en-US" altLang="ja-JP"/>
+              <a:t>Third level</a:t>
+            </a:r>
+          </a:p>
+          <a:p>
+            <a:pPr lvl="3"/>
+            <a:r>
+              <a:rPr kumimoji="1" lang="en-US" altLang="ja-JP"/>
+              <a:t>Fourth level</a:t>
+            </a:r>
+          </a:p>
+          <a:p>
+            <a:pPr lvl="4"/>
+            <a:r>
+              <a:rPr kumimoji="1" lang="en-US" altLang="ja-JP"/>
+              <a:t>Fifth level</a:t>
+            </a:r>
+            <a:endParaRPr kumimoji="1" lang="ja-JP" altLang="en-US"/>
+          </a:p>
+        </p:txBody>
+      </p:sp>
+      <p:sp>
+        <p:nvSpPr>
+          <p:cNvPr id="4" name="Date Placeholder 3">
+            <a:extLst>
+              <a:ext uri="{FF2B5EF4-FFF2-40B4-BE49-F238E27FC236}">
+                <a16:creationId xmlns:a16="http://schemas.microsoft.com/office/drawing/2014/main" id="{9C4AC40F-136C-4F2D-AAD6-92FC27FA39C2}"/>
+              </a:ext>
+            </a:extLst>
+          </p:cNvPr>
+          <p:cNvSpPr>
+            <a:spLocks noGrp="1"/>
+          </p:cNvSpPr>
+          <p:nvPr>
+            <p:ph type="dt" sz="half" idx="2"/>
+          </p:nvPr>
+        </p:nvSpPr>
+        <p:spPr>
+          <a:xfrm>
+            <a:off x="838200" y="6356350"/>
+            <a:ext cx="2743200" cy="365125"/>
+          </a:xfrm>
+          <a:prstGeom prst="rect">
+            <a:avLst/>
+          </a:prstGeom>
+        </p:spPr>
+        <p:txBody>
+          <a:bodyPr vert="horz" lIns="91440" tIns="45720" rIns="91440" bIns="45720" rtlCol="0" anchor="ctr"/>
+          <a:lstStyle>
+            <a:lvl1pPr algn="l">
+              <a:defRPr sz="1200">
+                <a:solidFill>
+                  <a:schemeClr val="tx1">
+                    <a:tint val="75000"/>
+                  </a:schemeClr>
+                </a:solidFill>
+              </a:defRPr>
+            </a:lvl1pPr>
+          </a:lstStyle>
+          <a:p>
+            <a:fld id="{E39BB0AE-2005-433A-A63C-0839A51A1168}" type="datetimeFigureOut">
+              <a:rPr kumimoji="1" lang="ja-JP" altLang="en-US" smtClean="0"/>
+              <a:t>2021/12/6</a:t>
+            </a:fld>
+            <a:endParaRPr kumimoji="1" lang="ja-JP" altLang="en-US"/>
+          </a:p>
+        </p:txBody>
+      </p:sp>
+      <p:sp>
+        <p:nvSpPr>
+          <p:cNvPr id="5" name="Footer Placeholder 4">
+            <a:extLst>
+              <a:ext uri="{FF2B5EF4-FFF2-40B4-BE49-F238E27FC236}">
+                <a16:creationId xmlns:a16="http://schemas.microsoft.com/office/drawing/2014/main" id="{B7658397-ABF3-4538-BCE9-FE5868DC5070}"/>
+              </a:ext>
+            </a:extLst>
+          </p:cNvPr>
+          <p:cNvSpPr>
+            <a:spLocks noGrp="1"/>
+          </p:cNvSpPr>
+          <p:nvPr>
+            <p:ph type="ftr" sz="quarter" idx="3"/>
+          </p:nvPr>
+        </p:nvSpPr>
+        <p:spPr>
+          <a:xfrm>
+            <a:off x="4038600" y="6356350"/>
+            <a:ext cx="4114800" cy="365125"/>
+          </a:xfrm>
+          <a:prstGeom prst="rect">
+            <a:avLst/>
+          </a:prstGeom>
+        </p:spPr>
+        <p:txBody>
+          <a:bodyPr vert="horz" lIns="91440" tIns="45720" rIns="91440" bIns="45720" rtlCol="0" anchor="ctr"/>
+          <a:lstStyle>
+            <a:lvl1pPr algn="ctr">
+              <a:defRPr sz="1200">
+                <a:solidFill>
+                  <a:schemeClr val="tx1">
+                    <a:tint val="75000"/>
+                  </a:schemeClr>
+                </a:solidFill>
+              </a:defRPr>
+            </a:lvl1pPr>
+          </a:lstStyle>
+          <a:p>
+            <a:endParaRPr kumimoji="1" lang="ja-JP" altLang="en-US"/>
+          </a:p>
+        </p:txBody>
+      </p:sp>
+      <p:sp>
+        <p:nvSpPr>
+          <p:cNvPr id="6" name="Slide Number Placeholder 5">
+            <a:extLst>
+              <a:ext uri="{FF2B5EF4-FFF2-40B4-BE49-F238E27FC236}">
+                <a16:creationId xmlns:a16="http://schemas.microsoft.com/office/drawing/2014/main" id="{4EF7F3E0-6B0F-4E34-850B-0A0E2031A55F}"/>
+              </a:ext>
+            </a:extLst>
+          </p:cNvPr>
+          <p:cNvSpPr>
+            <a:spLocks noGrp="1"/>
+          </p:cNvSpPr>
+          <p:nvPr>
+            <p:ph type="sldNum" sz="quarter" idx="4"/>
+          </p:nvPr>
+        </p:nvSpPr>
+        <p:spPr>
+          <a:xfrm>
+            <a:off x="8610600" y="6356350"/>
+            <a:ext cx="2743200" cy="365125"/>
+          </a:xfrm>
+          <a:prstGeom prst="rect">
+            <a:avLst/>
+          </a:prstGeom>
+        </p:spPr>
+        <p:txBody>
+          <a:bodyPr vert="horz" lIns="91440" tIns="45720" rIns="91440" bIns="45720" rtlCol="0" anchor="ctr"/>
+          <a:lstStyle>
+            <a:lvl1pPr algn="r">
+              <a:defRPr sz="1200">
+                <a:solidFill>
+                  <a:schemeClr val="tx1">
+                    <a:tint val="75000"/>
+                  </a:schemeClr>
+                </a:solidFill>
+              </a:defRPr>
+            </a:lvl1pPr>
+          </a:lstStyle>
+          <a:p>
+            <a:fld id="{AECB69B1-4BEF-4516-AF32-9CE838665538}" type="slidenum">
+              <a:rPr kumimoji="1" lang="ja-JP" altLang="en-US" smtClean="0"/>
+              <a:t>‹#›</a:t>
+            </a:fld>
+            <a:endParaRPr kumimoji="1" lang="ja-JP" altLang="en-US"/>
+          </a:p>
+        </p:txBody>
+      </p:sp>
+    </p:spTree>
+    <p:extLst>
+      <p:ext uri="{BB962C8B-B14F-4D97-AF65-F5344CB8AC3E}">
+        <p14:creationId xmlns:p14="http://schemas.microsoft.com/office/powerpoint/2010/main" val="2014059876"/>
+      </p:ext>
+    </p:extLst>
+  </p:cSld>
+  <p:clrMap bg1="lt1" tx1="dk1" bg2="lt2" tx2="dk2" accent1="accent1" accent2="accent2" accent3="accent3" accent4="accent4" accent5="accent5" accent6="accent6" hlink="hlink" folHlink="folHlink"/>
+  <p:sldLayoutIdLst>
+    <p:sldLayoutId id="2147483662" r:id="rId1"/>
+    <p:sldLayoutId id="2147483664" r:id="rId2"/>
+  </p:sldLayoutIdLst>
+  <p:txStyles>
+    <p:titleStyle>
+      <a:lvl1pPr algn="l" defTabSz="914400" rtl="0" eaLnBrk="1" latinLnBrk="0" hangingPunct="1">
+        <a:lnSpc>
+          <a:spcPct val="90000"/>
+        </a:lnSpc>
+        <a:spcBef>
+          <a:spcPct val="0"/>
+        </a:spcBef>
+        <a:buNone/>
+        <a:defRPr kumimoji="1" sz="4400" kern="1200">
+          <a:solidFill>
+            <a:schemeClr val="tx1"/>
+          </a:solidFill>
+          <a:latin typeface="+mj-lt"/>
+          <a:ea typeface="+mj-ea"/>
+          <a:cs typeface="+mj-cs"/>
+        </a:defRPr>
+      </a:lvl1pPr>
+    </p:titleStyle>
+    <p:bodyStyle>
+      <a:lvl1pPr marL="228600" indent="-228600" algn="l" defTabSz="914400" rtl="0" eaLnBrk="1" latinLnBrk="0" hangingPunct="1">
+        <a:lnSpc>
+          <a:spcPct val="90000"/>
+        </a:lnSpc>
+        <a:spcBef>
+          <a:spcPts val="1000"/>
+        </a:spcBef>
+        <a:buFont typeface="Arial" panose="020B0604020202020204" pitchFamily="34" charset="0"/>
+        <a:buChar char="•"/>
+        <a:defRPr kumimoji="1" sz="2800" kern="1200">
+          <a:solidFill>
+            <a:schemeClr val="tx1"/>
+          </a:solidFill>
+          <a:latin typeface="+mn-lt"/>
+          <a:ea typeface="+mn-ea"/>
+          <a:cs typeface="+mn-cs"/>
+        </a:defRPr>
+      </a:lvl1pPr>
+      <a:lvl2pPr marL="685800" indent="-228600" algn="l" defTabSz="914400" rtl="0" eaLnBrk="1" latinLnBrk="0" hangingPunct="1">
+        <a:lnSpc>
+          <a:spcPct val="90000"/>
+        </a:lnSpc>
+        <a:spcBef>
+          <a:spcPts val="500"/>
+        </a:spcBef>
+        <a:buFont typeface="Arial" panose="020B0604020202020204" pitchFamily="34" charset="0"/>
+        <a:buChar char="•"/>
+        <a:defRPr kumimoji="1" sz="2400" kern="1200">
+          <a:solidFill>
+            <a:schemeClr val="tx1"/>
+          </a:solidFill>
+          <a:latin typeface="+mn-lt"/>
+          <a:ea typeface="+mn-ea"/>
+          <a:cs typeface="+mn-cs"/>
+        </a:defRPr>
+      </a:lvl2pPr>
+      <a:lvl3pPr marL="1143000" indent="-228600" algn="l" defTabSz="914400" rtl="0" eaLnBrk="1" latinLnBrk="0" hangingPunct="1">
+        <a:lnSpc>
+          <a:spcPct val="90000"/>
+        </a:lnSpc>
+        <a:spcBef>
+          <a:spcPts val="500"/>
+        </a:spcBef>
+        <a:buFont typeface="Arial" panose="020B0604020202020204" pitchFamily="34" charset="0"/>
+        <a:buChar char="•"/>
+        <a:defRPr kumimoji="1" sz="2000" kern="1200">
+          <a:solidFill>
+            <a:schemeClr val="tx1"/>
+          </a:solidFill>
+          <a:latin typeface="+mn-lt"/>
+          <a:ea typeface="+mn-ea"/>
+          <a:cs typeface="+mn-cs"/>
+        </a:defRPr>
+      </a:lvl3pPr>
+      <a:lvl4pPr marL="1600200" indent="-228600" algn="l" defTabSz="914400" rtl="0" eaLnBrk="1" latinLnBrk="0" hangingPunct="1">
+        <a:lnSpc>
+          <a:spcPct val="90000"/>
+        </a:lnSpc>
+        <a:spcBef>
+          <a:spcPts val="500"/>
+        </a:spcBef>
+        <a:buFont typeface="Arial" panose="020B0604020202020204" pitchFamily="34" charset="0"/>
+        <a:buChar char="•"/>
+        <a:defRPr kumimoji="1" sz="1800" kern="1200">
+          <a:solidFill>
+            <a:schemeClr val="tx1"/>
+          </a:solidFill>
+          <a:latin typeface="+mn-lt"/>
+          <a:ea typeface="+mn-ea"/>
+          <a:cs typeface="+mn-cs"/>
+        </a:defRPr>
+      </a:lvl4pPr>
+      <a:lvl5pPr marL="2057400" indent="-228600" algn="l" defTabSz="914400" rtl="0" eaLnBrk="1" latinLnBrk="0" hangingPunct="1">
+        <a:lnSpc>
+          <a:spcPct val="90000"/>
+        </a:lnSpc>
+        <a:spcBef>
+          <a:spcPts val="500"/>
+        </a:spcBef>
+        <a:buFont typeface="Arial" panose="020B0604020202020204" pitchFamily="34" charset="0"/>
+        <a:buChar char="•"/>
+        <a:defRPr kumimoji="1" sz="1800" kern="1200">
+          <a:solidFill>
+            <a:schemeClr val="tx1"/>
+          </a:solidFill>
+          <a:latin typeface="+mn-lt"/>
+          <a:ea typeface="+mn-ea"/>
+          <a:cs typeface="+mn-cs"/>
+        </a:defRPr>
+      </a:lvl5pPr>
+      <a:lvl6pPr marL="2514600" indent="-228600" algn="l" defTabSz="914400" rtl="0" eaLnBrk="1" latinLnBrk="0" hangingPunct="1">
+        <a:lnSpc>
+          <a:spcPct val="90000"/>
+        </a:lnSpc>
+        <a:spcBef>
+          <a:spcPts val="500"/>
+        </a:spcBef>
+        <a:buFont typeface="Arial" panose="020B0604020202020204" pitchFamily="34" charset="0"/>
+        <a:buChar char="•"/>
+        <a:defRPr kumimoji="1" sz="1800" kern="1200">
+          <a:solidFill>
+            <a:schemeClr val="tx1"/>
+          </a:solidFill>
+          <a:latin typeface="+mn-lt"/>
+          <a:ea typeface="+mn-ea"/>
+          <a:cs typeface="+mn-cs"/>
+        </a:defRPr>
+      </a:lvl6pPr>
+      <a:lvl7pPr marL="2971800" indent="-228600" algn="l" defTabSz="914400" rtl="0" eaLnBrk="1" latinLnBrk="0" hangingPunct="1">
+        <a:lnSpc>
+          <a:spcPct val="90000"/>
+        </a:lnSpc>
+        <a:spcBef>
+          <a:spcPts val="500"/>
+        </a:spcBef>
+        <a:buFont typeface="Arial" panose="020B0604020202020204" pitchFamily="34" charset="0"/>
+        <a:buChar char="•"/>
+        <a:defRPr kumimoji="1" sz="1800" kern="1200">
+          <a:solidFill>
+            <a:schemeClr val="tx1"/>
+          </a:solidFill>
+          <a:latin typeface="+mn-lt"/>
+          <a:ea typeface="+mn-ea"/>
+          <a:cs typeface="+mn-cs"/>
+        </a:defRPr>
+      </a:lvl7pPr>
+      <a:lvl8pPr marL="3429000" indent="-228600" algn="l" defTabSz="914400" rtl="0" eaLnBrk="1" latinLnBrk="0" hangingPunct="1">
+        <a:lnSpc>
+          <a:spcPct val="90000"/>
+        </a:lnSpc>
+        <a:spcBef>
+          <a:spcPts val="500"/>
+        </a:spcBef>
+        <a:buFont typeface="Arial" panose="020B0604020202020204" pitchFamily="34" charset="0"/>
+        <a:buChar char="•"/>
+        <a:defRPr kumimoji="1" sz="1800" kern="1200">
+          <a:solidFill>
+            <a:schemeClr val="tx1"/>
+          </a:solidFill>
+          <a:latin typeface="+mn-lt"/>
+          <a:ea typeface="+mn-ea"/>
+          <a:cs typeface="+mn-cs"/>
+        </a:defRPr>
+      </a:lvl8pPr>
+      <a:lvl9pPr marL="3886200" indent="-228600" algn="l" defTabSz="914400" rtl="0" eaLnBrk="1" latinLnBrk="0" hangingPunct="1">
+        <a:lnSpc>
+          <a:spcPct val="90000"/>
+        </a:lnSpc>
+        <a:spcBef>
+          <a:spcPts val="500"/>
+        </a:spcBef>
+        <a:buFont typeface="Arial" panose="020B0604020202020204" pitchFamily="34" charset="0"/>
+        <a:buChar char="•"/>
+        <a:defRPr kumimoji="1" sz="1800" kern="1200">
+          <a:solidFill>
+            <a:schemeClr val="tx1"/>
+          </a:solidFill>
+          <a:latin typeface="+mn-lt"/>
+          <a:ea typeface="+mn-ea"/>
+          <a:cs typeface="+mn-cs"/>
+        </a:defRPr>
+      </a:lvl9pPr>
+    </p:bodyStyle>
+    <p:otherStyle>
+      <a:defPPr>
+        <a:defRPr lang="ja-JP"/>
+      </a:defPPr>
+      <a:lvl1pPr marL="0" algn="l" defTabSz="914400" rtl="0" eaLnBrk="1" latinLnBrk="0" hangingPunct="1">
+        <a:defRPr kumimoji="1" sz="1800" kern="1200">
+          <a:solidFill>
+            <a:schemeClr val="tx1"/>
+          </a:solidFill>
+          <a:latin typeface="+mn-lt"/>
+          <a:ea typeface="+mn-ea"/>
+          <a:cs typeface="+mn-cs"/>
+        </a:defRPr>
+      </a:lvl1pPr>
+      <a:lvl2pPr marL="457200" algn="l" defTabSz="914400" rtl="0" eaLnBrk="1" latinLnBrk="0" hangingPunct="1">
+        <a:defRPr kumimoji="1" sz="1800" kern="1200">
+          <a:solidFill>
+            <a:schemeClr val="tx1"/>
+          </a:solidFill>
+          <a:latin typeface="+mn-lt"/>
+          <a:ea typeface="+mn-ea"/>
+          <a:cs typeface="+mn-cs"/>
+        </a:defRPr>
+      </a:lvl2pPr>
+      <a:lvl3pPr marL="914400" algn="l" defTabSz="914400" rtl="0" eaLnBrk="1" latinLnBrk="0" hangingPunct="1">
+        <a:defRPr kumimoji="1" sz="1800" kern="1200">
+          <a:solidFill>
+            <a:schemeClr val="tx1"/>
+          </a:solidFill>
+          <a:latin typeface="+mn-lt"/>
+          <a:ea typeface="+mn-ea"/>
+          <a:cs typeface="+mn-cs"/>
+        </a:defRPr>
+      </a:lvl3pPr>
+      <a:lvl4pPr marL="1371600" algn="l" defTabSz="914400" rtl="0" eaLnBrk="1" latinLnBrk="0" hangingPunct="1">
+        <a:defRPr kumimoji="1" sz="1800" kern="1200">
+          <a:solidFill>
+            <a:schemeClr val="tx1"/>
+          </a:solidFill>
+          <a:latin typeface="+mn-lt"/>
+          <a:ea typeface="+mn-ea"/>
+          <a:cs typeface="+mn-cs"/>
+        </a:defRPr>
+      </a:lvl4pPr>
+      <a:lvl5pPr marL="1828800" algn="l" defTabSz="914400" rtl="0" eaLnBrk="1" latinLnBrk="0" hangingPunct="1">
+        <a:defRPr kumimoji="1" sz="1800" kern="1200">
+          <a:solidFill>
+            <a:schemeClr val="tx1"/>
+          </a:solidFill>
+          <a:latin typeface="+mn-lt"/>
+          <a:ea typeface="+mn-ea"/>
+          <a:cs typeface="+mn-cs"/>
+        </a:defRPr>
+      </a:lvl5pPr>
+      <a:lvl6pPr marL="2286000" algn="l" defTabSz="914400" rtl="0" eaLnBrk="1" latinLnBrk="0" hangingPunct="1">
+        <a:defRPr kumimoji="1" sz="1800" kern="1200">
+          <a:solidFill>
+            <a:schemeClr val="tx1"/>
+          </a:solidFill>
+          <a:latin typeface="+mn-lt"/>
+          <a:ea typeface="+mn-ea"/>
+          <a:cs typeface="+mn-cs"/>
+        </a:defRPr>
+      </a:lvl6pPr>
+      <a:lvl7pPr marL="2743200" algn="l" defTabSz="914400" rtl="0" eaLnBrk="1" latinLnBrk="0" hangingPunct="1">
+        <a:defRPr kumimoji="1" sz="1800" kern="1200">
+          <a:solidFill>
+            <a:schemeClr val="tx1"/>
+          </a:solidFill>
+          <a:latin typeface="+mn-lt"/>
+          <a:ea typeface="+mn-ea"/>
+          <a:cs typeface="+mn-cs"/>
+        </a:defRPr>
+      </a:lvl7pPr>
+      <a:lvl8pPr marL="3200400" algn="l" defTabSz="914400" rtl="0" eaLnBrk="1" latinLnBrk="0" hangingPunct="1">
+        <a:defRPr kumimoji="1" sz="1800" kern="1200">
+          <a:solidFill>
+            <a:schemeClr val="tx1"/>
+          </a:solidFill>
+          <a:latin typeface="+mn-lt"/>
+          <a:ea typeface="+mn-ea"/>
+          <a:cs typeface="+mn-cs"/>
+        </a:defRPr>
+      </a:lvl8pPr>
+      <a:lvl9pPr marL="3657600" algn="l" defTabSz="914400" rtl="0" eaLnBrk="1" latinLnBrk="0" hangingPunct="1">
+        <a:defRPr kumimoji="1" sz="1800" kern="1200">
+          <a:solidFill>
+            <a:schemeClr val="tx1"/>
+          </a:solidFill>
+          <a:latin typeface="+mn-lt"/>
+          <a:ea typeface="+mn-ea"/>
+          <a:cs typeface="+mn-cs"/>
+        </a:defRPr>
+      </a:lvl9pPr>
+    </p:otherStyle>
+  </p:txStyles>
+</p:sldMaster>
+</file>
+
 <file path=ppt/slides/slide1.xml><?xml version="1.0" encoding="utf-8"?>
 <p:sld xmlns:a="http://schemas.openxmlformats.org/drawingml/2006/main" xmlns:r="http://schemas.openxmlformats.org/officeDocument/2006/relationships" xmlns:p="http://schemas.openxmlformats.org/presentationml/2006/main">
   <p:cSld>
@@ -6389,64 +7967,652 @@
       </p:grpSpPr>
       <p:sp>
         <p:nvSpPr>
-          <p:cNvPr id="2" name="标题 1">
+          <p:cNvPr id="2" name="TextBox 1">
             <a:extLst>
               <a:ext uri="{FF2B5EF4-FFF2-40B4-BE49-F238E27FC236}">
-                <a16:creationId xmlns:a16="http://schemas.microsoft.com/office/drawing/2014/main" id="{EA63C89C-17F0-4E53-AC9F-B348A973B515}"/>
+                <a16:creationId xmlns:a16="http://schemas.microsoft.com/office/drawing/2014/main" id="{AA1F4CBC-F516-4E58-890A-2E953721FABA}"/>
               </a:ext>
             </a:extLst>
           </p:cNvPr>
-          <p:cNvSpPr>
-            <a:spLocks noGrp="1"/>
-          </p:cNvSpPr>
-          <p:nvPr>
-            <p:ph type="ctrTitle"/>
-          </p:nvPr>
+          <p:cNvSpPr txBox="1"/>
+          <p:nvPr/>
         </p:nvSpPr>
-        <p:spPr/>
+        <p:spPr>
+          <a:xfrm>
+            <a:off x="357028" y="1235178"/>
+            <a:ext cx="5955282" cy="307777"/>
+          </a:xfrm>
+          <a:prstGeom prst="rect">
+            <a:avLst/>
+          </a:prstGeom>
+          <a:noFill/>
+        </p:spPr>
         <p:txBody>
-          <a:bodyPr/>
+          <a:bodyPr wrap="square" rtlCol="0">
+            <a:spAutoFit/>
+          </a:bodyPr>
           <a:lstStyle/>
           <a:p>
-            <a:endParaRPr lang="zh-CN" altLang="en-US" dirty="0"/>
+            <a:r>
+              <a:rPr lang="zh-CN" altLang="en-US" sz="1400" b="1" dirty="0">
+                <a:latin typeface="Microsoft YaHei" panose="020B0503020204020204" pitchFamily="34" charset="-122"/>
+                <a:ea typeface="Microsoft YaHei" panose="020B0503020204020204" pitchFamily="34" charset="-122"/>
+              </a:rPr>
+              <a:t>成员：</a:t>
+            </a:r>
+            <a:r>
+              <a:rPr lang="zh-CN" altLang="en-US" sz="1400" dirty="0">
+                <a:latin typeface="Microsoft YaHei" panose="020B0503020204020204" pitchFamily="34" charset="-122"/>
+                <a:ea typeface="Microsoft YaHei" panose="020B0503020204020204" pitchFamily="34" charset="-122"/>
+              </a:rPr>
+              <a:t>吴振宇（</a:t>
+            </a:r>
+            <a:r>
+              <a:rPr lang="en-US" altLang="zh-CN" sz="1400" dirty="0" err="1">
+                <a:latin typeface="Microsoft YaHei" panose="020B0503020204020204" pitchFamily="34" charset="-122"/>
+                <a:ea typeface="Microsoft YaHei" panose="020B0503020204020204" pitchFamily="34" charset="-122"/>
+              </a:rPr>
+              <a:t>zhenyu.wu</a:t>
+            </a:r>
+            <a:r>
+              <a:rPr lang="zh-CN" altLang="en-US" sz="1400" dirty="0">
+                <a:latin typeface="Microsoft YaHei" panose="020B0503020204020204" pitchFamily="34" charset="-122"/>
+                <a:ea typeface="Microsoft YaHei" panose="020B0503020204020204" pitchFamily="34" charset="-122"/>
+              </a:rPr>
+              <a:t>）顾悦晨（</a:t>
+            </a:r>
+            <a:r>
+              <a:rPr lang="en-US" altLang="zh-CN" sz="1400" dirty="0">
+                <a:latin typeface="Microsoft YaHei" panose="020B0503020204020204" pitchFamily="34" charset="-122"/>
+                <a:ea typeface="Microsoft YaHei" panose="020B0503020204020204" pitchFamily="34" charset="-122"/>
+              </a:rPr>
+              <a:t>yuechen.gu</a:t>
+            </a:r>
+            <a:r>
+              <a:rPr lang="zh-CN" altLang="en-US" sz="1400" dirty="0">
+                <a:latin typeface="Microsoft YaHei" panose="020B0503020204020204" pitchFamily="34" charset="-122"/>
+                <a:ea typeface="Microsoft YaHei" panose="020B0503020204020204" pitchFamily="34" charset="-122"/>
+              </a:rPr>
+              <a:t>）</a:t>
+            </a:r>
+            <a:endParaRPr lang="en-US" sz="1400" dirty="0">
+              <a:latin typeface="Microsoft YaHei" panose="020B0503020204020204" pitchFamily="34" charset="-122"/>
+              <a:ea typeface="Microsoft YaHei" panose="020B0503020204020204" pitchFamily="34" charset="-122"/>
+            </a:endParaRPr>
           </a:p>
         </p:txBody>
       </p:sp>
       <p:sp>
         <p:nvSpPr>
-          <p:cNvPr id="3" name="副标题 2">
+          <p:cNvPr id="3" name="TextBox 2">
             <a:extLst>
               <a:ext uri="{FF2B5EF4-FFF2-40B4-BE49-F238E27FC236}">
-                <a16:creationId xmlns:a16="http://schemas.microsoft.com/office/drawing/2014/main" id="{C8DD89D9-0D2F-4283-A28B-129B05F021CF}"/>
+                <a16:creationId xmlns:a16="http://schemas.microsoft.com/office/drawing/2014/main" id="{E0F622F4-BC73-42BC-A319-2A1E1D529F23}"/>
               </a:ext>
             </a:extLst>
           </p:cNvPr>
-          <p:cNvSpPr>
-            <a:spLocks noGrp="1"/>
-          </p:cNvSpPr>
-          <p:nvPr>
-            <p:ph type="subTitle" idx="1"/>
-          </p:nvPr>
+          <p:cNvSpPr txBox="1"/>
+          <p:nvPr/>
         </p:nvSpPr>
-        <p:spPr/>
+        <p:spPr>
+          <a:xfrm>
+            <a:off x="357029" y="2133101"/>
+            <a:ext cx="3837900" cy="2423227"/>
+          </a:xfrm>
+          <a:prstGeom prst="rect">
+            <a:avLst/>
+          </a:prstGeom>
+          <a:noFill/>
+        </p:spPr>
         <p:txBody>
-          <a:bodyPr/>
+          <a:bodyPr wrap="square" rtlCol="0">
+            <a:spAutoFit/>
+          </a:bodyPr>
           <a:lstStyle/>
           <a:p>
-            <a:endParaRPr lang="zh-CN" altLang="en-US"/>
+            <a:r>
+              <a:rPr lang="zh-CN" altLang="en-US" sz="2000" b="1" dirty="0">
+                <a:latin typeface="Microsoft YaHei" panose="020B0503020204020204" pitchFamily="34" charset="-122"/>
+                <a:ea typeface="Microsoft YaHei" panose="020B0503020204020204" pitchFamily="34" charset="-122"/>
+              </a:rPr>
+              <a:t>负责板块：前端</a:t>
+            </a:r>
+            <a:endParaRPr lang="en-US" altLang="zh-CN" sz="2000" b="1" dirty="0">
+              <a:latin typeface="Microsoft YaHei" panose="020B0503020204020204" pitchFamily="34" charset="-122"/>
+              <a:ea typeface="Microsoft YaHei" panose="020B0503020204020204" pitchFamily="34" charset="-122"/>
+            </a:endParaRPr>
+          </a:p>
+          <a:p>
+            <a:endParaRPr lang="en-US" altLang="zh-CN" sz="2000" b="1" dirty="0">
+              <a:latin typeface="Microsoft YaHei" panose="020B0503020204020204" pitchFamily="34" charset="-122"/>
+              <a:ea typeface="Microsoft YaHei" panose="020B0503020204020204" pitchFamily="34" charset="-122"/>
+            </a:endParaRPr>
+          </a:p>
+          <a:p>
+            <a:r>
+              <a:rPr lang="zh-CN" altLang="en-US" sz="2000" b="1" dirty="0">
+                <a:latin typeface="Microsoft YaHei" panose="020B0503020204020204" pitchFamily="34" charset="-122"/>
+                <a:ea typeface="Microsoft YaHei" panose="020B0503020204020204" pitchFamily="34" charset="-122"/>
+              </a:rPr>
+              <a:t>需求：</a:t>
+            </a:r>
+            <a:endParaRPr lang="en-US" altLang="zh-CN" sz="2000" b="1" dirty="0">
+              <a:latin typeface="Microsoft YaHei" panose="020B0503020204020204" pitchFamily="34" charset="-122"/>
+              <a:ea typeface="Microsoft YaHei" panose="020B0503020204020204" pitchFamily="34" charset="-122"/>
+            </a:endParaRPr>
+          </a:p>
+          <a:p>
+            <a:endParaRPr lang="en-US" altLang="ja-JP" sz="2000" b="1" dirty="0">
+              <a:latin typeface="Microsoft YaHei" panose="020B0503020204020204" pitchFamily="34" charset="-122"/>
+              <a:ea typeface="Microsoft YaHei" panose="020B0503020204020204" pitchFamily="34" charset="-122"/>
+            </a:endParaRPr>
+          </a:p>
+          <a:p>
+            <a:pPr marL="0" indent="0">
+              <a:lnSpc>
+                <a:spcPct val="100000"/>
+              </a:lnSpc>
+              <a:buNone/>
+            </a:pPr>
+            <a:r>
+              <a:rPr lang="en-US" altLang="zh-CN" sz="2000" dirty="0">
+                <a:latin typeface="Microsoft YaHei" panose="020B0503020204020204" pitchFamily="34" charset="-122"/>
+                <a:ea typeface="Microsoft YaHei" panose="020B0503020204020204" pitchFamily="34" charset="-122"/>
+              </a:rPr>
+              <a:t>1. </a:t>
+            </a:r>
+            <a:r>
+              <a:rPr lang="zh-CN" altLang="en-US" sz="2000" dirty="0">
+                <a:latin typeface="Microsoft YaHei" panose="020B0503020204020204" pitchFamily="34" charset="-122"/>
+                <a:ea typeface="Microsoft YaHei" panose="020B0503020204020204" pitchFamily="34" charset="-122"/>
+              </a:rPr>
+              <a:t>前端模块设计与架构</a:t>
+            </a:r>
+            <a:endParaRPr lang="en-US" altLang="zh-CN" sz="2000" dirty="0">
+              <a:latin typeface="Microsoft YaHei" panose="020B0503020204020204" pitchFamily="34" charset="-122"/>
+              <a:ea typeface="Microsoft YaHei" panose="020B0503020204020204" pitchFamily="34" charset="-122"/>
+            </a:endParaRPr>
+          </a:p>
+          <a:p>
+            <a:pPr marL="0" indent="0">
+              <a:lnSpc>
+                <a:spcPct val="100000"/>
+              </a:lnSpc>
+              <a:spcBef>
+                <a:spcPts val="600"/>
+              </a:spcBef>
+              <a:buNone/>
+            </a:pPr>
+            <a:r>
+              <a:rPr lang="en-US" altLang="zh-CN" sz="2000" dirty="0">
+                <a:latin typeface="Microsoft YaHei" panose="020B0503020204020204" pitchFamily="34" charset="-122"/>
+                <a:ea typeface="Microsoft YaHei" panose="020B0503020204020204" pitchFamily="34" charset="-122"/>
+              </a:rPr>
+              <a:t>2. </a:t>
+            </a:r>
+            <a:r>
+              <a:rPr lang="zh-CN" altLang="en-US" sz="2000" dirty="0">
+                <a:latin typeface="Microsoft YaHei" panose="020B0503020204020204" pitchFamily="34" charset="-122"/>
+                <a:ea typeface="Microsoft YaHei" panose="020B0503020204020204" pitchFamily="34" charset="-122"/>
+              </a:rPr>
+              <a:t>各模块页面功能实现</a:t>
+            </a:r>
+            <a:endParaRPr lang="en-US" altLang="zh-CN" sz="2000" dirty="0">
+              <a:latin typeface="Microsoft YaHei" panose="020B0503020204020204" pitchFamily="34" charset="-122"/>
+              <a:ea typeface="Microsoft YaHei" panose="020B0503020204020204" pitchFamily="34" charset="-122"/>
+            </a:endParaRPr>
+          </a:p>
+          <a:p>
+            <a:pPr marL="0" indent="0">
+              <a:lnSpc>
+                <a:spcPct val="150000"/>
+              </a:lnSpc>
+              <a:spcBef>
+                <a:spcPts val="0"/>
+              </a:spcBef>
+              <a:spcAft>
+                <a:spcPts val="0"/>
+              </a:spcAft>
+              <a:buNone/>
+            </a:pPr>
+            <a:r>
+              <a:rPr lang="en-US" altLang="zh-CN" sz="2000" dirty="0">
+                <a:latin typeface="Microsoft YaHei" panose="020B0503020204020204" pitchFamily="34" charset="-122"/>
+                <a:ea typeface="Microsoft YaHei" panose="020B0503020204020204" pitchFamily="34" charset="-122"/>
+              </a:rPr>
+              <a:t>3. </a:t>
+            </a:r>
+            <a:r>
+              <a:rPr lang="zh-CN" altLang="en-US" sz="2000" dirty="0">
+                <a:latin typeface="Microsoft YaHei" panose="020B0503020204020204" pitchFamily="34" charset="-122"/>
+                <a:ea typeface="Microsoft YaHei" panose="020B0503020204020204" pitchFamily="34" charset="-122"/>
+              </a:rPr>
+              <a:t>业务功能前台展示</a:t>
+            </a:r>
+            <a:endParaRPr lang="en-US" altLang="zh-CN" sz="2000" dirty="0">
+              <a:latin typeface="Microsoft YaHei" panose="020B0503020204020204" pitchFamily="34" charset="-122"/>
+              <a:ea typeface="Microsoft YaHei" panose="020B0503020204020204" pitchFamily="34" charset="-122"/>
+            </a:endParaRPr>
+          </a:p>
+        </p:txBody>
+      </p:sp>
+      <p:sp>
+        <p:nvSpPr>
+          <p:cNvPr id="5" name="TextBox 4">
+            <a:extLst>
+              <a:ext uri="{FF2B5EF4-FFF2-40B4-BE49-F238E27FC236}">
+                <a16:creationId xmlns:a16="http://schemas.microsoft.com/office/drawing/2014/main" id="{E339B7D1-2D59-4F4C-BA11-58AF100A5939}"/>
+              </a:ext>
+            </a:extLst>
+          </p:cNvPr>
+          <p:cNvSpPr txBox="1"/>
+          <p:nvPr/>
+        </p:nvSpPr>
+        <p:spPr>
+          <a:xfrm>
+            <a:off x="6312310" y="2133101"/>
+            <a:ext cx="3960829" cy="3963008"/>
+          </a:xfrm>
+          <a:prstGeom prst="rect">
+            <a:avLst/>
+          </a:prstGeom>
+          <a:noFill/>
+        </p:spPr>
+        <p:txBody>
+          <a:bodyPr wrap="square" lIns="0" tIns="0" rIns="0" bIns="45720" rtlCol="0">
+            <a:spAutoFit/>
+          </a:bodyPr>
+          <a:lstStyle/>
+          <a:p>
+            <a:pPr>
+              <a:lnSpc>
+                <a:spcPct val="150000"/>
+              </a:lnSpc>
+            </a:pPr>
+            <a:r>
+              <a:rPr lang="zh-CN" altLang="en-US" sz="1400" b="1" dirty="0">
+                <a:latin typeface="Microsoft YaHei" panose="020B0503020204020204" pitchFamily="34" charset="-122"/>
+                <a:ea typeface="Microsoft YaHei" panose="020B0503020204020204" pitchFamily="34" charset="-122"/>
+              </a:rPr>
+              <a:t>担当内容</a:t>
+            </a:r>
+            <a:endParaRPr lang="en-US" altLang="zh-CN" sz="1400" b="1" dirty="0">
+              <a:latin typeface="Microsoft YaHei" panose="020B0503020204020204" pitchFamily="34" charset="-122"/>
+              <a:ea typeface="Microsoft YaHei" panose="020B0503020204020204" pitchFamily="34" charset="-122"/>
+            </a:endParaRPr>
+          </a:p>
+          <a:p>
+            <a:pPr>
+              <a:lnSpc>
+                <a:spcPct val="150000"/>
+              </a:lnSpc>
+            </a:pPr>
+            <a:r>
+              <a:rPr lang="en-US" altLang="zh-CN" sz="1400" dirty="0">
+                <a:latin typeface="Microsoft YaHei" panose="020B0503020204020204" pitchFamily="34" charset="-122"/>
+                <a:ea typeface="Microsoft YaHei" panose="020B0503020204020204" pitchFamily="34" charset="-122"/>
+              </a:rPr>
+              <a:t>1. </a:t>
+            </a:r>
+            <a:r>
+              <a:rPr lang="zh-CN" altLang="en-US" sz="1400" dirty="0">
+                <a:latin typeface="Microsoft YaHei" panose="020B0503020204020204" pitchFamily="34" charset="-122"/>
+                <a:ea typeface="Microsoft YaHei" panose="020B0503020204020204" pitchFamily="34" charset="-122"/>
+              </a:rPr>
+              <a:t>前端页面各模块组件设计与架构</a:t>
+            </a:r>
+            <a:endParaRPr lang="en-US" altLang="zh-CN" sz="1400" dirty="0">
+              <a:latin typeface="Microsoft YaHei" panose="020B0503020204020204" pitchFamily="34" charset="-122"/>
+              <a:ea typeface="Microsoft YaHei" panose="020B0503020204020204" pitchFamily="34" charset="-122"/>
+            </a:endParaRPr>
+          </a:p>
+          <a:p>
+            <a:pPr>
+              <a:lnSpc>
+                <a:spcPct val="150000"/>
+              </a:lnSpc>
+              <a:spcBef>
+                <a:spcPts val="600"/>
+              </a:spcBef>
+            </a:pPr>
+            <a:r>
+              <a:rPr lang="en-US" altLang="zh-CN" sz="1400" dirty="0">
+                <a:latin typeface="Microsoft YaHei" panose="020B0503020204020204" pitchFamily="34" charset="-122"/>
+                <a:ea typeface="Microsoft YaHei" panose="020B0503020204020204" pitchFamily="34" charset="-122"/>
+              </a:rPr>
+              <a:t>2. </a:t>
+            </a:r>
+            <a:r>
+              <a:rPr lang="zh-CN" altLang="en-US" sz="1400" dirty="0">
+                <a:latin typeface="Microsoft YaHei" panose="020B0503020204020204" pitchFamily="34" charset="-122"/>
+                <a:ea typeface="Microsoft YaHei" panose="020B0503020204020204" pitchFamily="34" charset="-122"/>
+              </a:rPr>
+              <a:t>用户管理增删改查</a:t>
+            </a:r>
+            <a:r>
+              <a:rPr lang="en-US" altLang="zh-CN" sz="1400" dirty="0">
+                <a:latin typeface="Microsoft YaHei" panose="020B0503020204020204" pitchFamily="34" charset="-122"/>
+                <a:ea typeface="Microsoft YaHei" panose="020B0503020204020204" pitchFamily="34" charset="-122"/>
+              </a:rPr>
+              <a:t>API</a:t>
+            </a:r>
+          </a:p>
+          <a:p>
+            <a:pPr>
+              <a:lnSpc>
+                <a:spcPct val="150000"/>
+              </a:lnSpc>
+              <a:spcBef>
+                <a:spcPts val="0"/>
+              </a:spcBef>
+              <a:spcAft>
+                <a:spcPts val="0"/>
+              </a:spcAft>
+            </a:pPr>
+            <a:r>
+              <a:rPr lang="en-US" altLang="zh-CN" sz="1400" dirty="0">
+                <a:latin typeface="Microsoft YaHei" panose="020B0503020204020204" pitchFamily="34" charset="-122"/>
+                <a:ea typeface="Microsoft YaHei" panose="020B0503020204020204" pitchFamily="34" charset="-122"/>
+              </a:rPr>
+              <a:t>3.</a:t>
+            </a:r>
+            <a:r>
+              <a:rPr lang="zh-CN" altLang="en-US" sz="1400" dirty="0">
+                <a:latin typeface="Microsoft YaHei" panose="020B0503020204020204" pitchFamily="34" charset="-122"/>
+                <a:ea typeface="Microsoft YaHei" panose="020B0503020204020204" pitchFamily="34" charset="-122"/>
+              </a:rPr>
+              <a:t> 比赛</a:t>
+            </a:r>
+            <a:r>
+              <a:rPr lang="en-US" altLang="zh-CN" sz="1400" dirty="0">
+                <a:latin typeface="Microsoft YaHei" panose="020B0503020204020204" pitchFamily="34" charset="-122"/>
+                <a:ea typeface="Microsoft YaHei" panose="020B0503020204020204" pitchFamily="34" charset="-122"/>
+              </a:rPr>
+              <a:t>API</a:t>
+            </a:r>
+          </a:p>
+          <a:p>
+            <a:pPr>
+              <a:lnSpc>
+                <a:spcPct val="150000"/>
+              </a:lnSpc>
+            </a:pPr>
+            <a:r>
+              <a:rPr lang="en-US" altLang="zh-CN" sz="1400" dirty="0">
+                <a:latin typeface="Microsoft YaHei" panose="020B0503020204020204" pitchFamily="34" charset="-122"/>
+                <a:ea typeface="Microsoft YaHei" panose="020B0503020204020204" pitchFamily="34" charset="-122"/>
+              </a:rPr>
+              <a:t>4. </a:t>
+            </a:r>
+            <a:r>
+              <a:rPr lang="zh-CN" altLang="en-US" sz="1400" dirty="0">
+                <a:latin typeface="Microsoft YaHei" panose="020B0503020204020204" pitchFamily="34" charset="-122"/>
+                <a:ea typeface="Microsoft YaHei" panose="020B0503020204020204" pitchFamily="34" charset="-122"/>
+              </a:rPr>
+              <a:t>查询结果</a:t>
+            </a:r>
+            <a:r>
+              <a:rPr lang="en-US" altLang="zh-CN" sz="1400" dirty="0">
+                <a:latin typeface="Microsoft YaHei" panose="020B0503020204020204" pitchFamily="34" charset="-122"/>
+                <a:ea typeface="Microsoft YaHei" panose="020B0503020204020204" pitchFamily="34" charset="-122"/>
+              </a:rPr>
+              <a:t>API</a:t>
+            </a:r>
+          </a:p>
+          <a:p>
+            <a:pPr>
+              <a:lnSpc>
+                <a:spcPct val="150000"/>
+              </a:lnSpc>
+            </a:pPr>
+            <a:r>
+              <a:rPr lang="en-US" altLang="zh-CN" sz="1400" dirty="0">
+                <a:latin typeface="Microsoft YaHei" panose="020B0503020204020204" pitchFamily="34" charset="-122"/>
+                <a:ea typeface="Microsoft YaHei" panose="020B0503020204020204" pitchFamily="34" charset="-122"/>
+              </a:rPr>
+              <a:t>5. </a:t>
+            </a:r>
+            <a:r>
+              <a:rPr lang="zh-CN" altLang="en-US" sz="1400" dirty="0">
+                <a:latin typeface="Microsoft YaHei" panose="020B0503020204020204" pitchFamily="34" charset="-122"/>
+                <a:ea typeface="Microsoft YaHei" panose="020B0503020204020204" pitchFamily="34" charset="-122"/>
+              </a:rPr>
+              <a:t>前后端接口调试与异常系设计</a:t>
+            </a:r>
+            <a:endParaRPr lang="en-US" altLang="zh-CN" sz="1400" dirty="0">
+              <a:latin typeface="Microsoft YaHei" panose="020B0503020204020204" pitchFamily="34" charset="-122"/>
+              <a:ea typeface="Microsoft YaHei" panose="020B0503020204020204" pitchFamily="34" charset="-122"/>
+            </a:endParaRPr>
+          </a:p>
+          <a:p>
+            <a:pPr>
+              <a:lnSpc>
+                <a:spcPct val="150000"/>
+              </a:lnSpc>
+            </a:pPr>
+            <a:endParaRPr lang="en-US" altLang="zh-CN" sz="1400" dirty="0">
+              <a:latin typeface="Microsoft YaHei" panose="020B0503020204020204" pitchFamily="34" charset="-122"/>
+              <a:ea typeface="Microsoft YaHei" panose="020B0503020204020204" pitchFamily="34" charset="-122"/>
+            </a:endParaRPr>
+          </a:p>
+          <a:p>
+            <a:pPr marL="0" indent="0">
+              <a:lnSpc>
+                <a:spcPct val="150000"/>
+              </a:lnSpc>
+              <a:buNone/>
+            </a:pPr>
+            <a:r>
+              <a:rPr lang="zh-CN" altLang="en-US" sz="1400" b="1" dirty="0">
+                <a:latin typeface="Microsoft YaHei" panose="020B0503020204020204" pitchFamily="34" charset="-122"/>
+                <a:ea typeface="Microsoft YaHei" panose="020B0503020204020204" pitchFamily="34" charset="-122"/>
+              </a:rPr>
+              <a:t>考虑点</a:t>
+            </a:r>
+            <a:endParaRPr lang="en-US" altLang="zh-CN" sz="1400" b="1" dirty="0">
+              <a:latin typeface="Microsoft YaHei" panose="020B0503020204020204" pitchFamily="34" charset="-122"/>
+              <a:ea typeface="Microsoft YaHei" panose="020B0503020204020204" pitchFamily="34" charset="-122"/>
+            </a:endParaRPr>
+          </a:p>
+          <a:p>
+            <a:pPr>
+              <a:lnSpc>
+                <a:spcPct val="150000"/>
+              </a:lnSpc>
+            </a:pPr>
+            <a:r>
+              <a:rPr lang="en-US" altLang="zh-CN" sz="1400" dirty="0">
+                <a:latin typeface="Microsoft YaHei" panose="020B0503020204020204" pitchFamily="34" charset="-122"/>
+                <a:ea typeface="Microsoft YaHei" panose="020B0503020204020204" pitchFamily="34" charset="-122"/>
+              </a:rPr>
+              <a:t>1.</a:t>
+            </a:r>
+            <a:r>
+              <a:rPr lang="zh-CN" altLang="en-US" sz="1400" dirty="0">
+                <a:latin typeface="Microsoft YaHei" panose="020B0503020204020204" pitchFamily="34" charset="-122"/>
+                <a:ea typeface="Microsoft YaHei" panose="020B0503020204020204" pitchFamily="34" charset="-122"/>
+              </a:rPr>
+              <a:t>请求类型</a:t>
+            </a:r>
+            <a:r>
+              <a:rPr lang="en-US" altLang="zh-CN" sz="1400" dirty="0">
+                <a:latin typeface="Microsoft YaHei" panose="020B0503020204020204" pitchFamily="34" charset="-122"/>
+                <a:ea typeface="Microsoft YaHei" panose="020B0503020204020204" pitchFamily="34" charset="-122"/>
+              </a:rPr>
+              <a:t>(Post</a:t>
+            </a:r>
+            <a:r>
+              <a:rPr lang="zh-CN" altLang="en-US" sz="1400" dirty="0">
+                <a:latin typeface="Microsoft YaHei" panose="020B0503020204020204" pitchFamily="34" charset="-122"/>
+                <a:ea typeface="Microsoft YaHei" panose="020B0503020204020204" pitchFamily="34" charset="-122"/>
+              </a:rPr>
+              <a:t>与</a:t>
+            </a:r>
+            <a:r>
+              <a:rPr lang="en-US" altLang="zh-CN" sz="1400" dirty="0">
+                <a:latin typeface="Microsoft YaHei" panose="020B0503020204020204" pitchFamily="34" charset="-122"/>
+                <a:ea typeface="Microsoft YaHei" panose="020B0503020204020204" pitchFamily="34" charset="-122"/>
+              </a:rPr>
+              <a:t>Get)</a:t>
+            </a:r>
+          </a:p>
+          <a:p>
+            <a:pPr>
+              <a:lnSpc>
+                <a:spcPct val="150000"/>
+              </a:lnSpc>
+            </a:pPr>
+            <a:r>
+              <a:rPr lang="en-US" altLang="zh-CN" sz="1400" dirty="0">
+                <a:latin typeface="Microsoft YaHei" panose="020B0503020204020204" pitchFamily="34" charset="-122"/>
+                <a:ea typeface="Microsoft YaHei" panose="020B0503020204020204" pitchFamily="34" charset="-122"/>
+              </a:rPr>
+              <a:t>2.</a:t>
+            </a:r>
+            <a:r>
+              <a:rPr lang="zh-CN" altLang="en-US" sz="1400" dirty="0">
+                <a:latin typeface="Microsoft YaHei" panose="020B0503020204020204" pitchFamily="34" charset="-122"/>
+                <a:ea typeface="Microsoft YaHei" panose="020B0503020204020204" pitchFamily="34" charset="-122"/>
+              </a:rPr>
+              <a:t>服务器异常处理</a:t>
+            </a:r>
+            <a:endParaRPr lang="en-US" altLang="zh-CN" sz="1400" dirty="0">
+              <a:latin typeface="Microsoft YaHei" panose="020B0503020204020204" pitchFamily="34" charset="-122"/>
+              <a:ea typeface="Microsoft YaHei" panose="020B0503020204020204" pitchFamily="34" charset="-122"/>
+            </a:endParaRPr>
+          </a:p>
+          <a:p>
+            <a:pPr>
+              <a:lnSpc>
+                <a:spcPct val="150000"/>
+              </a:lnSpc>
+              <a:spcBef>
+                <a:spcPts val="0"/>
+              </a:spcBef>
+              <a:spcAft>
+                <a:spcPts val="0"/>
+              </a:spcAft>
+            </a:pPr>
+            <a:r>
+              <a:rPr lang="en-US" altLang="zh-CN" sz="1400" dirty="0">
+                <a:latin typeface="Microsoft YaHei" panose="020B0503020204020204" pitchFamily="34" charset="-122"/>
+                <a:ea typeface="Microsoft YaHei" panose="020B0503020204020204" pitchFamily="34" charset="-122"/>
+              </a:rPr>
+              <a:t>3.</a:t>
+            </a:r>
+            <a:r>
+              <a:rPr lang="zh-CN" altLang="en-US" sz="1400" dirty="0">
+                <a:latin typeface="Microsoft YaHei" panose="020B0503020204020204" pitchFamily="34" charset="-122"/>
+                <a:ea typeface="Microsoft YaHei" panose="020B0503020204020204" pitchFamily="34" charset="-122"/>
+              </a:rPr>
+              <a:t>请求参数验证</a:t>
+            </a:r>
+            <a:endParaRPr lang="en-US" altLang="zh-CN" sz="1400" dirty="0">
+              <a:latin typeface="Microsoft YaHei" panose="020B0503020204020204" pitchFamily="34" charset="-122"/>
+              <a:ea typeface="Microsoft YaHei" panose="020B0503020204020204" pitchFamily="34" charset="-122"/>
+            </a:endParaRPr>
+          </a:p>
+          <a:p>
+            <a:pPr>
+              <a:lnSpc>
+                <a:spcPct val="150000"/>
+              </a:lnSpc>
+            </a:pPr>
+            <a:endParaRPr lang="en-US" sz="1400" dirty="0" err="1">
+              <a:latin typeface="Microsoft YaHei" panose="020B0503020204020204" pitchFamily="34" charset="-122"/>
+              <a:ea typeface="Microsoft YaHei" panose="020B0503020204020204" pitchFamily="34" charset="-122"/>
+            </a:endParaRPr>
           </a:p>
         </p:txBody>
       </p:sp>
     </p:spTree>
     <p:extLst>
       <p:ext uri="{BB962C8B-B14F-4D97-AF65-F5344CB8AC3E}">
-        <p14:creationId xmlns:p14="http://schemas.microsoft.com/office/powerpoint/2010/main" val="2790521732"/>
+        <p14:creationId xmlns:p14="http://schemas.microsoft.com/office/powerpoint/2010/main" val="3286300728"/>
       </p:ext>
     </p:extLst>
   </p:cSld>
   <p:clrMapOvr>
     <a:masterClrMapping/>
   </p:clrMapOvr>
+  <p:timing>
+    <p:tnLst>
+      <p:par>
+        <p:cTn id="1" dur="indefinite" restart="never" nodeType="tmRoot">
+          <p:childTnLst>
+            <p:seq concurrent="1" nextAc="seek">
+              <p:cTn id="2" dur="indefinite" nodeType="mainSeq">
+                <p:childTnLst>
+                  <p:par>
+                    <p:cTn id="3" fill="hold">
+                      <p:stCondLst>
+                        <p:cond delay="indefinite"/>
+                      </p:stCondLst>
+                      <p:childTnLst>
+                        <p:par>
+                          <p:cTn id="4" fill="hold">
+                            <p:stCondLst>
+                              <p:cond delay="0"/>
+                            </p:stCondLst>
+                            <p:childTnLst>
+                              <p:par>
+                                <p:cTn id="5" presetID="1" presetClass="entr" presetSubtype="0" fill="hold" grpId="0" nodeType="clickEffect">
+                                  <p:stCondLst>
+                                    <p:cond delay="0"/>
+                                  </p:stCondLst>
+                                  <p:childTnLst>
+                                    <p:set>
+                                      <p:cBhvr>
+                                        <p:cTn id="6" dur="1" fill="hold">
+                                          <p:stCondLst>
+                                            <p:cond delay="0"/>
+                                          </p:stCondLst>
+                                        </p:cTn>
+                                        <p:tgtEl>
+                                          <p:spTgt spid="5"/>
+                                        </p:tgtEl>
+                                        <p:attrNameLst>
+                                          <p:attrName>style.visibility</p:attrName>
+                                        </p:attrNameLst>
+                                      </p:cBhvr>
+                                      <p:to>
+                                        <p:strVal val="visible"/>
+                                      </p:to>
+                                    </p:set>
+                                  </p:childTnLst>
+                                </p:cTn>
+                              </p:par>
+                            </p:childTnLst>
+                          </p:cTn>
+                        </p:par>
+                      </p:childTnLst>
+                    </p:cTn>
+                  </p:par>
+                </p:childTnLst>
+              </p:cTn>
+              <p:prevCondLst>
+                <p:cond evt="onPrev" delay="0">
+                  <p:tgtEl>
+                    <p:sldTgt/>
+                  </p:tgtEl>
+                </p:cond>
+              </p:prevCondLst>
+              <p:nextCondLst>
+                <p:cond evt="onNext" delay="0">
+                  <p:tgtEl>
+                    <p:sldTgt/>
+                  </p:tgtEl>
+                </p:cond>
+              </p:nextCondLst>
+            </p:seq>
+          </p:childTnLst>
+        </p:cTn>
+      </p:par>
+    </p:tnLst>
+    <p:bldLst>
+      <p:bldP spid="5" grpId="0"/>
+    </p:bldLst>
+  </p:timing>
 </p:sld>
 </file>
 
@@ -6526,19 +8692,31 @@
           <a:lstStyle/>
           <a:p>
             <a:r>
-              <a:rPr lang="en-US" altLang="zh-CN" dirty="0"/>
+              <a:rPr lang="en-US" altLang="zh-CN" dirty="0">
+                <a:latin typeface="Microsoft YaHei" panose="020B0503020204020204" pitchFamily="34" charset="-122"/>
+                <a:ea typeface="Microsoft YaHei" panose="020B0503020204020204" pitchFamily="34" charset="-122"/>
+              </a:rPr>
               <a:t>4.4 </a:t>
             </a:r>
             <a:r>
-              <a:rPr lang="zh-CN" altLang="en-US" dirty="0"/>
+              <a:rPr lang="zh-CN" altLang="en-US" dirty="0">
+                <a:latin typeface="Microsoft YaHei" panose="020B0503020204020204" pitchFamily="34" charset="-122"/>
+                <a:ea typeface="Microsoft YaHei" panose="020B0503020204020204" pitchFamily="34" charset="-122"/>
+              </a:rPr>
               <a:t>比赛模块</a:t>
             </a:r>
             <a:r>
-              <a:rPr lang="en-US" altLang="zh-CN" dirty="0"/>
+              <a:rPr lang="en-US" altLang="zh-CN" dirty="0">
+                <a:latin typeface="Microsoft YaHei" panose="020B0503020204020204" pitchFamily="34" charset="-122"/>
+                <a:ea typeface="Microsoft YaHei" panose="020B0503020204020204" pitchFamily="34" charset="-122"/>
+              </a:rPr>
               <a:t>-</a:t>
             </a:r>
             <a:r>
-              <a:rPr lang="zh-CN" altLang="en-US" dirty="0"/>
+              <a:rPr lang="zh-CN" altLang="en-US" dirty="0">
+                <a:latin typeface="Microsoft YaHei" panose="020B0503020204020204" pitchFamily="34" charset="-122"/>
+                <a:ea typeface="Microsoft YaHei" panose="020B0503020204020204" pitchFamily="34" charset="-122"/>
+              </a:rPr>
               <a:t>运动员注册</a:t>
             </a:r>
           </a:p>
@@ -6986,7 +9164,7 @@
           <p:spPr>
             <a:xfrm>
               <a:off x="811820" y="1514349"/>
-              <a:ext cx="3604937" cy="830997"/>
+              <a:ext cx="3604937" cy="738664"/>
             </a:xfrm>
             <a:prstGeom prst="rect">
               <a:avLst/>
@@ -7000,10 +9178,16 @@
             <a:lstStyle/>
             <a:p>
               <a:r>
-                <a:rPr lang="zh-CN" altLang="en-US" sz="1600" dirty="0"/>
+                <a:rPr lang="zh-CN" altLang="en-US" sz="1400" dirty="0">
+                  <a:latin typeface="Microsoft YaHei" panose="020B0503020204020204" pitchFamily="34" charset="-122"/>
+                  <a:ea typeface="Microsoft YaHei" panose="020B0503020204020204" pitchFamily="34" charset="-122"/>
+                </a:rPr>
                 <a:t>注册按钮绑定表单检验，不符合要求会弹出错误信息，成功则会显示成功信息并将表单清空</a:t>
               </a:r>
-              <a:endParaRPr lang="en-US" altLang="zh-CN" sz="1600" dirty="0"/>
+              <a:endParaRPr lang="en-US" altLang="zh-CN" sz="1400" dirty="0">
+                <a:latin typeface="Microsoft YaHei" panose="020B0503020204020204" pitchFamily="34" charset="-122"/>
+                <a:ea typeface="Microsoft YaHei" panose="020B0503020204020204" pitchFamily="34" charset="-122"/>
+              </a:endParaRPr>
             </a:p>
           </p:txBody>
         </p:sp>
@@ -7150,7 +9334,7 @@
           <p:spPr>
             <a:xfrm>
               <a:off x="811820" y="1514349"/>
-              <a:ext cx="3604937" cy="338554"/>
+              <a:ext cx="3604937" cy="307777"/>
             </a:xfrm>
             <a:prstGeom prst="rect">
               <a:avLst/>
@@ -7164,10 +9348,16 @@
             <a:lstStyle/>
             <a:p>
               <a:r>
-                <a:rPr lang="zh-CN" altLang="en-US" sz="1600" dirty="0"/>
+                <a:rPr lang="zh-CN" altLang="en-US" sz="1400" dirty="0">
+                  <a:latin typeface="Microsoft YaHei" panose="020B0503020204020204" pitchFamily="34" charset="-122"/>
+                  <a:ea typeface="Microsoft YaHei" panose="020B0503020204020204" pitchFamily="34" charset="-122"/>
+                </a:rPr>
                 <a:t>绑定清空表单并返回警告信息的方法</a:t>
               </a:r>
-              <a:endParaRPr lang="en-US" altLang="zh-CN" sz="1600" dirty="0"/>
+              <a:endParaRPr lang="en-US" altLang="zh-CN" sz="1400" dirty="0">
+                <a:latin typeface="Microsoft YaHei" panose="020B0503020204020204" pitchFamily="34" charset="-122"/>
+                <a:ea typeface="Microsoft YaHei" panose="020B0503020204020204" pitchFamily="34" charset="-122"/>
+              </a:endParaRPr>
             </a:p>
           </p:txBody>
         </p:sp>
@@ -7224,19 +9414,31 @@
           <a:lstStyle/>
           <a:p>
             <a:r>
-              <a:rPr lang="en-US" altLang="zh-CN" dirty="0"/>
+              <a:rPr lang="en-US" altLang="zh-CN" dirty="0">
+                <a:latin typeface="Microsoft YaHei" panose="020B0503020204020204" pitchFamily="34" charset="-122"/>
+                <a:ea typeface="Microsoft YaHei" panose="020B0503020204020204" pitchFamily="34" charset="-122"/>
+              </a:rPr>
               <a:t>4.5 </a:t>
             </a:r>
             <a:r>
-              <a:rPr lang="zh-CN" altLang="en-US" dirty="0"/>
+              <a:rPr lang="zh-CN" altLang="en-US" dirty="0">
+                <a:latin typeface="Microsoft YaHei" panose="020B0503020204020204" pitchFamily="34" charset="-122"/>
+                <a:ea typeface="Microsoft YaHei" panose="020B0503020204020204" pitchFamily="34" charset="-122"/>
+              </a:rPr>
               <a:t>比赛模块</a:t>
             </a:r>
             <a:r>
-              <a:rPr lang="en-US" altLang="zh-CN" dirty="0"/>
+              <a:rPr lang="en-US" altLang="zh-CN" dirty="0">
+                <a:latin typeface="Microsoft YaHei" panose="020B0503020204020204" pitchFamily="34" charset="-122"/>
+                <a:ea typeface="Microsoft YaHei" panose="020B0503020204020204" pitchFamily="34" charset="-122"/>
+              </a:rPr>
               <a:t>-</a:t>
             </a:r>
             <a:r>
-              <a:rPr lang="zh-CN" altLang="en-US" dirty="0"/>
+              <a:rPr lang="zh-CN" altLang="en-US" dirty="0">
+                <a:latin typeface="Microsoft YaHei" panose="020B0503020204020204" pitchFamily="34" charset="-122"/>
+                <a:ea typeface="Microsoft YaHei" panose="020B0503020204020204" pitchFamily="34" charset="-122"/>
+              </a:rPr>
               <a:t>开始比赛</a:t>
             </a:r>
           </a:p>
@@ -7711,7 +9913,7 @@
           <p:spPr>
             <a:xfrm>
               <a:off x="811820" y="1514349"/>
-              <a:ext cx="3604937" cy="584775"/>
+              <a:ext cx="3604937" cy="523220"/>
             </a:xfrm>
             <a:prstGeom prst="rect">
               <a:avLst/>
@@ -7725,15 +9927,24 @@
             <a:lstStyle/>
             <a:p>
               <a:r>
-                <a:rPr lang="zh-CN" altLang="en-US" sz="1600" dirty="0"/>
+                <a:rPr lang="zh-CN" altLang="en-US" sz="1400" dirty="0">
+                  <a:latin typeface="Microsoft YaHei" panose="020B0503020204020204" pitchFamily="34" charset="-122"/>
+                  <a:ea typeface="Microsoft YaHei" panose="020B0503020204020204" pitchFamily="34" charset="-122"/>
+                </a:rPr>
                 <a:t>调用查找所有运动员的</a:t>
               </a:r>
               <a:r>
-                <a:rPr lang="en-US" altLang="zh-CN" sz="1600" dirty="0" err="1"/>
+                <a:rPr lang="en-US" altLang="zh-CN" sz="1400" dirty="0" err="1">
+                  <a:latin typeface="Microsoft YaHei" panose="020B0503020204020204" pitchFamily="34" charset="-122"/>
+                  <a:ea typeface="Microsoft YaHei" panose="020B0503020204020204" pitchFamily="34" charset="-122"/>
+                </a:rPr>
                 <a:t>api</a:t>
               </a:r>
               <a:r>
-                <a:rPr lang="zh-CN" altLang="en-US" sz="1600" dirty="0"/>
+                <a:rPr lang="zh-CN" altLang="en-US" sz="1400" dirty="0">
+                  <a:latin typeface="Microsoft YaHei" panose="020B0503020204020204" pitchFamily="34" charset="-122"/>
+                  <a:ea typeface="Microsoft YaHei" panose="020B0503020204020204" pitchFamily="34" charset="-122"/>
+                </a:rPr>
                 <a:t>获取数据库中所有的运动员</a:t>
               </a:r>
             </a:p>
@@ -7755,9 +9966,9 @@
         <p:grpSpPr>
           <a:xfrm>
             <a:off x="663309" y="2784423"/>
-            <a:ext cx="3884385" cy="836808"/>
+            <a:ext cx="3884385" cy="836807"/>
             <a:chOff x="647568" y="1262316"/>
-            <a:chExt cx="3884385" cy="836808"/>
+            <a:chExt cx="3884385" cy="836807"/>
           </a:xfrm>
         </p:grpSpPr>
         <p:sp>
@@ -7882,7 +10093,7 @@
           <p:spPr>
             <a:xfrm>
               <a:off x="811820" y="1514349"/>
-              <a:ext cx="3604937" cy="584775"/>
+              <a:ext cx="3604937" cy="523220"/>
             </a:xfrm>
             <a:prstGeom prst="rect">
               <a:avLst/>
@@ -7896,15 +10107,24 @@
             <a:lstStyle/>
             <a:p>
               <a:r>
-                <a:rPr lang="zh-CN" altLang="en-US" sz="1600" dirty="0"/>
+                <a:rPr lang="zh-CN" altLang="en-US" sz="1400" dirty="0">
+                  <a:latin typeface="Microsoft YaHei" panose="020B0503020204020204" pitchFamily="34" charset="-122"/>
+                  <a:ea typeface="Microsoft YaHei" panose="020B0503020204020204" pitchFamily="34" charset="-122"/>
+                </a:rPr>
                 <a:t>调用查找所有地图的</a:t>
               </a:r>
               <a:r>
-                <a:rPr lang="en-US" altLang="zh-CN" sz="1600" dirty="0" err="1"/>
+                <a:rPr lang="en-US" altLang="zh-CN" sz="1400" dirty="0" err="1">
+                  <a:latin typeface="Microsoft YaHei" panose="020B0503020204020204" pitchFamily="34" charset="-122"/>
+                  <a:ea typeface="Microsoft YaHei" panose="020B0503020204020204" pitchFamily="34" charset="-122"/>
+                </a:rPr>
                 <a:t>api</a:t>
               </a:r>
               <a:r>
-                <a:rPr lang="zh-CN" altLang="en-US" sz="1600" dirty="0"/>
+                <a:rPr lang="zh-CN" altLang="en-US" sz="1400" dirty="0">
+                  <a:latin typeface="Microsoft YaHei" panose="020B0503020204020204" pitchFamily="34" charset="-122"/>
+                  <a:ea typeface="Microsoft YaHei" panose="020B0503020204020204" pitchFamily="34" charset="-122"/>
+                </a:rPr>
                 <a:t>获取数据库中所有可选择的地图</a:t>
               </a:r>
             </a:p>
@@ -8053,7 +10273,7 @@
           <p:spPr>
             <a:xfrm>
               <a:off x="811820" y="1514349"/>
-              <a:ext cx="3604937" cy="830997"/>
+              <a:ext cx="3604937" cy="523220"/>
             </a:xfrm>
             <a:prstGeom prst="rect">
               <a:avLst/>
@@ -8067,10 +10287,16 @@
             <a:lstStyle/>
             <a:p>
               <a:r>
-                <a:rPr lang="zh-CN" altLang="en-US" sz="1600" dirty="0"/>
+                <a:rPr lang="zh-CN" altLang="en-US" sz="1400" dirty="0">
+                  <a:latin typeface="Microsoft YaHei" panose="020B0503020204020204" pitchFamily="34" charset="-122"/>
+                  <a:ea typeface="Microsoft YaHei" panose="020B0503020204020204" pitchFamily="34" charset="-122"/>
+                </a:rPr>
                 <a:t>向后端发送开始比赛请求，默认开启遮蔽罩，待后端计算结束后返回该场比赛结果并显示</a:t>
               </a:r>
-              <a:endParaRPr lang="en-US" altLang="zh-CN" sz="1600" dirty="0"/>
+              <a:endParaRPr lang="en-US" altLang="zh-CN" sz="1400" dirty="0">
+                <a:latin typeface="Microsoft YaHei" panose="020B0503020204020204" pitchFamily="34" charset="-122"/>
+                <a:ea typeface="Microsoft YaHei" panose="020B0503020204020204" pitchFamily="34" charset="-122"/>
+              </a:endParaRPr>
             </a:p>
           </p:txBody>
         </p:sp>
@@ -8089,6 +10315,104 @@
 </file>
 
 <file path=ppt/slides/slide12.xml><?xml version="1.0" encoding="utf-8"?>
+<p:sld xmlns:a="http://schemas.openxmlformats.org/drawingml/2006/main" xmlns:r="http://schemas.openxmlformats.org/officeDocument/2006/relationships" xmlns:p="http://schemas.openxmlformats.org/presentationml/2006/main">
+  <p:cSld>
+    <p:spTree>
+      <p:nvGrpSpPr>
+        <p:cNvPr id="1" name=""/>
+        <p:cNvGrpSpPr/>
+        <p:nvPr/>
+      </p:nvGrpSpPr>
+      <p:grpSpPr>
+        <a:xfrm>
+          <a:off x="0" y="0"/>
+          <a:ext cx="0" cy="0"/>
+          <a:chOff x="0" y="0"/>
+          <a:chExt cx="0" cy="0"/>
+        </a:xfrm>
+      </p:grpSpPr>
+      <p:pic>
+        <p:nvPicPr>
+          <p:cNvPr id="5" name="Picture 4">
+            <a:extLst>
+              <a:ext uri="{FF2B5EF4-FFF2-40B4-BE49-F238E27FC236}">
+                <a16:creationId xmlns:a16="http://schemas.microsoft.com/office/drawing/2014/main" id="{C8FE349A-C7EC-46B9-8DB5-C5EB1647CC0D}"/>
+              </a:ext>
+            </a:extLst>
+          </p:cNvPr>
+          <p:cNvPicPr>
+            <a:picLocks noChangeAspect="1"/>
+          </p:cNvPicPr>
+          <p:nvPr/>
+        </p:nvPicPr>
+        <p:blipFill>
+          <a:blip r:embed="rId2"/>
+          <a:stretch>
+            <a:fillRect/>
+          </a:stretch>
+        </p:blipFill>
+        <p:spPr>
+          <a:xfrm>
+            <a:off x="838200" y="1113692"/>
+            <a:ext cx="8557015" cy="6858000"/>
+          </a:xfrm>
+          <a:prstGeom prst="rect">
+            <a:avLst/>
+          </a:prstGeom>
+        </p:spPr>
+      </p:pic>
+      <p:sp>
+        <p:nvSpPr>
+          <p:cNvPr id="2" name="标题 1">
+            <a:extLst>
+              <a:ext uri="{FF2B5EF4-FFF2-40B4-BE49-F238E27FC236}">
+                <a16:creationId xmlns:a16="http://schemas.microsoft.com/office/drawing/2014/main" id="{6C288256-770C-482F-A57A-4D4B97CB611C}"/>
+              </a:ext>
+            </a:extLst>
+          </p:cNvPr>
+          <p:cNvSpPr>
+            <a:spLocks noGrp="1"/>
+          </p:cNvSpPr>
+          <p:nvPr>
+            <p:ph type="title"/>
+          </p:nvPr>
+        </p:nvSpPr>
+        <p:spPr/>
+        <p:txBody>
+          <a:bodyPr/>
+          <a:lstStyle/>
+          <a:p>
+            <a:r>
+              <a:rPr lang="en-US" altLang="zh-CN" dirty="0">
+                <a:latin typeface="Microsoft YaHei" panose="020B0503020204020204" pitchFamily="34" charset="-122"/>
+                <a:ea typeface="Microsoft YaHei" panose="020B0503020204020204" pitchFamily="34" charset="-122"/>
+              </a:rPr>
+              <a:t>5. </a:t>
+            </a:r>
+            <a:r>
+              <a:rPr lang="zh-CN" altLang="en-US" dirty="0">
+                <a:latin typeface="Microsoft YaHei" panose="020B0503020204020204" pitchFamily="34" charset="-122"/>
+                <a:ea typeface="Microsoft YaHei" panose="020B0503020204020204" pitchFamily="34" charset="-122"/>
+              </a:rPr>
+              <a:t>后端调试接口步骤</a:t>
+            </a:r>
+          </a:p>
+        </p:txBody>
+      </p:sp>
+    </p:spTree>
+    <p:extLst>
+      <p:ext uri="{BB962C8B-B14F-4D97-AF65-F5344CB8AC3E}">
+        <p14:creationId xmlns:p14="http://schemas.microsoft.com/office/powerpoint/2010/main" val="1351858207"/>
+      </p:ext>
+    </p:extLst>
+  </p:cSld>
+  <p:clrMapOvr>
+    <a:masterClrMapping/>
+  </p:clrMapOvr>
+</p:sld>
+</file>
+
+<file path=ppt/slides/slide13.xml><?xml version="1.0" encoding="utf-8"?>
 <p:sld xmlns:a="http://schemas.openxmlformats.org/drawingml/2006/main" xmlns:r="http://schemas.openxmlformats.org/officeDocument/2006/relationships" xmlns:p="http://schemas.openxmlformats.org/presentationml/2006/main">
   <p:cSld>
     <p:spTree>
@@ -8127,22 +10451,123 @@
           <a:lstStyle/>
           <a:p>
             <a:r>
-              <a:rPr lang="en-US" altLang="zh-CN" dirty="0"/>
-              <a:t>5 </a:t>
-            </a:r>
-            <a:r>
-              <a:rPr lang="zh-CN" altLang="en-US" dirty="0"/>
+              <a:rPr lang="en-US" altLang="zh-CN" dirty="0">
+                <a:latin typeface="Microsoft YaHei" panose="020B0503020204020204" pitchFamily="34" charset="-122"/>
+                <a:ea typeface="Microsoft YaHei" panose="020B0503020204020204" pitchFamily="34" charset="-122"/>
+              </a:rPr>
+              <a:t>5. </a:t>
+            </a:r>
+            <a:r>
+              <a:rPr lang="zh-CN" altLang="en-US" dirty="0">
+                <a:latin typeface="Microsoft YaHei" panose="020B0503020204020204" pitchFamily="34" charset="-122"/>
+                <a:ea typeface="Microsoft YaHei" panose="020B0503020204020204" pitchFamily="34" charset="-122"/>
+              </a:rPr>
               <a:t>后端调试接口步骤</a:t>
             </a:r>
+          </a:p>
+        </p:txBody>
+      </p:sp>
+      <p:pic>
+        <p:nvPicPr>
+          <p:cNvPr id="7" name="Picture 6">
+            <a:extLst>
+              <a:ext uri="{FF2B5EF4-FFF2-40B4-BE49-F238E27FC236}">
+                <a16:creationId xmlns:a16="http://schemas.microsoft.com/office/drawing/2014/main" id="{D3A85F54-778A-43DE-8D90-7E06633237E3}"/>
+              </a:ext>
+            </a:extLst>
+          </p:cNvPr>
+          <p:cNvPicPr>
+            <a:picLocks noChangeAspect="1"/>
+          </p:cNvPicPr>
+          <p:nvPr/>
+        </p:nvPicPr>
+        <p:blipFill>
+          <a:blip r:embed="rId2"/>
+          <a:stretch>
+            <a:fillRect/>
+          </a:stretch>
+        </p:blipFill>
+        <p:spPr>
+          <a:xfrm>
+            <a:off x="838200" y="1113692"/>
+            <a:ext cx="9154803" cy="4477375"/>
+          </a:xfrm>
+          <a:prstGeom prst="rect">
+            <a:avLst/>
+          </a:prstGeom>
+        </p:spPr>
+      </p:pic>
+    </p:spTree>
+    <p:extLst>
+      <p:ext uri="{BB962C8B-B14F-4D97-AF65-F5344CB8AC3E}">
+        <p14:creationId xmlns:p14="http://schemas.microsoft.com/office/powerpoint/2010/main" val="2622629864"/>
+      </p:ext>
+    </p:extLst>
+  </p:cSld>
+  <p:clrMapOvr>
+    <a:masterClrMapping/>
+  </p:clrMapOvr>
+</p:sld>
+</file>
+
+<file path=ppt/slides/slide14.xml><?xml version="1.0" encoding="utf-8"?>
+<p:sld xmlns:a="http://schemas.openxmlformats.org/drawingml/2006/main" xmlns:r="http://schemas.openxmlformats.org/officeDocument/2006/relationships" xmlns:p="http://schemas.openxmlformats.org/presentationml/2006/main">
+  <p:cSld>
+    <p:spTree>
+      <p:nvGrpSpPr>
+        <p:cNvPr id="1" name=""/>
+        <p:cNvGrpSpPr/>
+        <p:nvPr/>
+      </p:nvGrpSpPr>
+      <p:grpSpPr>
+        <a:xfrm>
+          <a:off x="0" y="0"/>
+          <a:ext cx="0" cy="0"/>
+          <a:chOff x="0" y="0"/>
+          <a:chExt cx="0" cy="0"/>
+        </a:xfrm>
+      </p:grpSpPr>
+      <p:sp>
+        <p:nvSpPr>
+          <p:cNvPr id="2" name="Title 1">
+            <a:extLst>
+              <a:ext uri="{FF2B5EF4-FFF2-40B4-BE49-F238E27FC236}">
+                <a16:creationId xmlns:a16="http://schemas.microsoft.com/office/drawing/2014/main" id="{3BF99CEE-677F-44F3-AC29-F710F1424EE2}"/>
+              </a:ext>
+            </a:extLst>
+          </p:cNvPr>
+          <p:cNvSpPr>
+            <a:spLocks noGrp="1"/>
+          </p:cNvSpPr>
+          <p:nvPr>
+            <p:ph type="title"/>
+          </p:nvPr>
+        </p:nvSpPr>
+        <p:spPr/>
+        <p:txBody>
+          <a:bodyPr/>
+          <a:lstStyle/>
+          <a:p>
+            <a:r>
+              <a:rPr kumimoji="1" lang="zh-CN" altLang="en-US" dirty="0">
+                <a:latin typeface="Microsoft YaHei" panose="020B0503020204020204" pitchFamily="34" charset="-122"/>
+                <a:ea typeface="Microsoft YaHei" panose="020B0503020204020204" pitchFamily="34" charset="-122"/>
+              </a:rPr>
+              <a:t>参考</a:t>
+            </a:r>
+            <a:endParaRPr kumimoji="1" lang="ja-JP" altLang="en-US" dirty="0">
+              <a:latin typeface="Microsoft YaHei" panose="020B0503020204020204" pitchFamily="34" charset="-122"/>
+              <a:ea typeface="Microsoft YaHei" panose="020B0503020204020204" pitchFamily="34" charset="-122"/>
+            </a:endParaRPr>
           </a:p>
         </p:txBody>
       </p:sp>
       <p:sp>
         <p:nvSpPr>
-          <p:cNvPr id="3" name="内容占位符 2">
+          <p:cNvPr id="3" name="Content Placeholder 2">
             <a:extLst>
               <a:ext uri="{FF2B5EF4-FFF2-40B4-BE49-F238E27FC236}">
-                <a16:creationId xmlns:a16="http://schemas.microsoft.com/office/drawing/2014/main" id="{FC4788D1-8CF8-48B7-8137-1F4776E3D22B}"/>
+                <a16:creationId xmlns:a16="http://schemas.microsoft.com/office/drawing/2014/main" id="{1503DCFB-E0F5-4243-B04B-97B8EF7A7EBF}"/>
               </a:ext>
             </a:extLst>
           </p:cNvPr>
@@ -8155,17 +10580,96 @@
         </p:nvSpPr>
         <p:spPr/>
         <p:txBody>
-          <a:bodyPr/>
+          <a:bodyPr>
+            <a:normAutofit/>
+          </a:bodyPr>
           <a:lstStyle/>
           <a:p>
-            <a:endParaRPr lang="zh-CN" altLang="en-US" dirty="0"/>
+            <a:r>
+              <a:rPr kumimoji="1" lang="en-US" altLang="ja-JP" sz="1400" dirty="0" err="1">
+                <a:latin typeface="Microsoft YaHei" panose="020B0503020204020204" pitchFamily="34" charset="-122"/>
+                <a:ea typeface="Microsoft YaHei" panose="020B0503020204020204" pitchFamily="34" charset="-122"/>
+              </a:rPr>
+              <a:t>Github</a:t>
+            </a:r>
+            <a:br>
+              <a:rPr kumimoji="1" lang="en-US" altLang="ja-JP" sz="1400" dirty="0">
+                <a:latin typeface="Microsoft YaHei" panose="020B0503020204020204" pitchFamily="34" charset="-122"/>
+                <a:ea typeface="Microsoft YaHei" panose="020B0503020204020204" pitchFamily="34" charset="-122"/>
+              </a:rPr>
+            </a:br>
+            <a:r>
+              <a:rPr kumimoji="1" lang="en-US" altLang="ja-JP" sz="1400" dirty="0">
+                <a:latin typeface="Microsoft YaHei" panose="020B0503020204020204" pitchFamily="34" charset="-122"/>
+                <a:ea typeface="Microsoft YaHei" panose="020B0503020204020204" pitchFamily="34" charset="-122"/>
+                <a:hlinkClick r:id="rId2"/>
+              </a:rPr>
+              <a:t>https://github.com/yuechengu/VirtualGame</a:t>
+            </a:r>
+            <a:r>
+              <a:rPr kumimoji="1" lang="zh-CN" altLang="en-US" sz="1400" dirty="0">
+                <a:latin typeface="Microsoft YaHei" panose="020B0503020204020204" pitchFamily="34" charset="-122"/>
+                <a:ea typeface="Microsoft YaHei" panose="020B0503020204020204" pitchFamily="34" charset="-122"/>
+              </a:rPr>
+              <a:t> </a:t>
+            </a:r>
+            <a:endParaRPr kumimoji="1" lang="en-US" altLang="ja-JP" sz="1400" dirty="0">
+              <a:latin typeface="Microsoft YaHei" panose="020B0503020204020204" pitchFamily="34" charset="-122"/>
+              <a:ea typeface="Microsoft YaHei" panose="020B0503020204020204" pitchFamily="34" charset="-122"/>
+            </a:endParaRPr>
+          </a:p>
+          <a:p>
+            <a:r>
+              <a:rPr kumimoji="1" lang="en-US" altLang="ja-JP" sz="1400" dirty="0" err="1">
+                <a:latin typeface="Microsoft YaHei" panose="020B0503020204020204" pitchFamily="34" charset="-122"/>
+                <a:ea typeface="Microsoft YaHei" panose="020B0503020204020204" pitchFamily="34" charset="-122"/>
+              </a:rPr>
+              <a:t>Gitbook</a:t>
+            </a:r>
+            <a:br>
+              <a:rPr kumimoji="1" lang="en-US" altLang="ja-JP" sz="1400" dirty="0">
+                <a:latin typeface="Microsoft YaHei" panose="020B0503020204020204" pitchFamily="34" charset="-122"/>
+                <a:ea typeface="Microsoft YaHei" panose="020B0503020204020204" pitchFamily="34" charset="-122"/>
+              </a:rPr>
+            </a:br>
+            <a:r>
+              <a:rPr kumimoji="1" lang="en-US" altLang="ja-JP" sz="1400" dirty="0">
+                <a:latin typeface="Microsoft YaHei" panose="020B0503020204020204" pitchFamily="34" charset="-122"/>
+                <a:ea typeface="Microsoft YaHei" panose="020B0503020204020204" pitchFamily="34" charset="-122"/>
+                <a:hlinkClick r:id="rId3"/>
+              </a:rPr>
+              <a:t>https://yuechengu.github.io/VirtualGame</a:t>
+            </a:r>
+            <a:r>
+              <a:rPr kumimoji="1" lang="en-US" altLang="ja-JP" sz="1400" dirty="0">
+                <a:latin typeface="Microsoft YaHei" panose="020B0503020204020204" pitchFamily="34" charset="-122"/>
+                <a:ea typeface="Microsoft YaHei" panose="020B0503020204020204" pitchFamily="34" charset="-122"/>
+              </a:rPr>
+              <a:t> </a:t>
+            </a:r>
+            <a:br>
+              <a:rPr kumimoji="1" lang="en-US" altLang="ja-JP" sz="1400" dirty="0">
+                <a:latin typeface="Microsoft YaHei" panose="020B0503020204020204" pitchFamily="34" charset="-122"/>
+                <a:ea typeface="Microsoft YaHei" panose="020B0503020204020204" pitchFamily="34" charset="-122"/>
+              </a:rPr>
+            </a:br>
+            <a:endParaRPr kumimoji="1" lang="en-US" altLang="ja-JP" sz="1400" dirty="0">
+              <a:latin typeface="Microsoft YaHei" panose="020B0503020204020204" pitchFamily="34" charset="-122"/>
+              <a:ea typeface="Microsoft YaHei" panose="020B0503020204020204" pitchFamily="34" charset="-122"/>
+            </a:endParaRPr>
+          </a:p>
+          <a:p>
+            <a:endParaRPr kumimoji="1" lang="ja-JP" altLang="en-US" sz="1400" dirty="0">
+              <a:latin typeface="Microsoft YaHei" panose="020B0503020204020204" pitchFamily="34" charset="-122"/>
+              <a:ea typeface="Microsoft YaHei" panose="020B0503020204020204" pitchFamily="34" charset="-122"/>
+            </a:endParaRPr>
           </a:p>
         </p:txBody>
       </p:sp>
     </p:spTree>
     <p:extLst>
       <p:ext uri="{BB962C8B-B14F-4D97-AF65-F5344CB8AC3E}">
-        <p14:creationId xmlns:p14="http://schemas.microsoft.com/office/powerpoint/2010/main" val="1351858207"/>
+        <p14:creationId xmlns:p14="http://schemas.microsoft.com/office/powerpoint/2010/main" val="1182734447"/>
       </p:ext>
     </p:extLst>
   </p:cSld>
@@ -8214,10 +10718,12 @@
           <a:lstStyle/>
           <a:p>
             <a:r>
-              <a:rPr lang="zh-CN" altLang="en-US"/>
+              <a:rPr lang="zh-CN" altLang="en-US" dirty="0">
+                <a:latin typeface="Microsoft YaHei" panose="020B0503020204020204" pitchFamily="34" charset="-122"/>
+                <a:ea typeface="Microsoft YaHei" panose="020B0503020204020204" pitchFamily="34" charset="-122"/>
+              </a:rPr>
               <a:t>目录</a:t>
             </a:r>
-            <a:endParaRPr lang="zh-CN" altLang="en-US" dirty="0"/>
           </a:p>
         </p:txBody>
       </p:sp>
@@ -8239,24 +10745,35 @@
         </p:nvSpPr>
         <p:spPr/>
         <p:txBody>
-          <a:bodyPr/>
+          <a:bodyPr>
+            <a:normAutofit/>
+          </a:bodyPr>
           <a:lstStyle/>
           <a:p>
             <a:pPr marL="514350" indent="-514350">
               <a:buAutoNum type="arabicPeriod"/>
             </a:pPr>
             <a:r>
-              <a:rPr lang="zh-CN" altLang="en-US" dirty="0"/>
+              <a:rPr lang="zh-CN" altLang="en-US" sz="2000" dirty="0">
+                <a:latin typeface="Microsoft YaHei" panose="020B0503020204020204" pitchFamily="34" charset="-122"/>
+                <a:ea typeface="Microsoft YaHei" panose="020B0503020204020204" pitchFamily="34" charset="-122"/>
+              </a:rPr>
               <a:t>前端技术栈介绍</a:t>
             </a:r>
-            <a:endParaRPr lang="en-US" altLang="zh-CN" dirty="0"/>
+            <a:endParaRPr lang="en-US" altLang="zh-CN" sz="2000" dirty="0">
+              <a:latin typeface="Microsoft YaHei" panose="020B0503020204020204" pitchFamily="34" charset="-122"/>
+              <a:ea typeface="Microsoft YaHei" panose="020B0503020204020204" pitchFamily="34" charset="-122"/>
+            </a:endParaRPr>
           </a:p>
           <a:p>
             <a:pPr marL="514350" indent="-514350">
               <a:buAutoNum type="arabicPeriod"/>
             </a:pPr>
             <a:r>
-              <a:rPr lang="en-US" altLang="zh-CN" dirty="0"/>
+              <a:rPr lang="en-US" altLang="zh-CN" sz="2000" dirty="0">
+                <a:latin typeface="Microsoft YaHei" panose="020B0503020204020204" pitchFamily="34" charset="-122"/>
+                <a:ea typeface="Microsoft YaHei" panose="020B0503020204020204" pitchFamily="34" charset="-122"/>
+              </a:rPr>
               <a:t>SPA vs. MPA</a:t>
             </a:r>
           </a:p>
@@ -8265,30 +10782,48 @@
               <a:buAutoNum type="arabicPeriod"/>
             </a:pPr>
             <a:r>
-              <a:rPr lang="zh-CN" altLang="en-US" dirty="0"/>
+              <a:rPr lang="zh-CN" altLang="en-US" sz="2000" dirty="0">
+                <a:latin typeface="Microsoft YaHei" panose="020B0503020204020204" pitchFamily="34" charset="-122"/>
+                <a:ea typeface="Microsoft YaHei" panose="020B0503020204020204" pitchFamily="34" charset="-122"/>
+              </a:rPr>
               <a:t>项目结构划分</a:t>
             </a:r>
-            <a:endParaRPr lang="en-US" altLang="zh-CN" dirty="0"/>
+            <a:endParaRPr lang="en-US" altLang="zh-CN" sz="2000" dirty="0">
+              <a:latin typeface="Microsoft YaHei" panose="020B0503020204020204" pitchFamily="34" charset="-122"/>
+              <a:ea typeface="Microsoft YaHei" panose="020B0503020204020204" pitchFamily="34" charset="-122"/>
+            </a:endParaRPr>
           </a:p>
           <a:p>
             <a:pPr marL="514350" indent="-514350">
               <a:buAutoNum type="arabicPeriod"/>
             </a:pPr>
             <a:r>
-              <a:rPr lang="zh-CN" altLang="en-US" dirty="0"/>
+              <a:rPr lang="zh-CN" altLang="en-US" sz="2000" dirty="0">
+                <a:latin typeface="Microsoft YaHei" panose="020B0503020204020204" pitchFamily="34" charset="-122"/>
+                <a:ea typeface="Microsoft YaHei" panose="020B0503020204020204" pitchFamily="34" charset="-122"/>
+              </a:rPr>
               <a:t>页面路由设计</a:t>
             </a:r>
-            <a:endParaRPr lang="en-US" altLang="zh-CN" dirty="0"/>
+            <a:endParaRPr lang="en-US" altLang="zh-CN" sz="2000" dirty="0">
+              <a:latin typeface="Microsoft YaHei" panose="020B0503020204020204" pitchFamily="34" charset="-122"/>
+              <a:ea typeface="Microsoft YaHei" panose="020B0503020204020204" pitchFamily="34" charset="-122"/>
+            </a:endParaRPr>
           </a:p>
           <a:p>
             <a:pPr marL="514350" indent="-514350">
               <a:buAutoNum type="arabicPeriod"/>
             </a:pPr>
             <a:r>
-              <a:rPr lang="zh-CN" altLang="en-US" dirty="0"/>
+              <a:rPr lang="zh-CN" altLang="en-US" sz="2000" dirty="0">
+                <a:latin typeface="Microsoft YaHei" panose="020B0503020204020204" pitchFamily="34" charset="-122"/>
+                <a:ea typeface="Microsoft YaHei" panose="020B0503020204020204" pitchFamily="34" charset="-122"/>
+              </a:rPr>
               <a:t>接口调试</a:t>
             </a:r>
-            <a:endParaRPr lang="en-US" altLang="zh-CN" dirty="0"/>
+            <a:endParaRPr lang="en-US" altLang="zh-CN" sz="2000" dirty="0">
+              <a:latin typeface="Microsoft YaHei" panose="020B0503020204020204" pitchFamily="34" charset="-122"/>
+              <a:ea typeface="Microsoft YaHei" panose="020B0503020204020204" pitchFamily="34" charset="-122"/>
+            </a:endParaRPr>
           </a:p>
         </p:txBody>
       </p:sp>
@@ -8344,14 +10879,19 @@
           <a:lstStyle/>
           <a:p>
             <a:r>
-              <a:rPr lang="en-US" altLang="zh-CN"/>
+              <a:rPr lang="en-US" altLang="zh-CN" dirty="0">
+                <a:latin typeface="Microsoft YaHei" panose="020B0503020204020204" pitchFamily="34" charset="-122"/>
+                <a:ea typeface="Microsoft YaHei" panose="020B0503020204020204" pitchFamily="34" charset="-122"/>
+              </a:rPr>
               <a:t>1. </a:t>
             </a:r>
             <a:r>
-              <a:rPr lang="zh-CN" altLang="en-US"/>
+              <a:rPr lang="zh-CN" altLang="en-US" dirty="0">
+                <a:latin typeface="Microsoft YaHei" panose="020B0503020204020204" pitchFamily="34" charset="-122"/>
+                <a:ea typeface="Microsoft YaHei" panose="020B0503020204020204" pitchFamily="34" charset="-122"/>
+              </a:rPr>
               <a:t>前端技术栈介绍</a:t>
             </a:r>
-            <a:endParaRPr lang="zh-CN" altLang="en-US" dirty="0"/>
           </a:p>
         </p:txBody>
       </p:sp>
@@ -8466,10 +11006,16 @@
           <a:lstStyle/>
           <a:p>
             <a:r>
-              <a:rPr lang="en-US" altLang="zh-CN" dirty="0"/>
+              <a:rPr lang="en-US" altLang="zh-CN" dirty="0">
+                <a:latin typeface="Microsoft YaHei" panose="020B0503020204020204" pitchFamily="34" charset="-122"/>
+                <a:ea typeface="Microsoft YaHei" panose="020B0503020204020204" pitchFamily="34" charset="-122"/>
+              </a:rPr>
               <a:t>2. SPA vs MPA</a:t>
             </a:r>
-            <a:endParaRPr lang="zh-CN" altLang="en-US" dirty="0"/>
+            <a:endParaRPr lang="zh-CN" altLang="en-US" dirty="0">
+              <a:latin typeface="Microsoft YaHei" panose="020B0503020204020204" pitchFamily="34" charset="-122"/>
+              <a:ea typeface="Microsoft YaHei" panose="020B0503020204020204" pitchFamily="34" charset="-122"/>
+            </a:endParaRPr>
           </a:p>
         </p:txBody>
       </p:sp>
@@ -8790,22 +11336,22 @@
               <a:buNone/>
             </a:pPr>
             <a:r>
-              <a:rPr lang="en-US" altLang="zh-CN" sz="1800" dirty="0">
-                <a:latin typeface="等线" panose="02010600030101010101" pitchFamily="2" charset="-122"/>
-                <a:ea typeface="等线" panose="02010600030101010101" pitchFamily="2" charset="-122"/>
+              <a:rPr lang="en-US" altLang="zh-CN" sz="1400" dirty="0">
+                <a:latin typeface="Microsoft YaHei" panose="020B0503020204020204" pitchFamily="34" charset="-122"/>
+                <a:ea typeface="Microsoft YaHei" panose="020B0503020204020204" pitchFamily="34" charset="-122"/>
               </a:rPr>
               <a:t>SPA</a:t>
             </a:r>
             <a:r>
-              <a:rPr lang="zh-CN" altLang="en-US" sz="1800" dirty="0">
-                <a:latin typeface="等线" panose="02010600030101010101" pitchFamily="2" charset="-122"/>
-                <a:ea typeface="等线" panose="02010600030101010101" pitchFamily="2" charset="-122"/>
+              <a:rPr lang="zh-CN" altLang="en-US" sz="1400" dirty="0">
+                <a:latin typeface="Microsoft YaHei" panose="020B0503020204020204" pitchFamily="34" charset="-122"/>
+                <a:ea typeface="Microsoft YaHei" panose="020B0503020204020204" pitchFamily="34" charset="-122"/>
               </a:rPr>
               <a:t>即单页面应用，通过动态重写实现将适当资源切换到页面中。</a:t>
             </a:r>
-            <a:endParaRPr lang="en-US" altLang="zh-CN" sz="1800" dirty="0">
-              <a:latin typeface="等线" panose="02010600030101010101" pitchFamily="2" charset="-122"/>
-              <a:ea typeface="等线" panose="02010600030101010101" pitchFamily="2" charset="-122"/>
+            <a:endParaRPr lang="en-US" altLang="zh-CN" sz="1400" dirty="0">
+              <a:latin typeface="Microsoft YaHei" panose="020B0503020204020204" pitchFamily="34" charset="-122"/>
+              <a:ea typeface="Microsoft YaHei" panose="020B0503020204020204" pitchFamily="34" charset="-122"/>
             </a:endParaRPr>
           </a:p>
           <a:p>
@@ -8818,9 +11364,9 @@
               </a:spcBef>
               <a:buNone/>
             </a:pPr>
-            <a:endParaRPr lang="en-US" altLang="zh-CN" sz="1800" dirty="0">
-              <a:latin typeface="等线" panose="02010600030101010101" pitchFamily="2" charset="-122"/>
-              <a:ea typeface="等线" panose="02010600030101010101" pitchFamily="2" charset="-122"/>
+            <a:endParaRPr lang="en-US" altLang="zh-CN" sz="1400" dirty="0">
+              <a:latin typeface="Microsoft YaHei" panose="020B0503020204020204" pitchFamily="34" charset="-122"/>
+              <a:ea typeface="Microsoft YaHei" panose="020B0503020204020204" pitchFamily="34" charset="-122"/>
             </a:endParaRPr>
           </a:p>
           <a:p>
@@ -8833,9 +11379,9 @@
               </a:spcBef>
               <a:buNone/>
             </a:pPr>
-            <a:endParaRPr lang="en-US" altLang="zh-CN" sz="1800" dirty="0">
-              <a:latin typeface="等线" panose="02010600030101010101" pitchFamily="2" charset="-122"/>
-              <a:ea typeface="等线" panose="02010600030101010101" pitchFamily="2" charset="-122"/>
+            <a:endParaRPr lang="en-US" altLang="zh-CN" sz="1400" dirty="0">
+              <a:latin typeface="Microsoft YaHei" panose="020B0503020204020204" pitchFamily="34" charset="-122"/>
+              <a:ea typeface="Microsoft YaHei" panose="020B0503020204020204" pitchFamily="34" charset="-122"/>
             </a:endParaRPr>
           </a:p>
           <a:p>
@@ -8849,15 +11395,15 @@
               <a:buNone/>
             </a:pPr>
             <a:r>
-              <a:rPr lang="zh-CN" altLang="en-US" sz="1800" dirty="0">
-                <a:latin typeface="等线" panose="02010600030101010101" pitchFamily="2" charset="-122"/>
-                <a:ea typeface="等线" panose="02010600030101010101" pitchFamily="2" charset="-122"/>
+              <a:rPr lang="zh-CN" altLang="en-US" sz="1400" b="1" dirty="0">
+                <a:latin typeface="Microsoft YaHei" panose="020B0503020204020204" pitchFamily="34" charset="-122"/>
+                <a:ea typeface="Microsoft YaHei" panose="020B0503020204020204" pitchFamily="34" charset="-122"/>
               </a:rPr>
-              <a:t>优点：</a:t>
-            </a:r>
-            <a:endParaRPr lang="en-US" altLang="zh-CN" sz="1800" dirty="0">
-              <a:latin typeface="等线" panose="02010600030101010101" pitchFamily="2" charset="-122"/>
-              <a:ea typeface="等线" panose="02010600030101010101" pitchFamily="2" charset="-122"/>
+              <a:t>优点</a:t>
+            </a:r>
+            <a:endParaRPr lang="en-US" altLang="zh-CN" sz="1400" b="1" dirty="0">
+              <a:latin typeface="Microsoft YaHei" panose="020B0503020204020204" pitchFamily="34" charset="-122"/>
+              <a:ea typeface="Microsoft YaHei" panose="020B0503020204020204" pitchFamily="34" charset="-122"/>
             </a:endParaRPr>
           </a:p>
           <a:p>
@@ -8871,22 +11417,22 @@
               <a:buNone/>
             </a:pPr>
             <a:r>
-              <a:rPr lang="en-US" altLang="zh-CN" sz="1800" dirty="0">
-                <a:latin typeface="等线" panose="02010600030101010101" pitchFamily="2" charset="-122"/>
-                <a:ea typeface="等线" panose="02010600030101010101" pitchFamily="2" charset="-122"/>
+              <a:rPr lang="en-US" altLang="zh-CN" sz="1400" dirty="0">
+                <a:latin typeface="Microsoft YaHei" panose="020B0503020204020204" pitchFamily="34" charset="-122"/>
+                <a:ea typeface="Microsoft YaHei" panose="020B0503020204020204" pitchFamily="34" charset="-122"/>
               </a:rPr>
               <a:t>1. </a:t>
             </a:r>
             <a:r>
-              <a:rPr lang="zh-CN" altLang="en-US" sz="1800" dirty="0">
-                <a:latin typeface="等线" panose="02010600030101010101" pitchFamily="2" charset="-122"/>
-                <a:ea typeface="等线" panose="02010600030101010101" pitchFamily="2" charset="-122"/>
+              <a:rPr lang="zh-CN" altLang="en-US" sz="1400" dirty="0">
+                <a:latin typeface="Microsoft YaHei" panose="020B0503020204020204" pitchFamily="34" charset="-122"/>
+                <a:ea typeface="Microsoft YaHei" panose="020B0503020204020204" pitchFamily="34" charset="-122"/>
               </a:rPr>
               <a:t>用户体验更好，不会因为内容改变加载整个页面</a:t>
             </a:r>
-            <a:endParaRPr lang="en-US" altLang="zh-CN" sz="1800" dirty="0">
-              <a:latin typeface="等线" panose="02010600030101010101" pitchFamily="2" charset="-122"/>
-              <a:ea typeface="等线" panose="02010600030101010101" pitchFamily="2" charset="-122"/>
+            <a:endParaRPr lang="en-US" altLang="zh-CN" sz="1400" dirty="0">
+              <a:latin typeface="Microsoft YaHei" panose="020B0503020204020204" pitchFamily="34" charset="-122"/>
+              <a:ea typeface="Microsoft YaHei" panose="020B0503020204020204" pitchFamily="34" charset="-122"/>
             </a:endParaRPr>
           </a:p>
           <a:p>
@@ -8900,22 +11446,22 @@
               <a:buNone/>
             </a:pPr>
             <a:r>
-              <a:rPr lang="en-US" altLang="zh-CN" sz="1800" dirty="0">
-                <a:latin typeface="等线" panose="02010600030101010101" pitchFamily="2" charset="-122"/>
-                <a:ea typeface="等线" panose="02010600030101010101" pitchFamily="2" charset="-122"/>
+              <a:rPr lang="en-US" altLang="zh-CN" sz="1400" dirty="0">
+                <a:latin typeface="Microsoft YaHei" panose="020B0503020204020204" pitchFamily="34" charset="-122"/>
+                <a:ea typeface="Microsoft YaHei" panose="020B0503020204020204" pitchFamily="34" charset="-122"/>
               </a:rPr>
               <a:t>2. </a:t>
             </a:r>
             <a:r>
-              <a:rPr lang="zh-CN" altLang="en-US" sz="1800" dirty="0">
-                <a:latin typeface="等线" panose="02010600030101010101" pitchFamily="2" charset="-122"/>
-                <a:ea typeface="等线" panose="02010600030101010101" pitchFamily="2" charset="-122"/>
+              <a:rPr lang="zh-CN" altLang="en-US" sz="1400" dirty="0">
+                <a:latin typeface="Microsoft YaHei" panose="020B0503020204020204" pitchFamily="34" charset="-122"/>
+                <a:ea typeface="Microsoft YaHei" panose="020B0503020204020204" pitchFamily="34" charset="-122"/>
               </a:rPr>
               <a:t>优良的前后端分离</a:t>
             </a:r>
-            <a:endParaRPr lang="en-US" altLang="zh-CN" sz="1800" dirty="0">
-              <a:latin typeface="等线" panose="02010600030101010101" pitchFamily="2" charset="-122"/>
-              <a:ea typeface="等线" panose="02010600030101010101" pitchFamily="2" charset="-122"/>
+            <a:endParaRPr lang="en-US" altLang="zh-CN" sz="1400" dirty="0">
+              <a:latin typeface="Microsoft YaHei" panose="020B0503020204020204" pitchFamily="34" charset="-122"/>
+              <a:ea typeface="Microsoft YaHei" panose="020B0503020204020204" pitchFamily="34" charset="-122"/>
             </a:endParaRPr>
           </a:p>
           <a:p>
@@ -8928,9 +11474,9 @@
               </a:spcBef>
               <a:buNone/>
             </a:pPr>
-            <a:endParaRPr lang="en-US" altLang="zh-CN" sz="1800" dirty="0">
-              <a:latin typeface="等线" panose="02010600030101010101" pitchFamily="2" charset="-122"/>
-              <a:ea typeface="等线" panose="02010600030101010101" pitchFamily="2" charset="-122"/>
+            <a:endParaRPr lang="en-US" altLang="zh-CN" sz="1400" dirty="0">
+              <a:latin typeface="Microsoft YaHei" panose="020B0503020204020204" pitchFamily="34" charset="-122"/>
+              <a:ea typeface="Microsoft YaHei" panose="020B0503020204020204" pitchFamily="34" charset="-122"/>
             </a:endParaRPr>
           </a:p>
           <a:p>
@@ -8944,15 +11490,15 @@
               <a:buNone/>
             </a:pPr>
             <a:r>
-              <a:rPr lang="zh-CN" altLang="en-US" sz="1800" dirty="0">
-                <a:latin typeface="等线" panose="02010600030101010101" pitchFamily="2" charset="-122"/>
-                <a:ea typeface="等线" panose="02010600030101010101" pitchFamily="2" charset="-122"/>
+              <a:rPr lang="zh-CN" altLang="en-US" sz="1400" b="1" dirty="0">
+                <a:latin typeface="Microsoft YaHei" panose="020B0503020204020204" pitchFamily="34" charset="-122"/>
+                <a:ea typeface="Microsoft YaHei" panose="020B0503020204020204" pitchFamily="34" charset="-122"/>
               </a:rPr>
-              <a:t>缺点：</a:t>
-            </a:r>
-            <a:endParaRPr lang="en-US" altLang="zh-CN" sz="1800" dirty="0">
-              <a:latin typeface="等线" panose="02010600030101010101" pitchFamily="2" charset="-122"/>
-              <a:ea typeface="等线" panose="02010600030101010101" pitchFamily="2" charset="-122"/>
+              <a:t>缺点</a:t>
+            </a:r>
+            <a:endParaRPr lang="en-US" altLang="zh-CN" sz="1400" b="1" dirty="0">
+              <a:latin typeface="Microsoft YaHei" panose="020B0503020204020204" pitchFamily="34" charset="-122"/>
+              <a:ea typeface="Microsoft YaHei" panose="020B0503020204020204" pitchFamily="34" charset="-122"/>
             </a:endParaRPr>
           </a:p>
           <a:p>
@@ -8966,22 +11512,22 @@
               <a:buNone/>
             </a:pPr>
             <a:r>
-              <a:rPr lang="en-US" altLang="zh-CN" sz="1800" dirty="0">
-                <a:latin typeface="等线" panose="02010600030101010101" pitchFamily="2" charset="-122"/>
-                <a:ea typeface="等线" panose="02010600030101010101" pitchFamily="2" charset="-122"/>
+              <a:rPr lang="en-US" altLang="zh-CN" sz="1400" dirty="0">
+                <a:latin typeface="Microsoft YaHei" panose="020B0503020204020204" pitchFamily="34" charset="-122"/>
+                <a:ea typeface="Microsoft YaHei" panose="020B0503020204020204" pitchFamily="34" charset="-122"/>
               </a:rPr>
               <a:t>1. </a:t>
             </a:r>
             <a:r>
-              <a:rPr lang="zh-CN" altLang="en-US" sz="1800" dirty="0">
-                <a:latin typeface="等线" panose="02010600030101010101" pitchFamily="2" charset="-122"/>
-                <a:ea typeface="等线" panose="02010600030101010101" pitchFamily="2" charset="-122"/>
+              <a:rPr lang="zh-CN" altLang="en-US" sz="1400" dirty="0">
+                <a:latin typeface="Microsoft YaHei" panose="020B0503020204020204" pitchFamily="34" charset="-122"/>
+                <a:ea typeface="Microsoft YaHei" panose="020B0503020204020204" pitchFamily="34" charset="-122"/>
               </a:rPr>
               <a:t>开发成本相对较高</a:t>
             </a:r>
-            <a:endParaRPr lang="en-US" altLang="zh-CN" sz="1800" dirty="0">
-              <a:latin typeface="等线" panose="02010600030101010101" pitchFamily="2" charset="-122"/>
-              <a:ea typeface="等线" panose="02010600030101010101" pitchFamily="2" charset="-122"/>
+            <a:endParaRPr lang="en-US" altLang="zh-CN" sz="1400" dirty="0">
+              <a:latin typeface="Microsoft YaHei" panose="020B0503020204020204" pitchFamily="34" charset="-122"/>
+              <a:ea typeface="Microsoft YaHei" panose="020B0503020204020204" pitchFamily="34" charset="-122"/>
             </a:endParaRPr>
           </a:p>
           <a:p>
@@ -8995,22 +11541,22 @@
               <a:buNone/>
             </a:pPr>
             <a:r>
-              <a:rPr lang="en-US" altLang="zh-CN" sz="1800" dirty="0">
-                <a:latin typeface="等线" panose="02010600030101010101" pitchFamily="2" charset="-122"/>
-                <a:ea typeface="等线" panose="02010600030101010101" pitchFamily="2" charset="-122"/>
+              <a:rPr lang="en-US" altLang="zh-CN" sz="1400" dirty="0">
+                <a:latin typeface="Microsoft YaHei" panose="020B0503020204020204" pitchFamily="34" charset="-122"/>
+                <a:ea typeface="Microsoft YaHei" panose="020B0503020204020204" pitchFamily="34" charset="-122"/>
               </a:rPr>
               <a:t>2. </a:t>
             </a:r>
             <a:r>
-              <a:rPr lang="zh-CN" altLang="en-US" sz="1800" dirty="0">
-                <a:latin typeface="等线" panose="02010600030101010101" pitchFamily="2" charset="-122"/>
-                <a:ea typeface="等线" panose="02010600030101010101" pitchFamily="2" charset="-122"/>
+              <a:rPr lang="zh-CN" altLang="en-US" sz="1400" dirty="0">
+                <a:latin typeface="Microsoft YaHei" panose="020B0503020204020204" pitchFamily="34" charset="-122"/>
+                <a:ea typeface="Microsoft YaHei" panose="020B0503020204020204" pitchFamily="34" charset="-122"/>
               </a:rPr>
               <a:t>首次渲染速度较慢</a:t>
             </a:r>
-            <a:endParaRPr lang="en-US" altLang="zh-CN" sz="1800" dirty="0">
-              <a:latin typeface="等线" panose="02010600030101010101" pitchFamily="2" charset="-122"/>
-              <a:ea typeface="等线" panose="02010600030101010101" pitchFamily="2" charset="-122"/>
+            <a:endParaRPr lang="en-US" altLang="zh-CN" sz="1400" dirty="0">
+              <a:latin typeface="Microsoft YaHei" panose="020B0503020204020204" pitchFamily="34" charset="-122"/>
+              <a:ea typeface="Microsoft YaHei" panose="020B0503020204020204" pitchFamily="34" charset="-122"/>
             </a:endParaRPr>
           </a:p>
           <a:p>
@@ -9023,9 +11569,9 @@
               </a:spcBef>
               <a:buNone/>
             </a:pPr>
-            <a:endParaRPr lang="zh-CN" altLang="en-US" sz="1800" dirty="0">
-              <a:latin typeface="等线" panose="02010600030101010101" pitchFamily="2" charset="-122"/>
-              <a:ea typeface="等线" panose="02010600030101010101" pitchFamily="2" charset="-122"/>
+            <a:endParaRPr lang="zh-CN" altLang="en-US" sz="1400" dirty="0">
+              <a:latin typeface="Microsoft YaHei" panose="020B0503020204020204" pitchFamily="34" charset="-122"/>
+              <a:ea typeface="Microsoft YaHei" panose="020B0503020204020204" pitchFamily="34" charset="-122"/>
             </a:endParaRPr>
           </a:p>
         </p:txBody>
@@ -9100,7 +11646,7 @@
         <p:spPr>
           <a:xfrm>
             <a:off x="6983325" y="1566646"/>
-            <a:ext cx="1962397" cy="369332"/>
+            <a:ext cx="1986378" cy="369332"/>
           </a:xfrm>
           <a:prstGeom prst="rect">
             <a:avLst/>
@@ -9115,15 +11661,15 @@
           <a:p>
             <a:r>
               <a:rPr lang="en-US" altLang="zh-CN" dirty="0">
-                <a:latin typeface="等线" panose="02010600030101010101" pitchFamily="2" charset="-122"/>
-                <a:ea typeface="等线" panose="02010600030101010101" pitchFamily="2" charset="-122"/>
+                <a:latin typeface="Microsoft YaHei" panose="020B0503020204020204" pitchFamily="34" charset="-122"/>
+                <a:ea typeface="Microsoft YaHei" panose="020B0503020204020204" pitchFamily="34" charset="-122"/>
               </a:rPr>
               <a:t>SPA</a:t>
             </a:r>
             <a:r>
               <a:rPr lang="zh-CN" altLang="en-US" dirty="0">
-                <a:latin typeface="等线" panose="02010600030101010101" pitchFamily="2" charset="-122"/>
-                <a:ea typeface="等线" panose="02010600030101010101" pitchFamily="2" charset="-122"/>
+                <a:latin typeface="Microsoft YaHei" panose="020B0503020204020204" pitchFamily="34" charset="-122"/>
+                <a:ea typeface="Microsoft YaHei" panose="020B0503020204020204" pitchFamily="34" charset="-122"/>
               </a:rPr>
               <a:t>页面加载范围</a:t>
             </a:r>
@@ -9200,7 +11746,7 @@
         <p:spPr>
           <a:xfrm>
             <a:off x="6002126" y="5158347"/>
-            <a:ext cx="2505814" cy="369332"/>
+            <a:ext cx="2541017" cy="369332"/>
           </a:xfrm>
           <a:prstGeom prst="rect">
             <a:avLst/>
@@ -9215,22 +11761,22 @@
           <a:p>
             <a:r>
               <a:rPr lang="zh-CN" altLang="en-US" dirty="0">
-                <a:latin typeface="等线" panose="02010600030101010101" pitchFamily="2" charset="-122"/>
-                <a:ea typeface="等线" panose="02010600030101010101" pitchFamily="2" charset="-122"/>
+                <a:latin typeface="Microsoft YaHei" panose="020B0503020204020204" pitchFamily="34" charset="-122"/>
+                <a:ea typeface="Microsoft YaHei" panose="020B0503020204020204" pitchFamily="34" charset="-122"/>
               </a:rPr>
               <a:t>传统</a:t>
             </a:r>
             <a:r>
               <a:rPr lang="en-US" altLang="zh-CN" dirty="0">
-                <a:latin typeface="等线" panose="02010600030101010101" pitchFamily="2" charset="-122"/>
-                <a:ea typeface="等线" panose="02010600030101010101" pitchFamily="2" charset="-122"/>
+                <a:latin typeface="Microsoft YaHei" panose="020B0503020204020204" pitchFamily="34" charset="-122"/>
+                <a:ea typeface="Microsoft YaHei" panose="020B0503020204020204" pitchFamily="34" charset="-122"/>
               </a:rPr>
               <a:t>MPA</a:t>
             </a:r>
             <a:r>
               <a:rPr lang="zh-CN" altLang="en-US" dirty="0">
-                <a:latin typeface="等线" panose="02010600030101010101" pitchFamily="2" charset="-122"/>
-                <a:ea typeface="等线" panose="02010600030101010101" pitchFamily="2" charset="-122"/>
+                <a:latin typeface="Microsoft YaHei" panose="020B0503020204020204" pitchFamily="34" charset="-122"/>
+                <a:ea typeface="Microsoft YaHei" panose="020B0503020204020204" pitchFamily="34" charset="-122"/>
               </a:rPr>
               <a:t>页面加载范围</a:t>
             </a:r>
@@ -9267,6 +11813,36 @@
           <a:chExt cx="0" cy="0"/>
         </a:xfrm>
       </p:grpSpPr>
+      <p:pic>
+        <p:nvPicPr>
+          <p:cNvPr id="8" name="Picture 7">
+            <a:extLst>
+              <a:ext uri="{FF2B5EF4-FFF2-40B4-BE49-F238E27FC236}">
+                <a16:creationId xmlns:a16="http://schemas.microsoft.com/office/drawing/2014/main" id="{967DEB8A-77D5-41E6-936C-735F03323BF9}"/>
+              </a:ext>
+            </a:extLst>
+          </p:cNvPr>
+          <p:cNvPicPr>
+            <a:picLocks noChangeAspect="1"/>
+          </p:cNvPicPr>
+          <p:nvPr/>
+        </p:nvPicPr>
+        <p:blipFill>
+          <a:blip r:embed="rId3"/>
+          <a:stretch>
+            <a:fillRect/>
+          </a:stretch>
+        </p:blipFill>
+        <p:spPr>
+          <a:xfrm>
+            <a:off x="838200" y="1304628"/>
+            <a:ext cx="5591883" cy="3365695"/>
+          </a:xfrm>
+          <a:prstGeom prst="rect">
+            <a:avLst/>
+          </a:prstGeom>
+        </p:spPr>
+      </p:pic>
       <p:sp>
         <p:nvSpPr>
           <p:cNvPr id="2" name="标题 1">
@@ -9289,726 +11865,19 @@
           <a:lstStyle/>
           <a:p>
             <a:r>
-              <a:rPr lang="en-US" altLang="zh-CN" dirty="0"/>
-              <a:t>3 </a:t>
-            </a:r>
-            <a:r>
-              <a:rPr lang="zh-CN" altLang="en-US" dirty="0"/>
+              <a:rPr lang="en-US" altLang="zh-CN" dirty="0">
+                <a:latin typeface="Microsoft YaHei" panose="020B0503020204020204" pitchFamily="34" charset="-122"/>
+                <a:ea typeface="Microsoft YaHei" panose="020B0503020204020204" pitchFamily="34" charset="-122"/>
+              </a:rPr>
+              <a:t>3. </a:t>
+            </a:r>
+            <a:r>
+              <a:rPr lang="zh-CN" altLang="en-US" dirty="0">
+                <a:latin typeface="Microsoft YaHei" panose="020B0503020204020204" pitchFamily="34" charset="-122"/>
+                <a:ea typeface="Microsoft YaHei" panose="020B0503020204020204" pitchFamily="34" charset="-122"/>
+              </a:rPr>
               <a:t>项目结构划分</a:t>
             </a:r>
-          </a:p>
-        </p:txBody>
-      </p:sp>
-      <p:sp>
-        <p:nvSpPr>
-          <p:cNvPr id="3" name="内容占位符 2">
-            <a:extLst>
-              <a:ext uri="{FF2B5EF4-FFF2-40B4-BE49-F238E27FC236}">
-                <a16:creationId xmlns:a16="http://schemas.microsoft.com/office/drawing/2014/main" id="{1742E810-B70B-4F6F-BD3D-B025070E6CC9}"/>
-              </a:ext>
-            </a:extLst>
-          </p:cNvPr>
-          <p:cNvSpPr>
-            <a:spLocks noGrp="1"/>
-          </p:cNvSpPr>
-          <p:nvPr>
-            <p:ph idx="1"/>
-          </p:nvPr>
-        </p:nvSpPr>
-        <p:spPr>
-          <a:xfrm>
-            <a:off x="1807049" y="1110949"/>
-            <a:ext cx="2825022" cy="5480137"/>
-          </a:xfrm>
-        </p:spPr>
-        <p:txBody>
-          <a:bodyPr>
-            <a:noAutofit/>
-          </a:bodyPr>
-          <a:lstStyle/>
-          <a:p>
-            <a:pPr marL="0" indent="0">
-              <a:lnSpc>
-                <a:spcPts val="1400"/>
-              </a:lnSpc>
-              <a:spcBef>
-                <a:spcPts val="0"/>
-              </a:spcBef>
-              <a:buNone/>
-            </a:pPr>
-            <a:r>
-              <a:rPr lang="en-US" altLang="zh-CN" sz="1400" dirty="0" err="1">
-                <a:latin typeface="Bahnschrift SemiBold" panose="020B0502040204020203" pitchFamily="34" charset="0"/>
-              </a:rPr>
-              <a:t>src</a:t>
-            </a:r>
-            <a:endParaRPr lang="en-US" altLang="zh-CN" sz="1400" dirty="0">
-              <a:latin typeface="Bahnschrift SemiBold" panose="020B0502040204020203" pitchFamily="34" charset="0"/>
-            </a:endParaRPr>
-          </a:p>
-          <a:p>
-            <a:pPr marL="0" indent="0">
-              <a:lnSpc>
-                <a:spcPts val="1400"/>
-              </a:lnSpc>
-              <a:spcBef>
-                <a:spcPts val="0"/>
-              </a:spcBef>
-              <a:buNone/>
-            </a:pPr>
-            <a:r>
-              <a:rPr lang="en-US" altLang="zh-CN" sz="1400" dirty="0">
-                <a:latin typeface="Bahnschrift SemiBold" panose="020B0502040204020203" pitchFamily="34" charset="0"/>
-              </a:rPr>
-              <a:t>│  </a:t>
-            </a:r>
-            <a:r>
-              <a:rPr lang="en-US" altLang="zh-CN" sz="1400" dirty="0" err="1">
-                <a:latin typeface="Bahnschrift SemiBold" panose="020B0502040204020203" pitchFamily="34" charset="0"/>
-              </a:rPr>
-              <a:t>App.vue</a:t>
-            </a:r>
-            <a:endParaRPr lang="en-US" altLang="zh-CN" sz="1400" dirty="0">
-              <a:latin typeface="Bahnschrift SemiBold" panose="020B0502040204020203" pitchFamily="34" charset="0"/>
-            </a:endParaRPr>
-          </a:p>
-          <a:p>
-            <a:pPr marL="0" indent="0">
-              <a:lnSpc>
-                <a:spcPts val="1400"/>
-              </a:lnSpc>
-              <a:spcBef>
-                <a:spcPts val="0"/>
-              </a:spcBef>
-              <a:buNone/>
-            </a:pPr>
-            <a:r>
-              <a:rPr lang="en-US" altLang="zh-CN" sz="1400" dirty="0">
-                <a:latin typeface="Bahnschrift SemiBold" panose="020B0502040204020203" pitchFamily="34" charset="0"/>
-              </a:rPr>
-              <a:t>│  </a:t>
-            </a:r>
-            <a:r>
-              <a:rPr lang="en-US" altLang="zh-CN" sz="1400" dirty="0" err="1">
-                <a:latin typeface="Bahnschrift SemiBold" panose="020B0502040204020203" pitchFamily="34" charset="0"/>
-              </a:rPr>
-              <a:t>main.js</a:t>
-            </a:r>
-            <a:endParaRPr lang="en-US" altLang="zh-CN" sz="1400" dirty="0">
-              <a:latin typeface="Bahnschrift SemiBold" panose="020B0502040204020203" pitchFamily="34" charset="0"/>
-            </a:endParaRPr>
-          </a:p>
-          <a:p>
-            <a:pPr marL="0" indent="0">
-              <a:lnSpc>
-                <a:spcPts val="1400"/>
-              </a:lnSpc>
-              <a:spcBef>
-                <a:spcPts val="0"/>
-              </a:spcBef>
-              <a:buNone/>
-            </a:pPr>
-            <a:r>
-              <a:rPr lang="en-US" altLang="zh-CN" sz="1400" dirty="0">
-                <a:latin typeface="Bahnschrift SemiBold" panose="020B0502040204020203" pitchFamily="34" charset="0"/>
-              </a:rPr>
-              <a:t>│</a:t>
-            </a:r>
-          </a:p>
-          <a:p>
-            <a:pPr marL="0" indent="0">
-              <a:lnSpc>
-                <a:spcPts val="1400"/>
-              </a:lnSpc>
-              <a:spcBef>
-                <a:spcPts val="0"/>
-              </a:spcBef>
-              <a:buNone/>
-            </a:pPr>
-            <a:r>
-              <a:rPr lang="en-US" altLang="zh-CN" sz="1400" dirty="0">
-                <a:latin typeface="Bahnschrift SemiBold" panose="020B0502040204020203" pitchFamily="34" charset="0"/>
-              </a:rPr>
-              <a:t>├─</a:t>
-            </a:r>
-            <a:r>
-              <a:rPr lang="en-US" altLang="zh-CN" sz="1400" dirty="0" err="1">
-                <a:latin typeface="Bahnschrift SemiBold" panose="020B0502040204020203" pitchFamily="34" charset="0"/>
-              </a:rPr>
-              <a:t>api</a:t>
-            </a:r>
-            <a:endParaRPr lang="en-US" altLang="zh-CN" sz="1400" dirty="0">
-              <a:latin typeface="Bahnschrift SemiBold" panose="020B0502040204020203" pitchFamily="34" charset="0"/>
-            </a:endParaRPr>
-          </a:p>
-          <a:p>
-            <a:pPr marL="0" indent="0">
-              <a:lnSpc>
-                <a:spcPts val="1400"/>
-              </a:lnSpc>
-              <a:spcBef>
-                <a:spcPts val="0"/>
-              </a:spcBef>
-              <a:buNone/>
-            </a:pPr>
-            <a:r>
-              <a:rPr lang="en-US" altLang="zh-CN" sz="1400" dirty="0">
-                <a:latin typeface="Bahnschrift SemiBold" panose="020B0502040204020203" pitchFamily="34" charset="0"/>
-              </a:rPr>
-              <a:t>│      </a:t>
-            </a:r>
-            <a:r>
-              <a:rPr lang="en-US" altLang="zh-CN" sz="1400" dirty="0" err="1">
-                <a:latin typeface="Bahnschrift SemiBold" panose="020B0502040204020203" pitchFamily="34" charset="0"/>
-              </a:rPr>
-              <a:t>base.js</a:t>
-            </a:r>
-            <a:endParaRPr lang="en-US" altLang="zh-CN" sz="1400" dirty="0">
-              <a:latin typeface="Bahnschrift SemiBold" panose="020B0502040204020203" pitchFamily="34" charset="0"/>
-            </a:endParaRPr>
-          </a:p>
-          <a:p>
-            <a:pPr marL="0" indent="0">
-              <a:lnSpc>
-                <a:spcPts val="1400"/>
-              </a:lnSpc>
-              <a:spcBef>
-                <a:spcPts val="0"/>
-              </a:spcBef>
-              <a:buNone/>
-            </a:pPr>
-            <a:r>
-              <a:rPr lang="en-US" altLang="zh-CN" sz="1400" dirty="0">
-                <a:latin typeface="Bahnschrift SemiBold" panose="020B0502040204020203" pitchFamily="34" charset="0"/>
-              </a:rPr>
-              <a:t>│      </a:t>
-            </a:r>
-            <a:r>
-              <a:rPr lang="en-US" altLang="zh-CN" sz="1400" dirty="0" err="1">
-                <a:latin typeface="Bahnschrift SemiBold" panose="020B0502040204020203" pitchFamily="34" charset="0"/>
-              </a:rPr>
-              <a:t>gameResultService.js</a:t>
-            </a:r>
-            <a:endParaRPr lang="en-US" altLang="zh-CN" sz="1400" dirty="0">
-              <a:latin typeface="Bahnschrift SemiBold" panose="020B0502040204020203" pitchFamily="34" charset="0"/>
-            </a:endParaRPr>
-          </a:p>
-          <a:p>
-            <a:pPr marL="0" indent="0">
-              <a:lnSpc>
-                <a:spcPts val="1400"/>
-              </a:lnSpc>
-              <a:spcBef>
-                <a:spcPts val="0"/>
-              </a:spcBef>
-              <a:buNone/>
-            </a:pPr>
-            <a:r>
-              <a:rPr lang="en-US" altLang="zh-CN" sz="1400" dirty="0">
-                <a:latin typeface="Bahnschrift SemiBold" panose="020B0502040204020203" pitchFamily="34" charset="0"/>
-              </a:rPr>
-              <a:t>│      </a:t>
-            </a:r>
-            <a:r>
-              <a:rPr lang="en-US" altLang="zh-CN" sz="1400" dirty="0" err="1">
-                <a:latin typeface="Bahnschrift SemiBold" panose="020B0502040204020203" pitchFamily="34" charset="0"/>
-              </a:rPr>
-              <a:t>gameService.js</a:t>
-            </a:r>
-            <a:endParaRPr lang="en-US" altLang="zh-CN" sz="1400" dirty="0">
-              <a:latin typeface="Bahnschrift SemiBold" panose="020B0502040204020203" pitchFamily="34" charset="0"/>
-            </a:endParaRPr>
-          </a:p>
-          <a:p>
-            <a:pPr marL="0" indent="0">
-              <a:lnSpc>
-                <a:spcPts val="1400"/>
-              </a:lnSpc>
-              <a:spcBef>
-                <a:spcPts val="0"/>
-              </a:spcBef>
-              <a:buNone/>
-            </a:pPr>
-            <a:r>
-              <a:rPr lang="en-US" altLang="zh-CN" sz="1400" dirty="0">
-                <a:latin typeface="Bahnschrift SemiBold" panose="020B0502040204020203" pitchFamily="34" charset="0"/>
-              </a:rPr>
-              <a:t>│      </a:t>
-            </a:r>
-            <a:r>
-              <a:rPr lang="en-US" altLang="zh-CN" sz="1400" dirty="0" err="1">
-                <a:latin typeface="Bahnschrift SemiBold" panose="020B0502040204020203" pitchFamily="34" charset="0"/>
-              </a:rPr>
-              <a:t>index.js</a:t>
-            </a:r>
-            <a:endParaRPr lang="en-US" altLang="zh-CN" sz="1400" dirty="0">
-              <a:latin typeface="Bahnschrift SemiBold" panose="020B0502040204020203" pitchFamily="34" charset="0"/>
-            </a:endParaRPr>
-          </a:p>
-          <a:p>
-            <a:pPr marL="0" indent="0">
-              <a:lnSpc>
-                <a:spcPts val="1400"/>
-              </a:lnSpc>
-              <a:spcBef>
-                <a:spcPts val="0"/>
-              </a:spcBef>
-              <a:buNone/>
-            </a:pPr>
-            <a:r>
-              <a:rPr lang="en-US" altLang="zh-CN" sz="1400" dirty="0">
-                <a:latin typeface="Bahnschrift SemiBold" panose="020B0502040204020203" pitchFamily="34" charset="0"/>
-              </a:rPr>
-              <a:t>│      </a:t>
-            </a:r>
-            <a:r>
-              <a:rPr lang="en-US" altLang="zh-CN" sz="1400" dirty="0" err="1">
-                <a:latin typeface="Bahnschrift SemiBold" panose="020B0502040204020203" pitchFamily="34" charset="0"/>
-              </a:rPr>
-              <a:t>mapService.js</a:t>
-            </a:r>
-            <a:endParaRPr lang="en-US" altLang="zh-CN" sz="1400" dirty="0">
-              <a:latin typeface="Bahnschrift SemiBold" panose="020B0502040204020203" pitchFamily="34" charset="0"/>
-            </a:endParaRPr>
-          </a:p>
-          <a:p>
-            <a:pPr marL="0" indent="0">
-              <a:lnSpc>
-                <a:spcPts val="1400"/>
-              </a:lnSpc>
-              <a:spcBef>
-                <a:spcPts val="0"/>
-              </a:spcBef>
-              <a:buNone/>
-            </a:pPr>
-            <a:r>
-              <a:rPr lang="en-US" altLang="zh-CN" sz="1400" dirty="0">
-                <a:latin typeface="Bahnschrift SemiBold" panose="020B0502040204020203" pitchFamily="34" charset="0"/>
-              </a:rPr>
-              <a:t>│      </a:t>
-            </a:r>
-            <a:r>
-              <a:rPr lang="en-US" altLang="zh-CN" sz="1400" dirty="0" err="1">
-                <a:latin typeface="Bahnschrift SemiBold" panose="020B0502040204020203" pitchFamily="34" charset="0"/>
-              </a:rPr>
-              <a:t>playerService.js</a:t>
-            </a:r>
-            <a:endParaRPr lang="en-US" altLang="zh-CN" sz="1400" dirty="0">
-              <a:latin typeface="Bahnschrift SemiBold" panose="020B0502040204020203" pitchFamily="34" charset="0"/>
-            </a:endParaRPr>
-          </a:p>
-          <a:p>
-            <a:pPr marL="0" indent="0">
-              <a:lnSpc>
-                <a:spcPts val="1400"/>
-              </a:lnSpc>
-              <a:spcBef>
-                <a:spcPts val="0"/>
-              </a:spcBef>
-              <a:buNone/>
-            </a:pPr>
-            <a:r>
-              <a:rPr lang="en-US" altLang="zh-CN" sz="1400" dirty="0">
-                <a:latin typeface="Bahnschrift SemiBold" panose="020B0502040204020203" pitchFamily="34" charset="0"/>
-              </a:rPr>
-              <a:t>│</a:t>
-            </a:r>
-          </a:p>
-          <a:p>
-            <a:pPr marL="0" indent="0">
-              <a:lnSpc>
-                <a:spcPts val="1400"/>
-              </a:lnSpc>
-              <a:spcBef>
-                <a:spcPts val="0"/>
-              </a:spcBef>
-              <a:buNone/>
-            </a:pPr>
-            <a:r>
-              <a:rPr lang="en-US" altLang="zh-CN" sz="1400" dirty="0">
-                <a:latin typeface="Bahnschrift SemiBold" panose="020B0502040204020203" pitchFamily="34" charset="0"/>
-              </a:rPr>
-              <a:t>├─assets</a:t>
-            </a:r>
-          </a:p>
-          <a:p>
-            <a:pPr marL="0" indent="0">
-              <a:lnSpc>
-                <a:spcPts val="1400"/>
-              </a:lnSpc>
-              <a:spcBef>
-                <a:spcPts val="0"/>
-              </a:spcBef>
-              <a:buNone/>
-            </a:pPr>
-            <a:r>
-              <a:rPr lang="en-US" altLang="zh-CN" sz="1400" dirty="0">
-                <a:latin typeface="Bahnschrift SemiBold" panose="020B0502040204020203" pitchFamily="34" charset="0"/>
-              </a:rPr>
-              <a:t>│  └─</a:t>
-            </a:r>
-            <a:r>
-              <a:rPr lang="en-US" altLang="zh-CN" sz="1400" dirty="0" err="1">
-                <a:latin typeface="Bahnschrift SemiBold" panose="020B0502040204020203" pitchFamily="34" charset="0"/>
-              </a:rPr>
-              <a:t>css</a:t>
-            </a:r>
-            <a:endParaRPr lang="en-US" altLang="zh-CN" sz="1400" dirty="0">
-              <a:latin typeface="Bahnschrift SemiBold" panose="020B0502040204020203" pitchFamily="34" charset="0"/>
-            </a:endParaRPr>
-          </a:p>
-          <a:p>
-            <a:pPr marL="0" indent="0">
-              <a:lnSpc>
-                <a:spcPts val="1400"/>
-              </a:lnSpc>
-              <a:spcBef>
-                <a:spcPts val="0"/>
-              </a:spcBef>
-              <a:buNone/>
-            </a:pPr>
-            <a:r>
-              <a:rPr lang="en-US" altLang="zh-CN" sz="1400" dirty="0">
-                <a:latin typeface="Bahnschrift SemiBold" panose="020B0502040204020203" pitchFamily="34" charset="0"/>
-              </a:rPr>
-              <a:t>│          </a:t>
-            </a:r>
-            <a:r>
-              <a:rPr lang="en-US" altLang="zh-CN" sz="1400" dirty="0" err="1">
-                <a:latin typeface="Bahnschrift SemiBold" panose="020B0502040204020203" pitchFamily="34" charset="0"/>
-              </a:rPr>
-              <a:t>all.css</a:t>
-            </a:r>
-            <a:endParaRPr lang="en-US" altLang="zh-CN" sz="1400" dirty="0">
-              <a:latin typeface="Bahnschrift SemiBold" panose="020B0502040204020203" pitchFamily="34" charset="0"/>
-            </a:endParaRPr>
-          </a:p>
-          <a:p>
-            <a:pPr marL="0" indent="0">
-              <a:lnSpc>
-                <a:spcPts val="1400"/>
-              </a:lnSpc>
-              <a:spcBef>
-                <a:spcPts val="0"/>
-              </a:spcBef>
-              <a:buNone/>
-            </a:pPr>
-            <a:r>
-              <a:rPr lang="en-US" altLang="zh-CN" sz="1400" dirty="0">
-                <a:latin typeface="Bahnschrift SemiBold" panose="020B0502040204020203" pitchFamily="34" charset="0"/>
-              </a:rPr>
-              <a:t>│</a:t>
-            </a:r>
-          </a:p>
-          <a:p>
-            <a:pPr marL="0" indent="0">
-              <a:lnSpc>
-                <a:spcPts val="1400"/>
-              </a:lnSpc>
-              <a:spcBef>
-                <a:spcPts val="0"/>
-              </a:spcBef>
-              <a:buNone/>
-            </a:pPr>
-            <a:r>
-              <a:rPr lang="en-US" altLang="zh-CN" sz="1400" dirty="0">
-                <a:latin typeface="Bahnschrift SemiBold" panose="020B0502040204020203" pitchFamily="34" charset="0"/>
-              </a:rPr>
-              <a:t>├─components</a:t>
-            </a:r>
-          </a:p>
-          <a:p>
-            <a:pPr marL="0" indent="0">
-              <a:lnSpc>
-                <a:spcPts val="1400"/>
-              </a:lnSpc>
-              <a:spcBef>
-                <a:spcPts val="0"/>
-              </a:spcBef>
-              <a:buNone/>
-            </a:pPr>
-            <a:r>
-              <a:rPr lang="en-US" altLang="zh-CN" sz="1400" dirty="0">
-                <a:latin typeface="Bahnschrift SemiBold" panose="020B0502040204020203" pitchFamily="34" charset="0"/>
-              </a:rPr>
-              <a:t>│      </a:t>
-            </a:r>
-            <a:r>
-              <a:rPr lang="en-US" altLang="zh-CN" sz="1400" dirty="0" err="1">
-                <a:latin typeface="Bahnschrift SemiBold" panose="020B0502040204020203" pitchFamily="34" charset="0"/>
-              </a:rPr>
-              <a:t>Menu.vue</a:t>
-            </a:r>
-            <a:endParaRPr lang="en-US" altLang="zh-CN" sz="1400" dirty="0">
-              <a:latin typeface="Bahnschrift SemiBold" panose="020B0502040204020203" pitchFamily="34" charset="0"/>
-            </a:endParaRPr>
-          </a:p>
-          <a:p>
-            <a:pPr marL="0" indent="0">
-              <a:lnSpc>
-                <a:spcPts val="1400"/>
-              </a:lnSpc>
-              <a:spcBef>
-                <a:spcPts val="0"/>
-              </a:spcBef>
-              <a:buNone/>
-            </a:pPr>
-            <a:r>
-              <a:rPr lang="en-US" altLang="zh-CN" sz="1400" dirty="0">
-                <a:latin typeface="Bahnschrift SemiBold" panose="020B0502040204020203" pitchFamily="34" charset="0"/>
-              </a:rPr>
-              <a:t>│</a:t>
-            </a:r>
-          </a:p>
-          <a:p>
-            <a:pPr marL="0" indent="0">
-              <a:lnSpc>
-                <a:spcPts val="1400"/>
-              </a:lnSpc>
-              <a:spcBef>
-                <a:spcPts val="0"/>
-              </a:spcBef>
-              <a:buNone/>
-            </a:pPr>
-            <a:r>
-              <a:rPr lang="en-US" altLang="zh-CN" sz="1400" dirty="0">
-                <a:latin typeface="Bahnschrift SemiBold" panose="020B0502040204020203" pitchFamily="34" charset="0"/>
-              </a:rPr>
-              <a:t>├─pages</a:t>
-            </a:r>
-          </a:p>
-          <a:p>
-            <a:pPr marL="0" indent="0">
-              <a:lnSpc>
-                <a:spcPts val="1400"/>
-              </a:lnSpc>
-              <a:spcBef>
-                <a:spcPts val="0"/>
-              </a:spcBef>
-              <a:buNone/>
-            </a:pPr>
-            <a:r>
-              <a:rPr lang="en-US" altLang="zh-CN" sz="1400" dirty="0">
-                <a:latin typeface="Bahnschrift SemiBold" panose="020B0502040204020203" pitchFamily="34" charset="0"/>
-              </a:rPr>
-              <a:t>│  │  </a:t>
-            </a:r>
-            <a:r>
-              <a:rPr lang="en-US" altLang="zh-CN" sz="1400" dirty="0" err="1">
-                <a:latin typeface="Bahnschrift SemiBold" panose="020B0502040204020203" pitchFamily="34" charset="0"/>
-              </a:rPr>
-              <a:t>Home.vue</a:t>
-            </a:r>
-            <a:endParaRPr lang="en-US" altLang="zh-CN" sz="1400" dirty="0">
-              <a:latin typeface="Bahnschrift SemiBold" panose="020B0502040204020203" pitchFamily="34" charset="0"/>
-            </a:endParaRPr>
-          </a:p>
-          <a:p>
-            <a:pPr marL="0" indent="0">
-              <a:lnSpc>
-                <a:spcPts val="1400"/>
-              </a:lnSpc>
-              <a:spcBef>
-                <a:spcPts val="0"/>
-              </a:spcBef>
-              <a:buNone/>
-            </a:pPr>
-            <a:r>
-              <a:rPr lang="en-US" altLang="zh-CN" sz="1400" dirty="0">
-                <a:latin typeface="Bahnschrift SemiBold" panose="020B0502040204020203" pitchFamily="34" charset="0"/>
-              </a:rPr>
-              <a:t>│  │  </a:t>
-            </a:r>
-            <a:r>
-              <a:rPr lang="en-US" altLang="zh-CN" sz="1400" dirty="0" err="1">
-                <a:latin typeface="Bahnschrift SemiBold" panose="020B0502040204020203" pitchFamily="34" charset="0"/>
-              </a:rPr>
-              <a:t>Registry.vue</a:t>
-            </a:r>
-            <a:endParaRPr lang="en-US" altLang="zh-CN" sz="1400" dirty="0">
-              <a:latin typeface="Bahnschrift SemiBold" panose="020B0502040204020203" pitchFamily="34" charset="0"/>
-            </a:endParaRPr>
-          </a:p>
-          <a:p>
-            <a:pPr marL="0" indent="0">
-              <a:lnSpc>
-                <a:spcPts val="1400"/>
-              </a:lnSpc>
-              <a:spcBef>
-                <a:spcPts val="0"/>
-              </a:spcBef>
-              <a:buNone/>
-            </a:pPr>
-            <a:r>
-              <a:rPr lang="en-US" altLang="zh-CN" sz="1400" dirty="0">
-                <a:latin typeface="Bahnschrift SemiBold" panose="020B0502040204020203" pitchFamily="34" charset="0"/>
-              </a:rPr>
-              <a:t>│  │  </a:t>
-            </a:r>
-            <a:r>
-              <a:rPr lang="en-US" altLang="zh-CN" sz="1400" dirty="0" err="1">
-                <a:latin typeface="Bahnschrift SemiBold" panose="020B0502040204020203" pitchFamily="34" charset="0"/>
-              </a:rPr>
-              <a:t>Running.vue</a:t>
-            </a:r>
-            <a:endParaRPr lang="en-US" altLang="zh-CN" sz="1400" dirty="0">
-              <a:latin typeface="Bahnschrift SemiBold" panose="020B0502040204020203" pitchFamily="34" charset="0"/>
-            </a:endParaRPr>
-          </a:p>
-          <a:p>
-            <a:pPr marL="0" indent="0">
-              <a:lnSpc>
-                <a:spcPts val="1400"/>
-              </a:lnSpc>
-              <a:spcBef>
-                <a:spcPts val="0"/>
-              </a:spcBef>
-              <a:buNone/>
-            </a:pPr>
-            <a:r>
-              <a:rPr lang="en-US" altLang="zh-CN" sz="1400" dirty="0">
-                <a:latin typeface="Bahnschrift SemiBold" panose="020B0502040204020203" pitchFamily="34" charset="0"/>
-              </a:rPr>
-              <a:t>│  │</a:t>
-            </a:r>
-          </a:p>
-          <a:p>
-            <a:pPr marL="0" indent="0">
-              <a:lnSpc>
-                <a:spcPts val="1400"/>
-              </a:lnSpc>
-              <a:spcBef>
-                <a:spcPts val="0"/>
-              </a:spcBef>
-              <a:buNone/>
-            </a:pPr>
-            <a:r>
-              <a:rPr lang="en-US" altLang="zh-CN" sz="1400" dirty="0">
-                <a:latin typeface="Bahnschrift SemiBold" panose="020B0502040204020203" pitchFamily="34" charset="0"/>
-              </a:rPr>
-              <a:t>│  └─</a:t>
-            </a:r>
-            <a:r>
-              <a:rPr lang="en-US" altLang="zh-CN" sz="1400" dirty="0" err="1">
-                <a:latin typeface="Bahnschrift SemiBold" panose="020B0502040204020203" pitchFamily="34" charset="0"/>
-              </a:rPr>
-              <a:t>queryGameScore</a:t>
-            </a:r>
-            <a:endParaRPr lang="en-US" altLang="zh-CN" sz="1400" dirty="0">
-              <a:latin typeface="Bahnschrift SemiBold" panose="020B0502040204020203" pitchFamily="34" charset="0"/>
-            </a:endParaRPr>
-          </a:p>
-          <a:p>
-            <a:pPr marL="0" indent="0">
-              <a:lnSpc>
-                <a:spcPts val="1400"/>
-              </a:lnSpc>
-              <a:spcBef>
-                <a:spcPts val="0"/>
-              </a:spcBef>
-              <a:buNone/>
-            </a:pPr>
-            <a:r>
-              <a:rPr lang="en-US" altLang="zh-CN" sz="1400" dirty="0">
-                <a:latin typeface="Bahnschrift SemiBold" panose="020B0502040204020203" pitchFamily="34" charset="0"/>
-              </a:rPr>
-              <a:t>│          </a:t>
-            </a:r>
-            <a:r>
-              <a:rPr lang="en-US" altLang="zh-CN" sz="1400" dirty="0" err="1">
-                <a:latin typeface="Bahnschrift SemiBold" panose="020B0502040204020203" pitchFamily="34" charset="0"/>
-              </a:rPr>
-              <a:t>PlayerDetail.vue</a:t>
-            </a:r>
-            <a:endParaRPr lang="en-US" altLang="zh-CN" sz="1400" dirty="0">
-              <a:latin typeface="Bahnschrift SemiBold" panose="020B0502040204020203" pitchFamily="34" charset="0"/>
-            </a:endParaRPr>
-          </a:p>
-          <a:p>
-            <a:pPr marL="0" indent="0">
-              <a:lnSpc>
-                <a:spcPts val="1400"/>
-              </a:lnSpc>
-              <a:spcBef>
-                <a:spcPts val="0"/>
-              </a:spcBef>
-              <a:buNone/>
-            </a:pPr>
-            <a:r>
-              <a:rPr lang="en-US" altLang="zh-CN" sz="1400" dirty="0">
-                <a:latin typeface="Bahnschrift SemiBold" panose="020B0502040204020203" pitchFamily="34" charset="0"/>
-              </a:rPr>
-              <a:t>│          </a:t>
-            </a:r>
-            <a:r>
-              <a:rPr lang="en-US" altLang="zh-CN" sz="1400" dirty="0" err="1">
-                <a:latin typeface="Bahnschrift SemiBold" panose="020B0502040204020203" pitchFamily="34" charset="0"/>
-              </a:rPr>
-              <a:t>QueryGameScore.vue</a:t>
-            </a:r>
-            <a:endParaRPr lang="en-US" altLang="zh-CN" sz="1400" dirty="0">
-              <a:latin typeface="Bahnschrift SemiBold" panose="020B0502040204020203" pitchFamily="34" charset="0"/>
-            </a:endParaRPr>
-          </a:p>
-          <a:p>
-            <a:pPr marL="0" indent="0">
-              <a:lnSpc>
-                <a:spcPts val="1400"/>
-              </a:lnSpc>
-              <a:spcBef>
-                <a:spcPts val="0"/>
-              </a:spcBef>
-              <a:buNone/>
-            </a:pPr>
-            <a:r>
-              <a:rPr lang="en-US" altLang="zh-CN" sz="1400" dirty="0">
-                <a:latin typeface="Bahnschrift SemiBold" panose="020B0502040204020203" pitchFamily="34" charset="0"/>
-              </a:rPr>
-              <a:t>│</a:t>
-            </a:r>
-          </a:p>
-          <a:p>
-            <a:pPr marL="0" indent="0">
-              <a:lnSpc>
-                <a:spcPts val="1400"/>
-              </a:lnSpc>
-              <a:spcBef>
-                <a:spcPts val="0"/>
-              </a:spcBef>
-              <a:buNone/>
-            </a:pPr>
-            <a:r>
-              <a:rPr lang="en-US" altLang="zh-CN" sz="1400" dirty="0">
-                <a:latin typeface="Bahnschrift SemiBold" panose="020B0502040204020203" pitchFamily="34" charset="0"/>
-              </a:rPr>
-              <a:t>└─router</a:t>
-            </a:r>
-          </a:p>
-          <a:p>
-            <a:pPr marL="0" indent="0">
-              <a:lnSpc>
-                <a:spcPts val="1400"/>
-              </a:lnSpc>
-              <a:spcBef>
-                <a:spcPts val="0"/>
-              </a:spcBef>
-              <a:buNone/>
-            </a:pPr>
-            <a:r>
-              <a:rPr lang="en-US" altLang="zh-CN" sz="1400" dirty="0">
-                <a:latin typeface="Bahnschrift SemiBold" panose="020B0502040204020203" pitchFamily="34" charset="0"/>
-              </a:rPr>
-              <a:t>        </a:t>
-            </a:r>
-            <a:r>
-              <a:rPr lang="en-US" altLang="zh-CN" sz="1400" dirty="0" err="1">
-                <a:latin typeface="Bahnschrift SemiBold" panose="020B0502040204020203" pitchFamily="34" charset="0"/>
-              </a:rPr>
-              <a:t>index.js</a:t>
-            </a:r>
-            <a:endParaRPr lang="zh-CN" altLang="en-US" sz="1400" dirty="0">
-              <a:latin typeface="Bahnschrift SemiBold" panose="020B0502040204020203" pitchFamily="34" charset="0"/>
-            </a:endParaRPr>
           </a:p>
         </p:txBody>
       </p:sp>
@@ -10027,14 +11896,14 @@
           <p:nvPr>
             <p:extLst>
               <p:ext uri="{D42A27DB-BD31-4B8C-83A1-F6EECF244321}">
-                <p14:modId xmlns:p14="http://schemas.microsoft.com/office/powerpoint/2010/main" val="3610713920"/>
+                <p14:modId xmlns:p14="http://schemas.microsoft.com/office/powerpoint/2010/main" val="3394412627"/>
               </p:ext>
             </p:extLst>
           </p:nvPr>
         </p:nvGraphicFramePr>
         <p:xfrm>
-          <a:off x="6207611" y="1101943"/>
-          <a:ext cx="5146189" cy="5486400"/>
+          <a:off x="6689391" y="1304628"/>
+          <a:ext cx="5146189" cy="5334000"/>
         </p:xfrm>
         <a:graphic>
           <a:graphicData uri="http://schemas.openxmlformats.org/drawingml/2006/table">
@@ -10057,107 +11926,58 @@
                     <a:bodyPr/>
                     <a:lstStyle/>
                     <a:p>
+                      <a:pPr marL="0" marR="0" lvl="0" indent="0" algn="l" defTabSz="914400" rtl="0" eaLnBrk="1" fontAlgn="auto" latinLnBrk="0" hangingPunct="1">
+                        <a:lnSpc>
+                          <a:spcPct val="100000"/>
+                        </a:lnSpc>
+                        <a:spcBef>
+                          <a:spcPts val="0"/>
+                        </a:spcBef>
+                        <a:spcAft>
+                          <a:spcPts val="0"/>
+                        </a:spcAft>
+                        <a:buClrTx/>
+                        <a:buSzTx/>
+                        <a:buFontTx/>
+                        <a:buNone/>
+                        <a:tabLst/>
+                        <a:defRPr/>
+                      </a:pPr>
                       <a:r>
-                        <a:rPr lang="zh-CN" altLang="en-US" sz="900" dirty="0">
-                          <a:latin typeface="等线" panose="02010600030101010101" pitchFamily="2" charset="-122"/>
-                          <a:ea typeface="等线" panose="02010600030101010101" pitchFamily="2" charset="-122"/>
+                        <a:rPr lang="en-US" altLang="zh-CN" sz="1400" b="1" dirty="0" err="1">
+                          <a:latin typeface="Microsoft YaHei" panose="020B0503020204020204" pitchFamily="34" charset="-122"/>
+                          <a:ea typeface="Microsoft YaHei" panose="020B0503020204020204" pitchFamily="34" charset="-122"/>
                         </a:rPr>
-                        <a:t>项目文件</a:t>
-                      </a:r>
-                    </a:p>
-                  </a:txBody>
-                  <a:tcPr/>
-                </a:tc>
-                <a:extLst>
-                  <a:ext uri="{0D108BD9-81ED-4DB2-BD59-A6C34878D82A}">
-                    <a16:rowId xmlns:a16="http://schemas.microsoft.com/office/drawing/2014/main" val="199293042"/>
-                  </a:ext>
-                </a:extLst>
-              </a:tr>
-              <a:tr h="168163">
-                <a:tc>
-                  <a:txBody>
-                    <a:bodyPr/>
-                    <a:lstStyle/>
-                    <a:p>
-                      <a:r>
-                        <a:rPr lang="en-US" altLang="zh-CN" sz="900" dirty="0">
-                          <a:latin typeface="等线" panose="02010600030101010101" pitchFamily="2" charset="-122"/>
-                          <a:ea typeface="等线" panose="02010600030101010101" pitchFamily="2" charset="-122"/>
-                        </a:rPr>
-                        <a:t>//</a:t>
+                        <a:t>api</a:t>
                       </a:r>
                       <a:r>
-                        <a:rPr lang="zh-CN" altLang="en-US" sz="900" dirty="0">
-                          <a:latin typeface="等线" panose="02010600030101010101" pitchFamily="2" charset="-122"/>
-                          <a:ea typeface="等线" panose="02010600030101010101" pitchFamily="2" charset="-122"/>
+                        <a:rPr lang="zh-CN" altLang="en-US" sz="1400" b="1" dirty="0">
+                          <a:latin typeface="Microsoft YaHei" panose="020B0503020204020204" pitchFamily="34" charset="-122"/>
+                          <a:ea typeface="Microsoft YaHei" panose="020B0503020204020204" pitchFamily="34" charset="-122"/>
                         </a:rPr>
-                        <a:t>页面入口，负责调整单页面的整体布局</a:t>
-                      </a:r>
-                    </a:p>
-                  </a:txBody>
-                  <a:tcPr/>
-                </a:tc>
-                <a:extLst>
-                  <a:ext uri="{0D108BD9-81ED-4DB2-BD59-A6C34878D82A}">
-                    <a16:rowId xmlns:a16="http://schemas.microsoft.com/office/drawing/2014/main" val="1267595301"/>
-                  </a:ext>
-                </a:extLst>
-              </a:tr>
-              <a:tr h="168163">
-                <a:tc>
-                  <a:txBody>
-                    <a:bodyPr/>
-                    <a:lstStyle/>
-                    <a:p>
-                      <a:r>
-                        <a:rPr lang="en-US" altLang="zh-CN" sz="900" dirty="0">
-                          <a:latin typeface="等线" panose="02010600030101010101" pitchFamily="2" charset="-122"/>
-                          <a:ea typeface="等线" panose="02010600030101010101" pitchFamily="2" charset="-122"/>
-                        </a:rPr>
-                        <a:t>//</a:t>
+                        <a:t>层</a:t>
                       </a:r>
                       <a:r>
-                        <a:rPr lang="zh-CN" altLang="en-US" sz="900" dirty="0">
-                          <a:latin typeface="等线" panose="02010600030101010101" pitchFamily="2" charset="-122"/>
-                          <a:ea typeface="等线" panose="02010600030101010101" pitchFamily="2" charset="-122"/>
+                        <a:rPr lang="zh-CN" altLang="en-US" sz="1400" dirty="0">
+                          <a:latin typeface="Microsoft YaHei" panose="020B0503020204020204" pitchFamily="34" charset="-122"/>
+                          <a:ea typeface="Microsoft YaHei" panose="020B0503020204020204" pitchFamily="34" charset="-122"/>
                         </a:rPr>
-                        <a:t>导入必要的模块并传入</a:t>
+                        <a:t>：负责与后端</a:t>
                       </a:r>
                       <a:r>
-                        <a:rPr lang="en-US" altLang="zh-CN" sz="900" dirty="0" err="1">
-                          <a:latin typeface="等线" panose="02010600030101010101" pitchFamily="2" charset="-122"/>
-                          <a:ea typeface="等线" panose="02010600030101010101" pitchFamily="2" charset="-122"/>
+                        <a:rPr lang="en-US" altLang="zh-CN" sz="1400" dirty="0" err="1">
+                          <a:latin typeface="Microsoft YaHei" panose="020B0503020204020204" pitchFamily="34" charset="-122"/>
+                          <a:ea typeface="Microsoft YaHei" panose="020B0503020204020204" pitchFamily="34" charset="-122"/>
                         </a:rPr>
-                        <a:t>vue</a:t>
+                        <a:t>api</a:t>
                       </a:r>
                       <a:r>
-                        <a:rPr lang="zh-CN" altLang="en-US" sz="900" dirty="0">
-                          <a:latin typeface="等线" panose="02010600030101010101" pitchFamily="2" charset="-122"/>
-                          <a:ea typeface="等线" panose="02010600030101010101" pitchFamily="2" charset="-122"/>
+                        <a:rPr lang="zh-CN" altLang="en-US" sz="1400" dirty="0">
+                          <a:latin typeface="Microsoft YaHei" panose="020B0503020204020204" pitchFamily="34" charset="-122"/>
+                          <a:ea typeface="Microsoft YaHei" panose="020B0503020204020204" pitchFamily="34" charset="-122"/>
                         </a:rPr>
-                        <a:t>实例</a:t>
+                        <a:t>的对接</a:t>
                       </a:r>
-                    </a:p>
-                  </a:txBody>
-                  <a:tcPr/>
-                </a:tc>
-                <a:extLst>
-                  <a:ext uri="{0D108BD9-81ED-4DB2-BD59-A6C34878D82A}">
-                    <a16:rowId xmlns:a16="http://schemas.microsoft.com/office/drawing/2014/main" val="1360234016"/>
-                  </a:ext>
-                </a:extLst>
-              </a:tr>
-              <a:tr h="168163">
-                <a:tc>
-                  <a:txBody>
-                    <a:bodyPr/>
-                    <a:lstStyle/>
-                    <a:p>
-                      <a:endParaRPr lang="zh-CN" altLang="en-US" sz="900" dirty="0">
-                        <a:latin typeface="等线" panose="02010600030101010101" pitchFamily="2" charset="-122"/>
-                        <a:ea typeface="等线" panose="02010600030101010101" pitchFamily="2" charset="-122"/>
-                      </a:endParaRPr>
                     </a:p>
                   </a:txBody>
                   <a:tcPr/>
@@ -10175,95 +11995,46 @@
                     <a:lstStyle/>
                     <a:p>
                       <a:r>
-                        <a:rPr lang="en-US" altLang="zh-CN" sz="900" dirty="0">
-                          <a:latin typeface="等线" panose="02010600030101010101" pitchFamily="2" charset="-122"/>
-                          <a:ea typeface="等线" panose="02010600030101010101" pitchFamily="2" charset="-122"/>
+                        <a:rPr lang="en-US" altLang="zh-CN" sz="1400" dirty="0">
+                          <a:latin typeface="Microsoft YaHei" panose="020B0503020204020204" pitchFamily="34" charset="-122"/>
+                          <a:ea typeface="Microsoft YaHei" panose="020B0503020204020204" pitchFamily="34" charset="-122"/>
                         </a:rPr>
-                        <a:t>//</a:t>
+                        <a:t>1. base.js</a:t>
                       </a:r>
                       <a:r>
-                        <a:rPr lang="zh-CN" altLang="en-US" sz="900" dirty="0">
-                          <a:latin typeface="等线" panose="02010600030101010101" pitchFamily="2" charset="-122"/>
-                          <a:ea typeface="等线" panose="02010600030101010101" pitchFamily="2" charset="-122"/>
+                        <a:rPr lang="zh-CN" altLang="en-US" sz="1400" dirty="0">
+                          <a:latin typeface="Microsoft YaHei" panose="020B0503020204020204" pitchFamily="34" charset="-122"/>
+                          <a:ea typeface="Microsoft YaHei" panose="020B0503020204020204" pitchFamily="34" charset="-122"/>
                         </a:rPr>
-                        <a:t>负责与后端</a:t>
+                        <a:t>和</a:t>
                       </a:r>
                       <a:r>
-                        <a:rPr lang="en-US" altLang="zh-CN" sz="900" dirty="0" err="1">
-                          <a:latin typeface="等线" panose="02010600030101010101" pitchFamily="2" charset="-122"/>
-                          <a:ea typeface="等线" panose="02010600030101010101" pitchFamily="2" charset="-122"/>
+                        <a:rPr lang="en-US" altLang="zh-CN" sz="1400" dirty="0">
+                          <a:latin typeface="Microsoft YaHei" panose="020B0503020204020204" pitchFamily="34" charset="-122"/>
+                          <a:ea typeface="Microsoft YaHei" panose="020B0503020204020204" pitchFamily="34" charset="-122"/>
+                        </a:rPr>
+                        <a:t>index.js</a:t>
+                      </a:r>
+                    </a:p>
+                    <a:p>
+                      <a:r>
+                        <a:rPr lang="zh-CN" altLang="en-US" sz="1400" dirty="0">
+                          <a:latin typeface="Microsoft YaHei" panose="020B0503020204020204" pitchFamily="34" charset="-122"/>
+                          <a:ea typeface="Microsoft YaHei" panose="020B0503020204020204" pitchFamily="34" charset="-122"/>
+                        </a:rPr>
+                        <a:t>分别负责接口域名的管理以及</a:t>
+                      </a:r>
+                      <a:r>
+                        <a:rPr lang="en-US" altLang="zh-CN" sz="1400" dirty="0" err="1">
+                          <a:latin typeface="Microsoft YaHei" panose="020B0503020204020204" pitchFamily="34" charset="-122"/>
+                          <a:ea typeface="Microsoft YaHei" panose="020B0503020204020204" pitchFamily="34" charset="-122"/>
                         </a:rPr>
                         <a:t>api</a:t>
                       </a:r>
                       <a:r>
-                        <a:rPr lang="zh-CN" altLang="en-US" sz="900" dirty="0">
-                          <a:latin typeface="等线" panose="02010600030101010101" pitchFamily="2" charset="-122"/>
-                          <a:ea typeface="等线" panose="02010600030101010101" pitchFamily="2" charset="-122"/>
-                        </a:rPr>
-                        <a:t>的对接</a:t>
-                      </a:r>
-                    </a:p>
-                  </a:txBody>
-                  <a:tcPr/>
-                </a:tc>
-                <a:extLst>
-                  <a:ext uri="{0D108BD9-81ED-4DB2-BD59-A6C34878D82A}">
-                    <a16:rowId xmlns:a16="http://schemas.microsoft.com/office/drawing/2014/main" val="2485891019"/>
-                  </a:ext>
-                </a:extLst>
-              </a:tr>
-              <a:tr h="168163">
-                <a:tc>
-                  <a:txBody>
-                    <a:bodyPr/>
-                    <a:lstStyle/>
-                    <a:p>
-                      <a:r>
-                        <a:rPr lang="en-US" altLang="zh-CN" sz="900" dirty="0">
-                          <a:latin typeface="等线" panose="02010600030101010101" pitchFamily="2" charset="-122"/>
-                          <a:ea typeface="等线" panose="02010600030101010101" pitchFamily="2" charset="-122"/>
-                        </a:rPr>
-                        <a:t>1. </a:t>
-                      </a:r>
-                      <a:r>
-                        <a:rPr lang="en-US" altLang="zh-CN" sz="900" dirty="0" err="1">
-                          <a:latin typeface="等线" panose="02010600030101010101" pitchFamily="2" charset="-122"/>
-                          <a:ea typeface="等线" panose="02010600030101010101" pitchFamily="2" charset="-122"/>
-                        </a:rPr>
-                        <a:t>base.js</a:t>
-                      </a:r>
-                      <a:r>
-                        <a:rPr lang="zh-CN" altLang="en-US" sz="900" dirty="0">
-                          <a:latin typeface="等线" panose="02010600030101010101" pitchFamily="2" charset="-122"/>
-                          <a:ea typeface="等线" panose="02010600030101010101" pitchFamily="2" charset="-122"/>
-                        </a:rPr>
-                        <a:t>和</a:t>
-                      </a:r>
-                      <a:r>
-                        <a:rPr lang="en-US" altLang="zh-CN" sz="900" dirty="0" err="1">
-                          <a:latin typeface="等线" panose="02010600030101010101" pitchFamily="2" charset="-122"/>
-                          <a:ea typeface="等线" panose="02010600030101010101" pitchFamily="2" charset="-122"/>
-                        </a:rPr>
-                        <a:t>index.js</a:t>
-                      </a:r>
-                      <a:r>
-                        <a:rPr lang="zh-CN" altLang="en-US" sz="900" dirty="0">
-                          <a:latin typeface="等线" panose="02010600030101010101" pitchFamily="2" charset="-122"/>
-                          <a:ea typeface="等线" panose="02010600030101010101" pitchFamily="2" charset="-122"/>
-                        </a:rPr>
-                        <a:t>分别负责接口域名的管理以及</a:t>
-                      </a:r>
-                      <a:r>
-                        <a:rPr lang="en-US" altLang="zh-CN" sz="900" dirty="0" err="1">
-                          <a:latin typeface="等线" panose="02010600030101010101" pitchFamily="2" charset="-122"/>
-                          <a:ea typeface="等线" panose="02010600030101010101" pitchFamily="2" charset="-122"/>
-                        </a:rPr>
-                        <a:t>api</a:t>
-                      </a:r>
-                      <a:r>
-                        <a:rPr lang="zh-CN" altLang="en-US" sz="900" dirty="0">
-                          <a:latin typeface="等线" panose="02010600030101010101" pitchFamily="2" charset="-122"/>
-                          <a:ea typeface="等线" panose="02010600030101010101" pitchFamily="2" charset="-122"/>
+                        <a:rPr lang="zh-CN" altLang="en-US" sz="1400" dirty="0">
+                          <a:latin typeface="Microsoft YaHei" panose="020B0503020204020204" pitchFamily="34" charset="-122"/>
+                          <a:ea typeface="Microsoft YaHei" panose="020B0503020204020204" pitchFamily="34" charset="-122"/>
                         </a:rPr>
                         <a:t>接口的统一出口</a:t>
                       </a:r>
@@ -10284,36 +12055,42 @@
                     <a:lstStyle/>
                     <a:p>
                       <a:r>
-                        <a:rPr lang="en-US" altLang="zh-CN" sz="900" dirty="0">
-                          <a:latin typeface="等线" panose="02010600030101010101" pitchFamily="2" charset="-122"/>
-                          <a:ea typeface="等线" panose="02010600030101010101" pitchFamily="2" charset="-122"/>
+                        <a:rPr lang="en-US" altLang="zh-CN" sz="1400" dirty="0">
+                          <a:latin typeface="Microsoft YaHei" panose="020B0503020204020204" pitchFamily="34" charset="-122"/>
+                          <a:ea typeface="Microsoft YaHei" panose="020B0503020204020204" pitchFamily="34" charset="-122"/>
                         </a:rPr>
                         <a:t>2. </a:t>
                       </a:r>
                       <a:r>
-                        <a:rPr lang="en-US" altLang="zh-CN" sz="900" dirty="0" err="1">
-                          <a:latin typeface="等线" panose="02010600030101010101" pitchFamily="2" charset="-122"/>
-                          <a:ea typeface="等线" panose="02010600030101010101" pitchFamily="2" charset="-122"/>
+                        <a:rPr lang="en-US" altLang="zh-CN" sz="1400" dirty="0" err="1">
+                          <a:latin typeface="Microsoft YaHei" panose="020B0503020204020204" pitchFamily="34" charset="-122"/>
+                          <a:ea typeface="Microsoft YaHei" panose="020B0503020204020204" pitchFamily="34" charset="-122"/>
                         </a:rPr>
                         <a:t>gameResultService</a:t>
                       </a:r>
+                      <a:endParaRPr lang="en-US" altLang="zh-CN" sz="1400" dirty="0">
+                        <a:latin typeface="Microsoft YaHei" panose="020B0503020204020204" pitchFamily="34" charset="-122"/>
+                        <a:ea typeface="Microsoft YaHei" panose="020B0503020204020204" pitchFamily="34" charset="-122"/>
+                      </a:endParaRPr>
+                    </a:p>
+                    <a:p>
                       <a:r>
-                        <a:rPr lang="zh-CN" altLang="en-US" sz="900" dirty="0">
-                          <a:latin typeface="等线" panose="02010600030101010101" pitchFamily="2" charset="-122"/>
-                          <a:ea typeface="等线" panose="02010600030101010101" pitchFamily="2" charset="-122"/>
+                        <a:rPr lang="zh-CN" altLang="en-US" sz="1400" dirty="0">
+                          <a:latin typeface="Microsoft YaHei" panose="020B0503020204020204" pitchFamily="34" charset="-122"/>
+                          <a:ea typeface="Microsoft YaHei" panose="020B0503020204020204" pitchFamily="34" charset="-122"/>
                         </a:rPr>
                         <a:t>负责对接按运动员返回参赛信息</a:t>
                       </a:r>
                       <a:r>
-                        <a:rPr lang="en-US" altLang="zh-CN" sz="900" dirty="0" err="1">
-                          <a:latin typeface="等线" panose="02010600030101010101" pitchFamily="2" charset="-122"/>
-                          <a:ea typeface="等线" panose="02010600030101010101" pitchFamily="2" charset="-122"/>
+                        <a:rPr lang="en-US" altLang="zh-CN" sz="1400" dirty="0" err="1">
+                          <a:latin typeface="Microsoft YaHei" panose="020B0503020204020204" pitchFamily="34" charset="-122"/>
+                          <a:ea typeface="Microsoft YaHei" panose="020B0503020204020204" pitchFamily="34" charset="-122"/>
                         </a:rPr>
                         <a:t>api</a:t>
                       </a:r>
-                      <a:endParaRPr lang="en-US" altLang="zh-CN" sz="900" dirty="0">
-                        <a:latin typeface="等线" panose="02010600030101010101" pitchFamily="2" charset="-122"/>
-                        <a:ea typeface="等线" panose="02010600030101010101" pitchFamily="2" charset="-122"/>
+                      <a:endParaRPr lang="en-US" altLang="zh-CN" sz="1400" dirty="0">
+                        <a:latin typeface="Microsoft YaHei" panose="020B0503020204020204" pitchFamily="34" charset="-122"/>
+                        <a:ea typeface="Microsoft YaHei" panose="020B0503020204020204" pitchFamily="34" charset="-122"/>
                       </a:endParaRPr>
                     </a:p>
                   </a:txBody>
@@ -10332,36 +12109,42 @@
                     <a:lstStyle/>
                     <a:p>
                       <a:r>
-                        <a:rPr lang="en-US" altLang="zh-CN" sz="900" dirty="0">
-                          <a:latin typeface="等线" panose="02010600030101010101" pitchFamily="2" charset="-122"/>
-                          <a:ea typeface="等线" panose="02010600030101010101" pitchFamily="2" charset="-122"/>
+                        <a:rPr lang="en-US" altLang="zh-CN" sz="1400" dirty="0">
+                          <a:latin typeface="Microsoft YaHei" panose="020B0503020204020204" pitchFamily="34" charset="-122"/>
+                          <a:ea typeface="Microsoft YaHei" panose="020B0503020204020204" pitchFamily="34" charset="-122"/>
                         </a:rPr>
                         <a:t>3. </a:t>
                       </a:r>
                       <a:r>
-                        <a:rPr lang="en-US" altLang="zh-CN" sz="900" dirty="0" err="1">
-                          <a:latin typeface="等线" panose="02010600030101010101" pitchFamily="2" charset="-122"/>
-                          <a:ea typeface="等线" panose="02010600030101010101" pitchFamily="2" charset="-122"/>
+                        <a:rPr lang="en-US" altLang="zh-CN" sz="1400" dirty="0" err="1">
+                          <a:latin typeface="Microsoft YaHei" panose="020B0503020204020204" pitchFamily="34" charset="-122"/>
+                          <a:ea typeface="Microsoft YaHei" panose="020B0503020204020204" pitchFamily="34" charset="-122"/>
                         </a:rPr>
                         <a:t>gameService</a:t>
                       </a:r>
+                      <a:endParaRPr lang="en-US" altLang="zh-CN" sz="1400" dirty="0">
+                        <a:latin typeface="Microsoft YaHei" panose="020B0503020204020204" pitchFamily="34" charset="-122"/>
+                        <a:ea typeface="Microsoft YaHei" panose="020B0503020204020204" pitchFamily="34" charset="-122"/>
+                      </a:endParaRPr>
+                    </a:p>
+                    <a:p>
                       <a:r>
-                        <a:rPr lang="zh-CN" altLang="en-US" sz="900" dirty="0">
-                          <a:latin typeface="等线" panose="02010600030101010101" pitchFamily="2" charset="-122"/>
-                          <a:ea typeface="等线" panose="02010600030101010101" pitchFamily="2" charset="-122"/>
+                        <a:rPr lang="zh-CN" altLang="en-US" sz="1400" dirty="0">
+                          <a:latin typeface="Microsoft YaHei" panose="020B0503020204020204" pitchFamily="34" charset="-122"/>
+                          <a:ea typeface="Microsoft YaHei" panose="020B0503020204020204" pitchFamily="34" charset="-122"/>
                         </a:rPr>
                         <a:t>负责对接开始比赛</a:t>
                       </a:r>
                       <a:r>
-                        <a:rPr lang="en-US" altLang="zh-CN" sz="900" dirty="0" err="1">
-                          <a:latin typeface="等线" panose="02010600030101010101" pitchFamily="2" charset="-122"/>
-                          <a:ea typeface="等线" panose="02010600030101010101" pitchFamily="2" charset="-122"/>
+                        <a:rPr lang="en-US" altLang="zh-CN" sz="1400" dirty="0" err="1">
+                          <a:latin typeface="Microsoft YaHei" panose="020B0503020204020204" pitchFamily="34" charset="-122"/>
+                          <a:ea typeface="Microsoft YaHei" panose="020B0503020204020204" pitchFamily="34" charset="-122"/>
                         </a:rPr>
                         <a:t>api</a:t>
                       </a:r>
-                      <a:endParaRPr lang="zh-CN" altLang="en-US" sz="900" dirty="0">
-                        <a:latin typeface="等线" panose="02010600030101010101" pitchFamily="2" charset="-122"/>
-                        <a:ea typeface="等线" panose="02010600030101010101" pitchFamily="2" charset="-122"/>
+                      <a:endParaRPr lang="zh-CN" altLang="en-US" sz="1400" dirty="0">
+                        <a:latin typeface="Microsoft YaHei" panose="020B0503020204020204" pitchFamily="34" charset="-122"/>
+                        <a:ea typeface="Microsoft YaHei" panose="020B0503020204020204" pitchFamily="34" charset="-122"/>
                       </a:endParaRPr>
                     </a:p>
                   </a:txBody>
@@ -10380,36 +12163,42 @@
                     <a:lstStyle/>
                     <a:p>
                       <a:r>
-                        <a:rPr lang="en-US" altLang="zh-CN" sz="900" dirty="0">
-                          <a:latin typeface="等线" panose="02010600030101010101" pitchFamily="2" charset="-122"/>
-                          <a:ea typeface="等线" panose="02010600030101010101" pitchFamily="2" charset="-122"/>
+                        <a:rPr lang="en-US" altLang="zh-CN" sz="1400" dirty="0">
+                          <a:latin typeface="Microsoft YaHei" panose="020B0503020204020204" pitchFamily="34" charset="-122"/>
+                          <a:ea typeface="Microsoft YaHei" panose="020B0503020204020204" pitchFamily="34" charset="-122"/>
                         </a:rPr>
                         <a:t>4. </a:t>
                       </a:r>
                       <a:r>
-                        <a:rPr lang="en-US" altLang="zh-CN" sz="900" dirty="0" err="1">
-                          <a:latin typeface="等线" panose="02010600030101010101" pitchFamily="2" charset="-122"/>
-                          <a:ea typeface="等线" panose="02010600030101010101" pitchFamily="2" charset="-122"/>
+                        <a:rPr lang="en-US" altLang="zh-CN" sz="1400" dirty="0" err="1">
+                          <a:latin typeface="Microsoft YaHei" panose="020B0503020204020204" pitchFamily="34" charset="-122"/>
+                          <a:ea typeface="Microsoft YaHei" panose="020B0503020204020204" pitchFamily="34" charset="-122"/>
                         </a:rPr>
                         <a:t>mapService</a:t>
                       </a:r>
+                      <a:endParaRPr lang="en-US" altLang="zh-CN" sz="1400" dirty="0">
+                        <a:latin typeface="Microsoft YaHei" panose="020B0503020204020204" pitchFamily="34" charset="-122"/>
+                        <a:ea typeface="Microsoft YaHei" panose="020B0503020204020204" pitchFamily="34" charset="-122"/>
+                      </a:endParaRPr>
+                    </a:p>
+                    <a:p>
                       <a:r>
-                        <a:rPr lang="zh-CN" altLang="en-US" sz="900" dirty="0">
-                          <a:latin typeface="等线" panose="02010600030101010101" pitchFamily="2" charset="-122"/>
-                          <a:ea typeface="等线" panose="02010600030101010101" pitchFamily="2" charset="-122"/>
+                        <a:rPr lang="zh-CN" altLang="en-US" sz="1400" dirty="0">
+                          <a:latin typeface="Microsoft YaHei" panose="020B0503020204020204" pitchFamily="34" charset="-122"/>
+                          <a:ea typeface="Microsoft YaHei" panose="020B0503020204020204" pitchFamily="34" charset="-122"/>
                         </a:rPr>
                         <a:t>负责调用所有可选择地图</a:t>
                       </a:r>
                       <a:r>
-                        <a:rPr lang="en-US" altLang="zh-CN" sz="900" dirty="0" err="1">
-                          <a:latin typeface="等线" panose="02010600030101010101" pitchFamily="2" charset="-122"/>
-                          <a:ea typeface="等线" panose="02010600030101010101" pitchFamily="2" charset="-122"/>
+                        <a:rPr lang="en-US" altLang="zh-CN" sz="1400" dirty="0" err="1">
+                          <a:latin typeface="Microsoft YaHei" panose="020B0503020204020204" pitchFamily="34" charset="-122"/>
+                          <a:ea typeface="Microsoft YaHei" panose="020B0503020204020204" pitchFamily="34" charset="-122"/>
                         </a:rPr>
                         <a:t>api</a:t>
                       </a:r>
-                      <a:endParaRPr lang="en-US" altLang="zh-CN" sz="900" dirty="0">
-                        <a:latin typeface="等线" panose="02010600030101010101" pitchFamily="2" charset="-122"/>
-                        <a:ea typeface="等线" panose="02010600030101010101" pitchFamily="2" charset="-122"/>
+                      <a:endParaRPr lang="en-US" altLang="zh-CN" sz="1400" dirty="0">
+                        <a:latin typeface="Microsoft YaHei" panose="020B0503020204020204" pitchFamily="34" charset="-122"/>
+                        <a:ea typeface="Microsoft YaHei" panose="020B0503020204020204" pitchFamily="34" charset="-122"/>
                       </a:endParaRPr>
                     </a:p>
                   </a:txBody>
@@ -10428,36 +12217,42 @@
                     <a:lstStyle/>
                     <a:p>
                       <a:r>
-                        <a:rPr lang="en-US" altLang="zh-CN" sz="900" dirty="0">
-                          <a:latin typeface="等线" panose="02010600030101010101" pitchFamily="2" charset="-122"/>
-                          <a:ea typeface="等线" panose="02010600030101010101" pitchFamily="2" charset="-122"/>
+                        <a:rPr lang="en-US" altLang="zh-CN" sz="1400" dirty="0">
+                          <a:latin typeface="Microsoft YaHei" panose="020B0503020204020204" pitchFamily="34" charset="-122"/>
+                          <a:ea typeface="Microsoft YaHei" panose="020B0503020204020204" pitchFamily="34" charset="-122"/>
                         </a:rPr>
                         <a:t>5. </a:t>
                       </a:r>
                       <a:r>
-                        <a:rPr lang="en-US" altLang="zh-CN" sz="900" dirty="0" err="1">
-                          <a:latin typeface="等线" panose="02010600030101010101" pitchFamily="2" charset="-122"/>
-                          <a:ea typeface="等线" panose="02010600030101010101" pitchFamily="2" charset="-122"/>
+                        <a:rPr lang="en-US" altLang="zh-CN" sz="1400" dirty="0" err="1">
+                          <a:latin typeface="Microsoft YaHei" panose="020B0503020204020204" pitchFamily="34" charset="-122"/>
+                          <a:ea typeface="Microsoft YaHei" panose="020B0503020204020204" pitchFamily="34" charset="-122"/>
                         </a:rPr>
                         <a:t>playerService</a:t>
                       </a:r>
+                      <a:endParaRPr lang="en-US" altLang="zh-CN" sz="1400" dirty="0">
+                        <a:latin typeface="Microsoft YaHei" panose="020B0503020204020204" pitchFamily="34" charset="-122"/>
+                        <a:ea typeface="Microsoft YaHei" panose="020B0503020204020204" pitchFamily="34" charset="-122"/>
+                      </a:endParaRPr>
+                    </a:p>
+                    <a:p>
                       <a:r>
-                        <a:rPr lang="zh-CN" altLang="en-US" sz="900" dirty="0">
-                          <a:latin typeface="等线" panose="02010600030101010101" pitchFamily="2" charset="-122"/>
-                          <a:ea typeface="等线" panose="02010600030101010101" pitchFamily="2" charset="-122"/>
+                        <a:rPr lang="zh-CN" altLang="en-US" sz="1400" dirty="0">
+                          <a:latin typeface="Microsoft YaHei" panose="020B0503020204020204" pitchFamily="34" charset="-122"/>
+                          <a:ea typeface="Microsoft YaHei" panose="020B0503020204020204" pitchFamily="34" charset="-122"/>
                         </a:rPr>
                         <a:t>负责对应运动员的增加，删除，查询</a:t>
                       </a:r>
                       <a:r>
-                        <a:rPr lang="en-US" altLang="zh-CN" sz="900" dirty="0" err="1">
-                          <a:latin typeface="等线" panose="02010600030101010101" pitchFamily="2" charset="-122"/>
-                          <a:ea typeface="等线" panose="02010600030101010101" pitchFamily="2" charset="-122"/>
+                        <a:rPr lang="en-US" altLang="zh-CN" sz="1400" dirty="0" err="1">
+                          <a:latin typeface="Microsoft YaHei" panose="020B0503020204020204" pitchFamily="34" charset="-122"/>
+                          <a:ea typeface="Microsoft YaHei" panose="020B0503020204020204" pitchFamily="34" charset="-122"/>
                         </a:rPr>
                         <a:t>api</a:t>
                       </a:r>
-                      <a:endParaRPr lang="zh-CN" altLang="en-US" sz="900" dirty="0">
-                        <a:latin typeface="等线" panose="02010600030101010101" pitchFamily="2" charset="-122"/>
-                        <a:ea typeface="等线" panose="02010600030101010101" pitchFamily="2" charset="-122"/>
+                      <a:endParaRPr lang="zh-CN" altLang="en-US" sz="1400" dirty="0">
+                        <a:latin typeface="Microsoft YaHei" panose="020B0503020204020204" pitchFamily="34" charset="-122"/>
+                        <a:ea typeface="Microsoft YaHei" panose="020B0503020204020204" pitchFamily="34" charset="-122"/>
                       </a:endParaRPr>
                     </a:p>
                   </a:txBody>
@@ -10475,9 +12270,9 @@
                     <a:bodyPr/>
                     <a:lstStyle/>
                     <a:p>
-                      <a:endParaRPr lang="zh-CN" altLang="en-US" sz="900" dirty="0">
-                        <a:latin typeface="等线" panose="02010600030101010101" pitchFamily="2" charset="-122"/>
-                        <a:ea typeface="等线" panose="02010600030101010101" pitchFamily="2" charset="-122"/>
+                      <a:endParaRPr lang="zh-CN" altLang="en-US" sz="1400" dirty="0">
+                        <a:latin typeface="Microsoft YaHei" panose="020B0503020204020204" pitchFamily="34" charset="-122"/>
+                        <a:ea typeface="Microsoft YaHei" panose="020B0503020204020204" pitchFamily="34" charset="-122"/>
                       </a:endParaRPr>
                     </a:p>
                   </a:txBody>
@@ -10495,90 +12290,44 @@
                     <a:bodyPr/>
                     <a:lstStyle/>
                     <a:p>
+                      <a:pPr marL="0" marR="0" lvl="0" indent="0" algn="l" defTabSz="914400" rtl="0" eaLnBrk="1" fontAlgn="auto" latinLnBrk="0" hangingPunct="1">
+                        <a:lnSpc>
+                          <a:spcPct val="100000"/>
+                        </a:lnSpc>
+                        <a:spcBef>
+                          <a:spcPts val="0"/>
+                        </a:spcBef>
+                        <a:spcAft>
+                          <a:spcPts val="0"/>
+                        </a:spcAft>
+                        <a:buClrTx/>
+                        <a:buSzTx/>
+                        <a:buFontTx/>
+                        <a:buNone/>
+                        <a:tabLst/>
+                        <a:defRPr/>
+                      </a:pPr>
                       <a:r>
-                        <a:rPr lang="en-US" altLang="zh-CN" sz="900" dirty="0">
-                          <a:latin typeface="等线" panose="02010600030101010101" pitchFamily="2" charset="-122"/>
-                          <a:ea typeface="等线" panose="02010600030101010101" pitchFamily="2" charset="-122"/>
+                        <a:rPr lang="en-US" altLang="zh-CN" sz="1400" b="1" dirty="0">
+                          <a:latin typeface="Microsoft YaHei" panose="020B0503020204020204" pitchFamily="34" charset="-122"/>
+                          <a:ea typeface="Microsoft YaHei" panose="020B0503020204020204" pitchFamily="34" charset="-122"/>
                         </a:rPr>
-                        <a:t>//</a:t>
+                        <a:t>pages</a:t>
                       </a:r>
                       <a:r>
-                        <a:rPr lang="zh-CN" altLang="en-US" sz="900" dirty="0">
-                          <a:latin typeface="等线" panose="02010600030101010101" pitchFamily="2" charset="-122"/>
-                          <a:ea typeface="等线" panose="02010600030101010101" pitchFamily="2" charset="-122"/>
+                        <a:rPr lang="zh-CN" altLang="en-US" sz="1400" b="1" dirty="0">
+                          <a:latin typeface="Microsoft YaHei" panose="020B0503020204020204" pitchFamily="34" charset="-122"/>
+                          <a:ea typeface="Microsoft YaHei" panose="020B0503020204020204" pitchFamily="34" charset="-122"/>
                         </a:rPr>
-                        <a:t>负责一些静态资源的存储和样式的定义</a:t>
-                      </a:r>
-                    </a:p>
-                  </a:txBody>
-                  <a:tcPr/>
-                </a:tc>
-                <a:extLst>
-                  <a:ext uri="{0D108BD9-81ED-4DB2-BD59-A6C34878D82A}">
-                    <a16:rowId xmlns:a16="http://schemas.microsoft.com/office/drawing/2014/main" val="290940490"/>
-                  </a:ext>
-                </a:extLst>
-              </a:tr>
-              <a:tr h="168163">
-                <a:tc>
-                  <a:txBody>
-                    <a:bodyPr/>
-                    <a:lstStyle/>
-                    <a:p>
-                      <a:endParaRPr lang="zh-CN" altLang="en-US" sz="900" dirty="0">
-                        <a:latin typeface="等线" panose="02010600030101010101" pitchFamily="2" charset="-122"/>
-                        <a:ea typeface="等线" panose="02010600030101010101" pitchFamily="2" charset="-122"/>
-                      </a:endParaRPr>
-                    </a:p>
-                  </a:txBody>
-                  <a:tcPr/>
-                </a:tc>
-                <a:extLst>
-                  <a:ext uri="{0D108BD9-81ED-4DB2-BD59-A6C34878D82A}">
-                    <a16:rowId xmlns:a16="http://schemas.microsoft.com/office/drawing/2014/main" val="2384459328"/>
-                  </a:ext>
-                </a:extLst>
-              </a:tr>
-              <a:tr h="168163">
-                <a:tc>
-                  <a:txBody>
-                    <a:bodyPr/>
-                    <a:lstStyle/>
-                    <a:p>
-                      <a:r>
-                        <a:rPr lang="en-US" altLang="zh-CN" sz="900" dirty="0">
-                          <a:latin typeface="等线" panose="02010600030101010101" pitchFamily="2" charset="-122"/>
-                          <a:ea typeface="等线" panose="02010600030101010101" pitchFamily="2" charset="-122"/>
-                        </a:rPr>
-                        <a:t>//</a:t>
+                        <a:t>层</a:t>
                       </a:r>
                       <a:r>
-                        <a:rPr lang="zh-CN" altLang="en-US" sz="900" dirty="0">
-                          <a:latin typeface="等线" panose="02010600030101010101" pitchFamily="2" charset="-122"/>
-                          <a:ea typeface="等线" panose="02010600030101010101" pitchFamily="2" charset="-122"/>
+                        <a:rPr lang="zh-CN" altLang="en-US" sz="1400" dirty="0">
+                          <a:latin typeface="Microsoft YaHei" panose="020B0503020204020204" pitchFamily="34" charset="-122"/>
+                          <a:ea typeface="Microsoft YaHei" panose="020B0503020204020204" pitchFamily="34" charset="-122"/>
                         </a:rPr>
-                        <a:t>负责通用组件的存放</a:t>
+                        <a:t>：负责页面级别组件的存放</a:t>
                       </a:r>
-                    </a:p>
-                  </a:txBody>
-                  <a:tcPr/>
-                </a:tc>
-                <a:extLst>
-                  <a:ext uri="{0D108BD9-81ED-4DB2-BD59-A6C34878D82A}">
-                    <a16:rowId xmlns:a16="http://schemas.microsoft.com/office/drawing/2014/main" val="2872639254"/>
-                  </a:ext>
-                </a:extLst>
-              </a:tr>
-              <a:tr h="168163">
-                <a:tc>
-                  <a:txBody>
-                    <a:bodyPr/>
-                    <a:lstStyle/>
-                    <a:p>
-                      <a:endParaRPr lang="zh-CN" altLang="en-US" sz="900" dirty="0">
-                        <a:latin typeface="等线" panose="02010600030101010101" pitchFamily="2" charset="-122"/>
-                        <a:ea typeface="等线" panose="02010600030101010101" pitchFamily="2" charset="-122"/>
-                      </a:endParaRPr>
                     </a:p>
                   </a:txBody>
                   <a:tcPr/>
@@ -10595,56 +12344,26 @@
                     <a:bodyPr/>
                     <a:lstStyle/>
                     <a:p>
-                      <a:r>
-                        <a:rPr lang="en-US" altLang="zh-CN" sz="900" dirty="0">
-                          <a:latin typeface="等线" panose="02010600030101010101" pitchFamily="2" charset="-122"/>
-                          <a:ea typeface="等线" panose="02010600030101010101" pitchFamily="2" charset="-122"/>
-                        </a:rPr>
-                        <a:t>//</a:t>
-                      </a:r>
-                      <a:r>
-                        <a:rPr lang="zh-CN" altLang="en-US" sz="900" dirty="0">
-                          <a:latin typeface="等线" panose="02010600030101010101" pitchFamily="2" charset="-122"/>
-                          <a:ea typeface="等线" panose="02010600030101010101" pitchFamily="2" charset="-122"/>
-                        </a:rPr>
-                        <a:t>负责页面级别组件的存放</a:t>
-                      </a:r>
-                    </a:p>
-                  </a:txBody>
-                  <a:tcPr/>
-                </a:tc>
-                <a:extLst>
-                  <a:ext uri="{0D108BD9-81ED-4DB2-BD59-A6C34878D82A}">
-                    <a16:rowId xmlns:a16="http://schemas.microsoft.com/office/drawing/2014/main" val="2083598550"/>
-                  </a:ext>
-                </a:extLst>
-              </a:tr>
-              <a:tr h="168163">
-                <a:tc>
-                  <a:txBody>
-                    <a:bodyPr/>
-                    <a:lstStyle/>
-                    <a:p>
                       <a:pPr marL="0" indent="0">
                         <a:buNone/>
                       </a:pPr>
                       <a:r>
-                        <a:rPr lang="en-US" altLang="zh-CN" sz="900" dirty="0">
-                          <a:latin typeface="等线" panose="02010600030101010101" pitchFamily="2" charset="-122"/>
-                          <a:ea typeface="等线" panose="02010600030101010101" pitchFamily="2" charset="-122"/>
+                        <a:rPr lang="en-US" altLang="zh-CN" sz="1400" dirty="0">
+                          <a:latin typeface="Microsoft YaHei" panose="020B0503020204020204" pitchFamily="34" charset="-122"/>
+                          <a:ea typeface="Microsoft YaHei" panose="020B0503020204020204" pitchFamily="34" charset="-122"/>
                         </a:rPr>
                         <a:t>1. Home</a:t>
                       </a:r>
                       <a:r>
-                        <a:rPr lang="zh-CN" altLang="en-US" sz="900" dirty="0">
-                          <a:latin typeface="等线" panose="02010600030101010101" pitchFamily="2" charset="-122"/>
-                          <a:ea typeface="等线" panose="02010600030101010101" pitchFamily="2" charset="-122"/>
+                        <a:rPr lang="zh-CN" altLang="en-US" sz="1400" dirty="0">
+                          <a:latin typeface="Microsoft YaHei" panose="020B0503020204020204" pitchFamily="34" charset="-122"/>
+                          <a:ea typeface="Microsoft YaHei" panose="020B0503020204020204" pitchFamily="34" charset="-122"/>
                         </a:rPr>
                         <a:t> 为主页</a:t>
                       </a:r>
-                      <a:endParaRPr lang="en-US" altLang="zh-CN" sz="900" dirty="0">
-                        <a:latin typeface="等线" panose="02010600030101010101" pitchFamily="2" charset="-122"/>
-                        <a:ea typeface="等线" panose="02010600030101010101" pitchFamily="2" charset="-122"/>
+                      <a:endParaRPr lang="en-US" altLang="zh-CN" sz="1400" dirty="0">
+                        <a:latin typeface="Microsoft YaHei" panose="020B0503020204020204" pitchFamily="34" charset="-122"/>
+                        <a:ea typeface="Microsoft YaHei" panose="020B0503020204020204" pitchFamily="34" charset="-122"/>
                       </a:endParaRPr>
                     </a:p>
                   </a:txBody>
@@ -10663,37 +12382,37 @@
                     <a:lstStyle/>
                     <a:p>
                       <a:r>
-                        <a:rPr lang="en-US" altLang="zh-CN" sz="900" dirty="0">
-                          <a:latin typeface="等线" panose="02010600030101010101" pitchFamily="2" charset="-122"/>
-                          <a:ea typeface="等线" panose="02010600030101010101" pitchFamily="2" charset="-122"/>
+                        <a:rPr lang="en-US" altLang="zh-CN" sz="1400" dirty="0">
+                          <a:latin typeface="Microsoft YaHei" panose="020B0503020204020204" pitchFamily="34" charset="-122"/>
+                          <a:ea typeface="Microsoft YaHei" panose="020B0503020204020204" pitchFamily="34" charset="-122"/>
                         </a:rPr>
                         <a:t>2.</a:t>
                       </a:r>
                       <a:r>
-                        <a:rPr lang="zh-CN" altLang="en-US" sz="900" dirty="0">
-                          <a:latin typeface="等线" panose="02010600030101010101" pitchFamily="2" charset="-122"/>
-                          <a:ea typeface="等线" panose="02010600030101010101" pitchFamily="2" charset="-122"/>
+                        <a:rPr lang="zh-CN" altLang="en-US" sz="1400" dirty="0">
+                          <a:latin typeface="Microsoft YaHei" panose="020B0503020204020204" pitchFamily="34" charset="-122"/>
+                          <a:ea typeface="Microsoft YaHei" panose="020B0503020204020204" pitchFamily="34" charset="-122"/>
                         </a:rPr>
                         <a:t> </a:t>
                       </a:r>
                       <a:r>
-                        <a:rPr lang="en-US" altLang="zh-CN" sz="900" dirty="0" err="1">
-                          <a:latin typeface="等线" panose="02010600030101010101" pitchFamily="2" charset="-122"/>
-                          <a:ea typeface="等线" panose="02010600030101010101" pitchFamily="2" charset="-122"/>
+                        <a:rPr lang="en-US" altLang="zh-CN" sz="1400" dirty="0" err="1">
+                          <a:latin typeface="Microsoft YaHei" panose="020B0503020204020204" pitchFamily="34" charset="-122"/>
+                          <a:ea typeface="Microsoft YaHei" panose="020B0503020204020204" pitchFamily="34" charset="-122"/>
                         </a:rPr>
                         <a:t>Registrty</a:t>
                       </a:r>
                       <a:r>
-                        <a:rPr lang="en-US" altLang="zh-CN" sz="900" dirty="0">
-                          <a:latin typeface="等线" panose="02010600030101010101" pitchFamily="2" charset="-122"/>
-                          <a:ea typeface="等线" panose="02010600030101010101" pitchFamily="2" charset="-122"/>
+                        <a:rPr lang="en-US" altLang="zh-CN" sz="1400" dirty="0">
+                          <a:latin typeface="Microsoft YaHei" panose="020B0503020204020204" pitchFamily="34" charset="-122"/>
+                          <a:ea typeface="Microsoft YaHei" panose="020B0503020204020204" pitchFamily="34" charset="-122"/>
                         </a:rPr>
                         <a:t> </a:t>
                       </a:r>
                       <a:r>
-                        <a:rPr lang="zh-CN" altLang="en-US" sz="900" dirty="0">
-                          <a:latin typeface="等线" panose="02010600030101010101" pitchFamily="2" charset="-122"/>
-                          <a:ea typeface="等线" panose="02010600030101010101" pitchFamily="2" charset="-122"/>
+                        <a:rPr lang="zh-CN" altLang="en-US" sz="1400" dirty="0">
+                          <a:latin typeface="Microsoft YaHei" panose="020B0503020204020204" pitchFamily="34" charset="-122"/>
+                          <a:ea typeface="Microsoft YaHei" panose="020B0503020204020204" pitchFamily="34" charset="-122"/>
                         </a:rPr>
                         <a:t>为运动员增加页面</a:t>
                       </a:r>
@@ -10714,16 +12433,16 @@
                     <a:lstStyle/>
                     <a:p>
                       <a:r>
-                        <a:rPr lang="en-US" altLang="zh-CN" sz="900" dirty="0">
-                          <a:latin typeface="等线" panose="02010600030101010101" pitchFamily="2" charset="-122"/>
-                          <a:ea typeface="等线" panose="02010600030101010101" pitchFamily="2" charset="-122"/>
+                        <a:rPr lang="en-US" altLang="zh-CN" sz="1400" dirty="0">
+                          <a:latin typeface="Microsoft YaHei" panose="020B0503020204020204" pitchFamily="34" charset="-122"/>
+                          <a:ea typeface="Microsoft YaHei" panose="020B0503020204020204" pitchFamily="34" charset="-122"/>
                         </a:rPr>
                         <a:t>3. Running </a:t>
                       </a:r>
                       <a:r>
-                        <a:rPr lang="zh-CN" altLang="en-US" sz="900" dirty="0">
-                          <a:latin typeface="等线" panose="02010600030101010101" pitchFamily="2" charset="-122"/>
-                          <a:ea typeface="等线" panose="02010600030101010101" pitchFamily="2" charset="-122"/>
+                        <a:rPr lang="zh-CN" altLang="en-US" sz="1400" dirty="0">
+                          <a:latin typeface="Microsoft YaHei" panose="020B0503020204020204" pitchFamily="34" charset="-122"/>
+                          <a:ea typeface="Microsoft YaHei" panose="020B0503020204020204" pitchFamily="34" charset="-122"/>
                         </a:rPr>
                         <a:t>为开始运动页面</a:t>
                       </a:r>
@@ -10744,29 +12463,29 @@
                     <a:lstStyle/>
                     <a:p>
                       <a:r>
-                        <a:rPr lang="en-US" altLang="zh-CN" sz="900" dirty="0">
-                          <a:latin typeface="等线" panose="02010600030101010101" pitchFamily="2" charset="-122"/>
-                          <a:ea typeface="等线" panose="02010600030101010101" pitchFamily="2" charset="-122"/>
+                        <a:rPr lang="en-US" altLang="zh-CN" sz="1400" dirty="0">
+                          <a:latin typeface="Microsoft YaHei" panose="020B0503020204020204" pitchFamily="34" charset="-122"/>
+                          <a:ea typeface="Microsoft YaHei" panose="020B0503020204020204" pitchFamily="34" charset="-122"/>
                         </a:rPr>
                         <a:t>4. </a:t>
                       </a:r>
                       <a:r>
-                        <a:rPr lang="en-US" altLang="zh-CN" sz="900" dirty="0" err="1">
-                          <a:latin typeface="等线" panose="02010600030101010101" pitchFamily="2" charset="-122"/>
-                          <a:ea typeface="等线" panose="02010600030101010101" pitchFamily="2" charset="-122"/>
+                        <a:rPr lang="en-US" altLang="zh-CN" sz="1400" dirty="0" err="1">
+                          <a:latin typeface="Microsoft YaHei" panose="020B0503020204020204" pitchFamily="34" charset="-122"/>
+                          <a:ea typeface="Microsoft YaHei" panose="020B0503020204020204" pitchFamily="34" charset="-122"/>
                         </a:rPr>
                         <a:t>QueryGameScore</a:t>
                       </a:r>
                       <a:r>
-                        <a:rPr lang="zh-CN" altLang="en-US" sz="900" dirty="0">
-                          <a:latin typeface="等线" panose="02010600030101010101" pitchFamily="2" charset="-122"/>
-                          <a:ea typeface="等线" panose="02010600030101010101" pitchFamily="2" charset="-122"/>
+                        <a:rPr lang="zh-CN" altLang="en-US" sz="1400" dirty="0">
+                          <a:latin typeface="Microsoft YaHei" panose="020B0503020204020204" pitchFamily="34" charset="-122"/>
+                          <a:ea typeface="Microsoft YaHei" panose="020B0503020204020204" pitchFamily="34" charset="-122"/>
                         </a:rPr>
                         <a:t> 为按照运动员查询</a:t>
                       </a:r>
-                      <a:endParaRPr lang="en-US" altLang="zh-CN" sz="900" dirty="0">
-                        <a:latin typeface="等线" panose="02010600030101010101" pitchFamily="2" charset="-122"/>
-                        <a:ea typeface="等线" panose="02010600030101010101" pitchFamily="2" charset="-122"/>
+                      <a:endParaRPr lang="en-US" altLang="zh-CN" sz="1400" dirty="0">
+                        <a:latin typeface="Microsoft YaHei" panose="020B0503020204020204" pitchFamily="34" charset="-122"/>
+                        <a:ea typeface="Microsoft YaHei" panose="020B0503020204020204" pitchFamily="34" charset="-122"/>
                       </a:endParaRPr>
                     </a:p>
                   </a:txBody>
@@ -10785,37 +12504,37 @@
                     <a:lstStyle/>
                     <a:p>
                       <a:r>
-                        <a:rPr lang="en-US" altLang="zh-CN" sz="900" dirty="0">
-                          <a:latin typeface="等线" panose="02010600030101010101" pitchFamily="2" charset="-122"/>
-                          <a:ea typeface="等线" panose="02010600030101010101" pitchFamily="2" charset="-122"/>
+                        <a:rPr lang="en-US" altLang="zh-CN" sz="1400" dirty="0">
+                          <a:latin typeface="Microsoft YaHei" panose="020B0503020204020204" pitchFamily="34" charset="-122"/>
+                          <a:ea typeface="Microsoft YaHei" panose="020B0503020204020204" pitchFamily="34" charset="-122"/>
                         </a:rPr>
                         <a:t>5.</a:t>
                       </a:r>
                       <a:r>
-                        <a:rPr lang="zh-CN" altLang="en-US" sz="900" dirty="0">
-                          <a:latin typeface="等线" panose="02010600030101010101" pitchFamily="2" charset="-122"/>
-                          <a:ea typeface="等线" panose="02010600030101010101" pitchFamily="2" charset="-122"/>
+                        <a:rPr lang="zh-CN" altLang="en-US" sz="1400" dirty="0">
+                          <a:latin typeface="Microsoft YaHei" panose="020B0503020204020204" pitchFamily="34" charset="-122"/>
+                          <a:ea typeface="Microsoft YaHei" panose="020B0503020204020204" pitchFamily="34" charset="-122"/>
                         </a:rPr>
                         <a:t> </a:t>
                       </a:r>
                       <a:r>
-                        <a:rPr lang="en-US" altLang="zh-CN" sz="900" dirty="0" err="1">
-                          <a:latin typeface="等线" panose="02010600030101010101" pitchFamily="2" charset="-122"/>
-                          <a:ea typeface="等线" panose="02010600030101010101" pitchFamily="2" charset="-122"/>
+                        <a:rPr lang="en-US" altLang="zh-CN" sz="1400" dirty="0" err="1">
+                          <a:latin typeface="Microsoft YaHei" panose="020B0503020204020204" pitchFamily="34" charset="-122"/>
+                          <a:ea typeface="Microsoft YaHei" panose="020B0503020204020204" pitchFamily="34" charset="-122"/>
                         </a:rPr>
                         <a:t>PlayerDetail</a:t>
                       </a:r>
                       <a:r>
-                        <a:rPr lang="en-US" altLang="zh-CN" sz="900" dirty="0">
-                          <a:latin typeface="等线" panose="02010600030101010101" pitchFamily="2" charset="-122"/>
-                          <a:ea typeface="等线" panose="02010600030101010101" pitchFamily="2" charset="-122"/>
+                        <a:rPr lang="en-US" altLang="zh-CN" sz="1400" dirty="0">
+                          <a:latin typeface="Microsoft YaHei" panose="020B0503020204020204" pitchFamily="34" charset="-122"/>
+                          <a:ea typeface="Microsoft YaHei" panose="020B0503020204020204" pitchFamily="34" charset="-122"/>
                         </a:rPr>
                         <a:t> </a:t>
                       </a:r>
                       <a:r>
-                        <a:rPr lang="zh-CN" altLang="en-US" sz="900" dirty="0">
-                          <a:latin typeface="等线" panose="02010600030101010101" pitchFamily="2" charset="-122"/>
-                          <a:ea typeface="等线" panose="02010600030101010101" pitchFamily="2" charset="-122"/>
+                        <a:rPr lang="zh-CN" altLang="en-US" sz="1400" dirty="0">
+                          <a:latin typeface="Microsoft YaHei" panose="020B0503020204020204" pitchFamily="34" charset="-122"/>
+                          <a:ea typeface="Microsoft YaHei" panose="020B0503020204020204" pitchFamily="34" charset="-122"/>
                         </a:rPr>
                         <a:t>为细节信息</a:t>
                       </a:r>
@@ -10835,9 +12554,9 @@
                     <a:bodyPr/>
                     <a:lstStyle/>
                     <a:p>
-                      <a:endParaRPr lang="zh-CN" altLang="en-US" sz="900" dirty="0">
-                        <a:latin typeface="等线" panose="02010600030101010101" pitchFamily="2" charset="-122"/>
-                        <a:ea typeface="等线" panose="02010600030101010101" pitchFamily="2" charset="-122"/>
+                      <a:endParaRPr lang="zh-CN" altLang="en-US" sz="1400" dirty="0">
+                        <a:latin typeface="Microsoft YaHei" panose="020B0503020204020204" pitchFamily="34" charset="-122"/>
+                        <a:ea typeface="Microsoft YaHei" panose="020B0503020204020204" pitchFamily="34" charset="-122"/>
                       </a:endParaRPr>
                     </a:p>
                   </a:txBody>
@@ -10846,59 +12565,6 @@
                 <a:extLst>
                   <a:ext uri="{0D108BD9-81ED-4DB2-BD59-A6C34878D82A}">
                     <a16:rowId xmlns:a16="http://schemas.microsoft.com/office/drawing/2014/main" val="1642301212"/>
-                  </a:ext>
-                </a:extLst>
-              </a:tr>
-              <a:tr h="168163">
-                <a:tc>
-                  <a:txBody>
-                    <a:bodyPr/>
-                    <a:lstStyle/>
-                    <a:p>
-                      <a:r>
-                        <a:rPr lang="en-US" altLang="zh-CN" sz="900" dirty="0">
-                          <a:latin typeface="等线" panose="02010600030101010101" pitchFamily="2" charset="-122"/>
-                          <a:ea typeface="等线" panose="02010600030101010101" pitchFamily="2" charset="-122"/>
-                        </a:rPr>
-                        <a:t>// </a:t>
-                      </a:r>
-                      <a:r>
-                        <a:rPr lang="zh-CN" altLang="en-US" sz="900" dirty="0">
-                          <a:latin typeface="等线" panose="02010600030101010101" pitchFamily="2" charset="-122"/>
-                          <a:ea typeface="等线" panose="02010600030101010101" pitchFamily="2" charset="-122"/>
-                        </a:rPr>
-                        <a:t>路由配置</a:t>
-                      </a:r>
-                    </a:p>
-                  </a:txBody>
-                  <a:tcPr/>
-                </a:tc>
-                <a:extLst>
-                  <a:ext uri="{0D108BD9-81ED-4DB2-BD59-A6C34878D82A}">
-                    <a16:rowId xmlns:a16="http://schemas.microsoft.com/office/drawing/2014/main" val="1822021951"/>
-                  </a:ext>
-                </a:extLst>
-              </a:tr>
-              <a:tr h="168163">
-                <a:tc>
-                  <a:txBody>
-                    <a:bodyPr/>
-                    <a:lstStyle/>
-                    <a:p>
-                      <a:r>
-                        <a:rPr lang="zh-CN" altLang="en-US" sz="900" dirty="0">
-                          <a:latin typeface="等线" panose="02010600030101010101" pitchFamily="2" charset="-122"/>
-                          <a:ea typeface="等线" panose="02010600030101010101" pitchFamily="2" charset="-122"/>
-                        </a:rPr>
-                        <a:t>规定组件与路由跳转关系</a:t>
-                      </a:r>
-                    </a:p>
-                  </a:txBody>
-                  <a:tcPr/>
-                </a:tc>
-                <a:extLst>
-                  <a:ext uri="{0D108BD9-81ED-4DB2-BD59-A6C34878D82A}">
-                    <a16:rowId xmlns:a16="http://schemas.microsoft.com/office/drawing/2014/main" val="264877939"/>
                   </a:ext>
                 </a:extLst>
               </a:tr>
@@ -10958,11 +12624,17 @@
           <a:lstStyle/>
           <a:p>
             <a:r>
-              <a:rPr lang="en-US" altLang="zh-CN" dirty="0"/>
+              <a:rPr lang="en-US" altLang="zh-CN" dirty="0">
+                <a:latin typeface="Microsoft YaHei" panose="020B0503020204020204" pitchFamily="34" charset="-122"/>
+                <a:ea typeface="Microsoft YaHei" panose="020B0503020204020204" pitchFamily="34" charset="-122"/>
+              </a:rPr>
               <a:t>4. </a:t>
             </a:r>
             <a:r>
-              <a:rPr lang="zh-CN" altLang="en-US" dirty="0"/>
+              <a:rPr lang="zh-CN" altLang="en-US" dirty="0">
+                <a:latin typeface="Microsoft YaHei" panose="020B0503020204020204" pitchFamily="34" charset="-122"/>
+                <a:ea typeface="Microsoft YaHei" panose="020B0503020204020204" pitchFamily="34" charset="-122"/>
+              </a:rPr>
               <a:t>页面路由设计</a:t>
             </a:r>
           </a:p>
@@ -10984,44 +12656,44 @@
             <p:ph idx="1"/>
             <p:extLst>
               <p:ext uri="{D42A27DB-BD31-4B8C-83A1-F6EECF244321}">
-                <p14:modId xmlns:p14="http://schemas.microsoft.com/office/powerpoint/2010/main" val="2617199775"/>
+                <p14:modId xmlns:p14="http://schemas.microsoft.com/office/powerpoint/2010/main" val="2922052468"/>
               </p:ext>
             </p:extLst>
           </p:nvPr>
         </p:nvGraphicFramePr>
         <p:xfrm>
-          <a:off x="411035" y="2107752"/>
-          <a:ext cx="10515600" cy="3291840"/>
+          <a:off x="838200" y="1505526"/>
+          <a:ext cx="9996941" cy="1923474"/>
         </p:xfrm>
         <a:graphic>
           <a:graphicData uri="http://schemas.openxmlformats.org/drawingml/2006/table">
             <a:tbl>
               <a:tblPr>
-                <a:tableStyleId>{9D7B26C5-4107-4FEC-AEDC-1716B250A1EF}</a:tableStyleId>
+                <a:tableStyleId>{0660B408-B3CF-4A94-85FC-2B1E0A45F4A2}</a:tableStyleId>
               </a:tblPr>
               <a:tblGrid>
-                <a:gridCol w="2174715">
+                <a:gridCol w="1777175">
                   <a:extLst>
                     <a:ext uri="{9D8B030D-6E8A-4147-A177-3AD203B41FA5}">
                       <a16:colId xmlns:a16="http://schemas.microsoft.com/office/drawing/2014/main" val="461577981"/>
                     </a:ext>
                   </a:extLst>
                 </a:gridCol>
-                <a:gridCol w="1778290">
+                <a:gridCol w="1267639">
                   <a:extLst>
                     <a:ext uri="{9D8B030D-6E8A-4147-A177-3AD203B41FA5}">
                       <a16:colId xmlns:a16="http://schemas.microsoft.com/office/drawing/2014/main" val="2282187510"/>
                     </a:ext>
                   </a:extLst>
                 </a:gridCol>
-                <a:gridCol w="2586625">
+                <a:gridCol w="2248976">
                   <a:extLst>
                     <a:ext uri="{9D8B030D-6E8A-4147-A177-3AD203B41FA5}">
                       <a16:colId xmlns:a16="http://schemas.microsoft.com/office/drawing/2014/main" val="3549046825"/>
                     </a:ext>
                   </a:extLst>
                 </a:gridCol>
-                <a:gridCol w="3975970">
+                <a:gridCol w="4703151">
                   <a:extLst>
                     <a:ext uri="{9D8B030D-6E8A-4147-A177-3AD203B41FA5}">
                       <a16:colId xmlns:a16="http://schemas.microsoft.com/office/drawing/2014/main" val="2023029039"/>
@@ -11029,14 +12701,17 @@
                   </a:extLst>
                 </a:gridCol>
               </a:tblGrid>
-              <a:tr h="0">
+              <a:tr h="320579">
                 <a:tc>
                   <a:txBody>
                     <a:bodyPr/>
                     <a:lstStyle/>
                     <a:p>
                       <a:r>
-                        <a:rPr lang="zh-CN" altLang="en-US" dirty="0"/>
+                        <a:rPr lang="zh-CN" altLang="en-US" sz="1400" b="1" dirty="0">
+                          <a:latin typeface="Microsoft YaHei" panose="020B0503020204020204" pitchFamily="34" charset="-122"/>
+                          <a:ea typeface="Microsoft YaHei" panose="020B0503020204020204" pitchFamily="34" charset="-122"/>
+                        </a:rPr>
                         <a:t>路由</a:t>
                       </a:r>
                     </a:p>
@@ -11049,7 +12724,10 @@
                     <a:lstStyle/>
                     <a:p>
                       <a:r>
-                        <a:rPr lang="zh-CN" altLang="en-US" dirty="0"/>
+                        <a:rPr lang="zh-CN" altLang="en-US" sz="1400" b="1" dirty="0">
+                          <a:latin typeface="Microsoft YaHei" panose="020B0503020204020204" pitchFamily="34" charset="-122"/>
+                          <a:ea typeface="Microsoft YaHei" panose="020B0503020204020204" pitchFamily="34" charset="-122"/>
+                        </a:rPr>
                         <a:t>页面内容</a:t>
                       </a:r>
                     </a:p>
@@ -11062,11 +12740,17 @@
                     <a:lstStyle/>
                     <a:p>
                       <a:r>
-                        <a:rPr lang="zh-CN" altLang="en-US" dirty="0"/>
+                        <a:rPr lang="zh-CN" altLang="en-US" sz="1400" b="1" dirty="0">
+                          <a:latin typeface="Microsoft YaHei" panose="020B0503020204020204" pitchFamily="34" charset="-122"/>
+                          <a:ea typeface="Microsoft YaHei" panose="020B0503020204020204" pitchFamily="34" charset="-122"/>
+                        </a:rPr>
                         <a:t>页面对应的 </a:t>
                       </a:r>
                       <a:r>
-                        <a:rPr lang="en-US" dirty="0"/>
+                        <a:rPr lang="en-US" sz="1400" b="1" dirty="0">
+                          <a:latin typeface="Microsoft YaHei" panose="020B0503020204020204" pitchFamily="34" charset="-122"/>
+                          <a:ea typeface="Microsoft YaHei" panose="020B0503020204020204" pitchFamily="34" charset="-122"/>
+                        </a:rPr>
                         <a:t>Component</a:t>
                       </a:r>
                     </a:p>
@@ -11079,7 +12763,10 @@
                     <a:lstStyle/>
                     <a:p>
                       <a:r>
-                        <a:rPr lang="zh-CN" altLang="en-US" dirty="0"/>
+                        <a:rPr lang="zh-CN" altLang="en-US" sz="1400" b="1" dirty="0">
+                          <a:latin typeface="Microsoft YaHei" panose="020B0503020204020204" pitchFamily="34" charset="-122"/>
+                          <a:ea typeface="Microsoft YaHei" panose="020B0503020204020204" pitchFamily="34" charset="-122"/>
+                        </a:rPr>
                         <a:t>页面组成</a:t>
                       </a:r>
                     </a:p>
@@ -11092,14 +12779,17 @@
                   </a:ext>
                 </a:extLst>
               </a:tr>
-              <a:tr h="0">
+              <a:tr h="320579">
                 <a:tc>
                   <a:txBody>
                     <a:bodyPr/>
                     <a:lstStyle/>
                     <a:p>
                       <a:r>
-                        <a:rPr lang="en-US" dirty="0"/>
+                        <a:rPr lang="en-US" sz="1400" dirty="0">
+                          <a:latin typeface="Microsoft YaHei" panose="020B0503020204020204" pitchFamily="34" charset="-122"/>
+                          <a:ea typeface="Microsoft YaHei" panose="020B0503020204020204" pitchFamily="34" charset="-122"/>
+                        </a:rPr>
                         <a:t>/home</a:t>
                       </a:r>
                     </a:p>
@@ -11112,7 +12802,10 @@
                     <a:lstStyle/>
                     <a:p>
                       <a:r>
-                        <a:rPr lang="zh-CN" altLang="en-US" dirty="0"/>
+                        <a:rPr lang="zh-CN" altLang="en-US" sz="1400" dirty="0">
+                          <a:latin typeface="Microsoft YaHei" panose="020B0503020204020204" pitchFamily="34" charset="-122"/>
+                          <a:ea typeface="Microsoft YaHei" panose="020B0503020204020204" pitchFamily="34" charset="-122"/>
+                        </a:rPr>
                         <a:t>首页</a:t>
                       </a:r>
                     </a:p>
@@ -11125,7 +12818,10 @@
                     <a:lstStyle/>
                     <a:p>
                       <a:r>
-                        <a:rPr lang="en-US" dirty="0"/>
+                        <a:rPr lang="en-US" sz="1400" dirty="0">
+                          <a:latin typeface="Microsoft YaHei" panose="020B0503020204020204" pitchFamily="34" charset="-122"/>
+                          <a:ea typeface="Microsoft YaHei" panose="020B0503020204020204" pitchFamily="34" charset="-122"/>
+                        </a:rPr>
                         <a:t>Home</a:t>
                       </a:r>
                     </a:p>
@@ -11138,27 +12834,45 @@
                     <a:lstStyle/>
                     <a:p>
                       <a:r>
-                        <a:rPr lang="zh-CN" altLang="en-US" dirty="0"/>
+                        <a:rPr lang="zh-CN" altLang="en-US" sz="1400" dirty="0">
+                          <a:latin typeface="Microsoft YaHei" panose="020B0503020204020204" pitchFamily="34" charset="-122"/>
+                          <a:ea typeface="Microsoft YaHei" panose="020B0503020204020204" pitchFamily="34" charset="-122"/>
+                        </a:rPr>
                         <a:t>侧栏菜单</a:t>
                       </a:r>
                       <a:r>
-                        <a:rPr lang="en-US" altLang="zh-CN" dirty="0"/>
+                        <a:rPr lang="en-US" altLang="zh-CN" sz="1400" dirty="0">
+                          <a:latin typeface="Microsoft YaHei" panose="020B0503020204020204" pitchFamily="34" charset="-122"/>
+                          <a:ea typeface="Microsoft YaHei" panose="020B0503020204020204" pitchFamily="34" charset="-122"/>
+                        </a:rPr>
                         <a:t>&lt;</a:t>
                       </a:r>
                       <a:r>
-                        <a:rPr lang="en-US" dirty="0"/>
+                        <a:rPr lang="en-US" sz="1400" dirty="0">
+                          <a:latin typeface="Microsoft YaHei" panose="020B0503020204020204" pitchFamily="34" charset="-122"/>
+                          <a:ea typeface="Microsoft YaHei" panose="020B0503020204020204" pitchFamily="34" charset="-122"/>
+                        </a:rPr>
                         <a:t>Menu&gt;，</a:t>
                       </a:r>
                       <a:r>
-                        <a:rPr lang="zh-CN" altLang="en-US" dirty="0"/>
+                        <a:rPr lang="zh-CN" altLang="en-US" sz="1400" dirty="0">
+                          <a:latin typeface="Microsoft YaHei" panose="020B0503020204020204" pitchFamily="34" charset="-122"/>
+                          <a:ea typeface="Microsoft YaHei" panose="020B0503020204020204" pitchFamily="34" charset="-122"/>
+                        </a:rPr>
                         <a:t>下方路由内容</a:t>
                       </a:r>
                       <a:r>
-                        <a:rPr lang="en-US" altLang="zh-CN" dirty="0"/>
+                        <a:rPr lang="en-US" altLang="zh-CN" sz="1400" dirty="0">
+                          <a:latin typeface="Microsoft YaHei" panose="020B0503020204020204" pitchFamily="34" charset="-122"/>
+                          <a:ea typeface="Microsoft YaHei" panose="020B0503020204020204" pitchFamily="34" charset="-122"/>
+                        </a:rPr>
                         <a:t>&lt;</a:t>
                       </a:r>
                       <a:r>
-                        <a:rPr lang="en-US" dirty="0"/>
+                        <a:rPr lang="en-US" sz="1400" dirty="0">
+                          <a:latin typeface="Microsoft YaHei" panose="020B0503020204020204" pitchFamily="34" charset="-122"/>
+                          <a:ea typeface="Microsoft YaHei" panose="020B0503020204020204" pitchFamily="34" charset="-122"/>
+                        </a:rPr>
                         <a:t>router-view&gt;</a:t>
                       </a:r>
                     </a:p>
@@ -11171,14 +12885,17 @@
                   </a:ext>
                 </a:extLst>
               </a:tr>
-              <a:tr h="0">
+              <a:tr h="320579">
                 <a:tc>
                   <a:txBody>
                     <a:bodyPr/>
                     <a:lstStyle/>
                     <a:p>
                       <a:r>
-                        <a:rPr lang="en-US"/>
+                        <a:rPr lang="en-US" sz="1400" dirty="0">
+                          <a:latin typeface="Microsoft YaHei" panose="020B0503020204020204" pitchFamily="34" charset="-122"/>
+                          <a:ea typeface="Microsoft YaHei" panose="020B0503020204020204" pitchFamily="34" charset="-122"/>
+                        </a:rPr>
                         <a:t>/registry</a:t>
                       </a:r>
                     </a:p>
@@ -11191,7 +12908,10 @@
                     <a:lstStyle/>
                     <a:p>
                       <a:r>
-                        <a:rPr lang="zh-CN" altLang="en-US"/>
+                        <a:rPr lang="zh-CN" altLang="en-US" sz="1400">
+                          <a:latin typeface="Microsoft YaHei" panose="020B0503020204020204" pitchFamily="34" charset="-122"/>
+                          <a:ea typeface="Microsoft YaHei" panose="020B0503020204020204" pitchFamily="34" charset="-122"/>
+                        </a:rPr>
                         <a:t>注册页</a:t>
                       </a:r>
                     </a:p>
@@ -11204,7 +12924,10 @@
                     <a:lstStyle/>
                     <a:p>
                       <a:r>
-                        <a:rPr lang="en-US" dirty="0"/>
+                        <a:rPr lang="en-US" sz="1400" dirty="0">
+                          <a:latin typeface="Microsoft YaHei" panose="020B0503020204020204" pitchFamily="34" charset="-122"/>
+                          <a:ea typeface="Microsoft YaHei" panose="020B0503020204020204" pitchFamily="34" charset="-122"/>
+                        </a:rPr>
                         <a:t>Registry</a:t>
                       </a:r>
                     </a:p>
@@ -11217,31 +12940,52 @@
                     <a:lstStyle/>
                     <a:p>
                       <a:r>
-                        <a:rPr lang="zh-CN" altLang="en-US" dirty="0"/>
+                        <a:rPr lang="zh-CN" altLang="en-US" sz="1400" dirty="0">
+                          <a:latin typeface="Microsoft YaHei" panose="020B0503020204020204" pitchFamily="34" charset="-122"/>
+                          <a:ea typeface="Microsoft YaHei" panose="020B0503020204020204" pitchFamily="34" charset="-122"/>
+                        </a:rPr>
                         <a:t>为 </a:t>
                       </a:r>
                       <a:r>
-                        <a:rPr lang="en-US" altLang="zh-CN" dirty="0"/>
+                        <a:rPr lang="en-US" altLang="zh-CN" sz="1400" dirty="0">
+                          <a:latin typeface="Microsoft YaHei" panose="020B0503020204020204" pitchFamily="34" charset="-122"/>
+                          <a:ea typeface="Microsoft YaHei" panose="020B0503020204020204" pitchFamily="34" charset="-122"/>
+                        </a:rPr>
                         <a:t>Home </a:t>
                       </a:r>
                       <a:r>
-                        <a:rPr lang="zh-CN" altLang="en-US" dirty="0"/>
+                        <a:rPr lang="zh-CN" altLang="en-US" sz="1400" dirty="0">
+                          <a:latin typeface="Microsoft YaHei" panose="020B0503020204020204" pitchFamily="34" charset="-122"/>
+                          <a:ea typeface="Microsoft YaHei" panose="020B0503020204020204" pitchFamily="34" charset="-122"/>
+                        </a:rPr>
                         <a:t>的子路由组件；表单，</a:t>
                       </a:r>
                       <a:r>
-                        <a:rPr lang="en-US" altLang="zh-CN" dirty="0"/>
+                        <a:rPr lang="en-US" altLang="zh-CN" sz="1400" dirty="0">
+                          <a:latin typeface="Microsoft YaHei" panose="020B0503020204020204" pitchFamily="34" charset="-122"/>
+                          <a:ea typeface="Microsoft YaHei" panose="020B0503020204020204" pitchFamily="34" charset="-122"/>
+                        </a:rPr>
                         <a:t>5</a:t>
                       </a:r>
                       <a:r>
-                        <a:rPr lang="zh-CN" altLang="en-US" dirty="0"/>
+                        <a:rPr lang="zh-CN" altLang="en-US" sz="1400" dirty="0">
+                          <a:latin typeface="Microsoft YaHei" panose="020B0503020204020204" pitchFamily="34" charset="-122"/>
+                          <a:ea typeface="Microsoft YaHei" panose="020B0503020204020204" pitchFamily="34" charset="-122"/>
+                        </a:rPr>
                         <a:t>个</a:t>
                       </a:r>
                       <a:r>
-                        <a:rPr lang="en-US" altLang="zh-CN" dirty="0"/>
+                        <a:rPr lang="en-US" altLang="zh-CN" sz="1400" dirty="0">
+                          <a:latin typeface="Microsoft YaHei" panose="020B0503020204020204" pitchFamily="34" charset="-122"/>
+                          <a:ea typeface="Microsoft YaHei" panose="020B0503020204020204" pitchFamily="34" charset="-122"/>
+                        </a:rPr>
                         <a:t>input</a:t>
                       </a:r>
                       <a:r>
-                        <a:rPr lang="zh-CN" altLang="en-US" dirty="0"/>
+                        <a:rPr lang="zh-CN" altLang="en-US" sz="1400" dirty="0">
+                          <a:latin typeface="Microsoft YaHei" panose="020B0503020204020204" pitchFamily="34" charset="-122"/>
+                          <a:ea typeface="Microsoft YaHei" panose="020B0503020204020204" pitchFamily="34" charset="-122"/>
+                        </a:rPr>
                         <a:t>项</a:t>
                       </a:r>
                     </a:p>
@@ -11254,14 +12998,17 @@
                   </a:ext>
                 </a:extLst>
               </a:tr>
-              <a:tr h="0">
+              <a:tr h="320579">
                 <a:tc>
                   <a:txBody>
                     <a:bodyPr/>
                     <a:lstStyle/>
                     <a:p>
                       <a:r>
-                        <a:rPr lang="en-US"/>
+                        <a:rPr lang="en-US" sz="1400">
+                          <a:latin typeface="Microsoft YaHei" panose="020B0503020204020204" pitchFamily="34" charset="-122"/>
+                          <a:ea typeface="Microsoft YaHei" panose="020B0503020204020204" pitchFamily="34" charset="-122"/>
+                        </a:rPr>
                         <a:t>/running</a:t>
                       </a:r>
                     </a:p>
@@ -11274,7 +13021,10 @@
                     <a:lstStyle/>
                     <a:p>
                       <a:r>
-                        <a:rPr lang="zh-CN" altLang="en-US"/>
+                        <a:rPr lang="zh-CN" altLang="en-US" sz="1400">
+                          <a:latin typeface="Microsoft YaHei" panose="020B0503020204020204" pitchFamily="34" charset="-122"/>
+                          <a:ea typeface="Microsoft YaHei" panose="020B0503020204020204" pitchFamily="34" charset="-122"/>
+                        </a:rPr>
                         <a:t>比赛页</a:t>
                       </a:r>
                     </a:p>
@@ -11287,7 +13037,10 @@
                     <a:lstStyle/>
                     <a:p>
                       <a:r>
-                        <a:rPr lang="en-US"/>
+                        <a:rPr lang="en-US" sz="1400" dirty="0">
+                          <a:latin typeface="Microsoft YaHei" panose="020B0503020204020204" pitchFamily="34" charset="-122"/>
+                          <a:ea typeface="Microsoft YaHei" panose="020B0503020204020204" pitchFamily="34" charset="-122"/>
+                        </a:rPr>
                         <a:t>Running</a:t>
                       </a:r>
                     </a:p>
@@ -11300,15 +13053,24 @@
                     <a:lstStyle/>
                     <a:p>
                       <a:r>
-                        <a:rPr lang="zh-CN" altLang="en-US" dirty="0"/>
+                        <a:rPr lang="zh-CN" altLang="en-US" sz="1400" dirty="0">
+                          <a:latin typeface="Microsoft YaHei" panose="020B0503020204020204" pitchFamily="34" charset="-122"/>
+                          <a:ea typeface="Microsoft YaHei" panose="020B0503020204020204" pitchFamily="34" charset="-122"/>
+                        </a:rPr>
                         <a:t>为 </a:t>
                       </a:r>
                       <a:r>
-                        <a:rPr lang="en-US" dirty="0"/>
+                        <a:rPr lang="en-US" sz="1400" dirty="0">
+                          <a:latin typeface="Microsoft YaHei" panose="020B0503020204020204" pitchFamily="34" charset="-122"/>
+                          <a:ea typeface="Microsoft YaHei" panose="020B0503020204020204" pitchFamily="34" charset="-122"/>
+                        </a:rPr>
                         <a:t>Home </a:t>
                       </a:r>
                       <a:r>
-                        <a:rPr lang="zh-CN" altLang="en-US" dirty="0"/>
+                        <a:rPr lang="zh-CN" altLang="en-US" sz="1400" dirty="0">
+                          <a:latin typeface="Microsoft YaHei" panose="020B0503020204020204" pitchFamily="34" charset="-122"/>
+                          <a:ea typeface="Microsoft YaHei" panose="020B0503020204020204" pitchFamily="34" charset="-122"/>
+                        </a:rPr>
                         <a:t>的子路由组件，包括表单和列表</a:t>
                       </a:r>
                     </a:p>
@@ -11321,14 +13083,17 @@
                   </a:ext>
                 </a:extLst>
               </a:tr>
-              <a:tr h="0">
+              <a:tr h="320579">
                 <a:tc>
                   <a:txBody>
                     <a:bodyPr/>
                     <a:lstStyle/>
                     <a:p>
                       <a:r>
-                        <a:rPr lang="en-US"/>
+                        <a:rPr lang="en-US" sz="1400">
+                          <a:latin typeface="Microsoft YaHei" panose="020B0503020204020204" pitchFamily="34" charset="-122"/>
+                          <a:ea typeface="Microsoft YaHei" panose="020B0503020204020204" pitchFamily="34" charset="-122"/>
+                        </a:rPr>
                         <a:t>/queryGameScore</a:t>
                       </a:r>
                     </a:p>
@@ -11341,7 +13106,10 @@
                     <a:lstStyle/>
                     <a:p>
                       <a:r>
-                        <a:rPr lang="zh-CN" altLang="en-US"/>
+                        <a:rPr lang="zh-CN" altLang="en-US" sz="1400">
+                          <a:latin typeface="Microsoft YaHei" panose="020B0503020204020204" pitchFamily="34" charset="-122"/>
+                          <a:ea typeface="Microsoft YaHei" panose="020B0503020204020204" pitchFamily="34" charset="-122"/>
+                        </a:rPr>
                         <a:t>查询页</a:t>
                       </a:r>
                     </a:p>
@@ -11354,7 +13122,10 @@
                     <a:lstStyle/>
                     <a:p>
                       <a:r>
-                        <a:rPr lang="en-US"/>
+                        <a:rPr lang="en-US" sz="1400">
+                          <a:latin typeface="Microsoft YaHei" panose="020B0503020204020204" pitchFamily="34" charset="-122"/>
+                          <a:ea typeface="Microsoft YaHei" panose="020B0503020204020204" pitchFamily="34" charset="-122"/>
+                        </a:rPr>
                         <a:t>QueryGameScore</a:t>
                       </a:r>
                     </a:p>
@@ -11367,15 +13138,24 @@
                     <a:lstStyle/>
                     <a:p>
                       <a:r>
-                        <a:rPr lang="zh-CN" altLang="en-US" dirty="0"/>
+                        <a:rPr lang="zh-CN" altLang="en-US" sz="1400" dirty="0">
+                          <a:latin typeface="Microsoft YaHei" panose="020B0503020204020204" pitchFamily="34" charset="-122"/>
+                          <a:ea typeface="Microsoft YaHei" panose="020B0503020204020204" pitchFamily="34" charset="-122"/>
+                        </a:rPr>
                         <a:t>为 </a:t>
                       </a:r>
                       <a:r>
-                        <a:rPr lang="en-US" dirty="0"/>
+                        <a:rPr lang="en-US" sz="1400" dirty="0">
+                          <a:latin typeface="Microsoft YaHei" panose="020B0503020204020204" pitchFamily="34" charset="-122"/>
+                          <a:ea typeface="Microsoft YaHei" panose="020B0503020204020204" pitchFamily="34" charset="-122"/>
+                        </a:rPr>
                         <a:t>Home </a:t>
                       </a:r>
                       <a:r>
-                        <a:rPr lang="zh-CN" altLang="en-US" dirty="0"/>
+                        <a:rPr lang="zh-CN" altLang="en-US" sz="1400" dirty="0">
+                          <a:latin typeface="Microsoft YaHei" panose="020B0503020204020204" pitchFamily="34" charset="-122"/>
+                          <a:ea typeface="Microsoft YaHei" panose="020B0503020204020204" pitchFamily="34" charset="-122"/>
+                        </a:rPr>
                         <a:t>的子路由组件，包括表单</a:t>
                       </a:r>
                     </a:p>
@@ -11388,14 +13168,17 @@
                   </a:ext>
                 </a:extLst>
               </a:tr>
-              <a:tr h="0">
+              <a:tr h="320579">
                 <a:tc>
                   <a:txBody>
                     <a:bodyPr/>
                     <a:lstStyle/>
                     <a:p>
                       <a:r>
-                        <a:rPr lang="en-US"/>
+                        <a:rPr lang="en-US" sz="1400">
+                          <a:latin typeface="Microsoft YaHei" panose="020B0503020204020204" pitchFamily="34" charset="-122"/>
+                          <a:ea typeface="Microsoft YaHei" panose="020B0503020204020204" pitchFamily="34" charset="-122"/>
+                        </a:rPr>
                         <a:t>/playerDetail:id</a:t>
                       </a:r>
                     </a:p>
@@ -11408,7 +13191,10 @@
                     <a:lstStyle/>
                     <a:p>
                       <a:r>
-                        <a:rPr lang="zh-CN" altLang="en-US"/>
+                        <a:rPr lang="zh-CN" altLang="en-US" sz="1400">
+                          <a:latin typeface="Microsoft YaHei" panose="020B0503020204020204" pitchFamily="34" charset="-122"/>
+                          <a:ea typeface="Microsoft YaHei" panose="020B0503020204020204" pitchFamily="34" charset="-122"/>
+                        </a:rPr>
                         <a:t>选手信息页</a:t>
                       </a:r>
                     </a:p>
@@ -11421,7 +13207,10 @@
                     <a:lstStyle/>
                     <a:p>
                       <a:r>
-                        <a:rPr lang="en-US"/>
+                        <a:rPr lang="en-US" sz="1400">
+                          <a:latin typeface="Microsoft YaHei" panose="020B0503020204020204" pitchFamily="34" charset="-122"/>
+                          <a:ea typeface="Microsoft YaHei" panose="020B0503020204020204" pitchFamily="34" charset="-122"/>
+                        </a:rPr>
                         <a:t>PlayerDetail</a:t>
                       </a:r>
                     </a:p>
@@ -11434,19 +13223,31 @@
                     <a:lstStyle/>
                     <a:p>
                       <a:r>
-                        <a:rPr lang="zh-CN" altLang="en-US" dirty="0"/>
+                        <a:rPr lang="zh-CN" altLang="en-US" sz="1400" dirty="0">
+                          <a:latin typeface="Microsoft YaHei" panose="020B0503020204020204" pitchFamily="34" charset="-122"/>
+                          <a:ea typeface="Microsoft YaHei" panose="020B0503020204020204" pitchFamily="34" charset="-122"/>
+                        </a:rPr>
                         <a:t>为 </a:t>
                       </a:r>
                       <a:r>
-                        <a:rPr lang="en-US" dirty="0" err="1"/>
+                        <a:rPr lang="en-US" sz="1400" dirty="0" err="1">
+                          <a:latin typeface="Microsoft YaHei" panose="020B0503020204020204" pitchFamily="34" charset="-122"/>
+                          <a:ea typeface="Microsoft YaHei" panose="020B0503020204020204" pitchFamily="34" charset="-122"/>
+                        </a:rPr>
                         <a:t>QueryGameScore</a:t>
                       </a:r>
                       <a:r>
-                        <a:rPr lang="en-US" dirty="0"/>
+                        <a:rPr lang="en-US" sz="1400" dirty="0">
+                          <a:latin typeface="Microsoft YaHei" panose="020B0503020204020204" pitchFamily="34" charset="-122"/>
+                          <a:ea typeface="Microsoft YaHei" panose="020B0503020204020204" pitchFamily="34" charset="-122"/>
+                        </a:rPr>
                         <a:t> </a:t>
                       </a:r>
                       <a:r>
-                        <a:rPr lang="zh-CN" altLang="en-US" dirty="0"/>
+                        <a:rPr lang="zh-CN" altLang="en-US" sz="1400" dirty="0">
+                          <a:latin typeface="Microsoft YaHei" panose="020B0503020204020204" pitchFamily="34" charset="-122"/>
+                          <a:ea typeface="Microsoft YaHei" panose="020B0503020204020204" pitchFamily="34" charset="-122"/>
+                        </a:rPr>
                         <a:t>的子路由组件，包括列表</a:t>
                       </a:r>
                     </a:p>
@@ -11515,11 +13316,17 @@
           <a:lstStyle/>
           <a:p>
             <a:r>
-              <a:rPr lang="en-US" altLang="zh-CN" dirty="0"/>
+              <a:rPr lang="en-US" altLang="zh-CN" dirty="0">
+                <a:latin typeface="Microsoft YaHei" panose="020B0503020204020204" pitchFamily="34" charset="-122"/>
+                <a:ea typeface="Microsoft YaHei" panose="020B0503020204020204" pitchFamily="34" charset="-122"/>
+              </a:rPr>
               <a:t>4.1 </a:t>
             </a:r>
             <a:r>
-              <a:rPr lang="zh-CN" altLang="en-US" dirty="0"/>
+              <a:rPr lang="zh-CN" altLang="en-US" dirty="0">
+                <a:latin typeface="Microsoft YaHei" panose="020B0503020204020204" pitchFamily="34" charset="-122"/>
+                <a:ea typeface="Microsoft YaHei" panose="020B0503020204020204" pitchFamily="34" charset="-122"/>
+              </a:rPr>
               <a:t>首页</a:t>
             </a:r>
           </a:p>
@@ -11901,19 +13708,31 @@
           <a:lstStyle/>
           <a:p>
             <a:r>
-              <a:rPr lang="en-US" altLang="zh-CN" dirty="0"/>
+              <a:rPr lang="en-US" altLang="zh-CN" dirty="0">
+                <a:latin typeface="Microsoft YaHei" panose="020B0503020204020204" pitchFamily="34" charset="-122"/>
+                <a:ea typeface="Microsoft YaHei" panose="020B0503020204020204" pitchFamily="34" charset="-122"/>
+              </a:rPr>
               <a:t>4.2 </a:t>
             </a:r>
             <a:r>
-              <a:rPr lang="zh-CN" altLang="en-US" dirty="0"/>
+              <a:rPr lang="zh-CN" altLang="en-US" dirty="0">
+                <a:latin typeface="Microsoft YaHei" panose="020B0503020204020204" pitchFamily="34" charset="-122"/>
+                <a:ea typeface="Microsoft YaHei" panose="020B0503020204020204" pitchFamily="34" charset="-122"/>
+              </a:rPr>
               <a:t>查询模块</a:t>
             </a:r>
             <a:r>
-              <a:rPr lang="en-US" altLang="zh-CN" dirty="0"/>
+              <a:rPr lang="en-US" altLang="zh-CN" dirty="0">
+                <a:latin typeface="Microsoft YaHei" panose="020B0503020204020204" pitchFamily="34" charset="-122"/>
+                <a:ea typeface="Microsoft YaHei" panose="020B0503020204020204" pitchFamily="34" charset="-122"/>
+              </a:rPr>
               <a:t>-</a:t>
             </a:r>
             <a:r>
-              <a:rPr lang="zh-CN" altLang="en-US" dirty="0"/>
+              <a:rPr lang="zh-CN" altLang="en-US" dirty="0">
+                <a:latin typeface="Microsoft YaHei" panose="020B0503020204020204" pitchFamily="34" charset="-122"/>
+                <a:ea typeface="Microsoft YaHei" panose="020B0503020204020204" pitchFamily="34" charset="-122"/>
+              </a:rPr>
               <a:t>运动员查询</a:t>
             </a:r>
           </a:p>
@@ -12432,7 +14251,7 @@
           <p:spPr>
             <a:xfrm>
               <a:off x="811820" y="1514349"/>
-              <a:ext cx="3604937" cy="584775"/>
+              <a:ext cx="3604937" cy="523220"/>
             </a:xfrm>
             <a:prstGeom prst="rect">
               <a:avLst/>
@@ -12446,35 +14265,59 @@
             <a:lstStyle/>
             <a:p>
               <a:r>
-                <a:rPr lang="zh-CN" altLang="en-US" sz="1600" dirty="0"/>
+                <a:rPr lang="zh-CN" altLang="en-US" sz="1400" dirty="0">
+                  <a:latin typeface="Microsoft YaHei" panose="020B0503020204020204" pitchFamily="34" charset="-122"/>
+                  <a:ea typeface="Microsoft YaHei" panose="020B0503020204020204" pitchFamily="34" charset="-122"/>
+                </a:rPr>
                 <a:t>通过</a:t>
               </a:r>
               <a:r>
-                <a:rPr lang="en-US" altLang="zh-CN" sz="1600" dirty="0" err="1"/>
+                <a:rPr lang="en-US" altLang="zh-CN" sz="1400" dirty="0" err="1">
+                  <a:latin typeface="Microsoft YaHei" panose="020B0503020204020204" pitchFamily="34" charset="-122"/>
+                  <a:ea typeface="Microsoft YaHei" panose="020B0503020204020204" pitchFamily="34" charset="-122"/>
+                </a:rPr>
                 <a:t>vue</a:t>
               </a:r>
               <a:r>
-                <a:rPr lang="en-US" altLang="zh-CN" sz="1600" dirty="0"/>
+                <a:rPr lang="en-US" altLang="zh-CN" sz="1400" dirty="0">
+                  <a:latin typeface="Microsoft YaHei" panose="020B0503020204020204" pitchFamily="34" charset="-122"/>
+                  <a:ea typeface="Microsoft YaHei" panose="020B0503020204020204" pitchFamily="34" charset="-122"/>
+                </a:rPr>
                 <a:t>-json-excel</a:t>
               </a:r>
               <a:r>
-                <a:rPr lang="zh-CN" altLang="en-US" sz="1600" dirty="0"/>
+                <a:rPr lang="zh-CN" altLang="en-US" sz="1400" dirty="0">
+                  <a:latin typeface="Microsoft YaHei" panose="020B0503020204020204" pitchFamily="34" charset="-122"/>
+                  <a:ea typeface="Microsoft YaHei" panose="020B0503020204020204" pitchFamily="34" charset="-122"/>
+                </a:rPr>
                 <a:t>组件实现将前端接收的</a:t>
               </a:r>
               <a:r>
-                <a:rPr lang="en-US" altLang="zh-CN" sz="1600" dirty="0"/>
+                <a:rPr lang="en-US" altLang="zh-CN" sz="1400" dirty="0">
+                  <a:latin typeface="Microsoft YaHei" panose="020B0503020204020204" pitchFamily="34" charset="-122"/>
+                  <a:ea typeface="Microsoft YaHei" panose="020B0503020204020204" pitchFamily="34" charset="-122"/>
+                </a:rPr>
                 <a:t>json</a:t>
               </a:r>
               <a:r>
-                <a:rPr lang="zh-CN" altLang="en-US" sz="1600" dirty="0"/>
+                <a:rPr lang="zh-CN" altLang="en-US" sz="1400" dirty="0">
+                  <a:latin typeface="Microsoft YaHei" panose="020B0503020204020204" pitchFamily="34" charset="-122"/>
+                  <a:ea typeface="Microsoft YaHei" panose="020B0503020204020204" pitchFamily="34" charset="-122"/>
+                </a:rPr>
                 <a:t>转换为</a:t>
               </a:r>
               <a:r>
-                <a:rPr lang="en-US" altLang="zh-CN" sz="1600" dirty="0"/>
+                <a:rPr lang="en-US" altLang="zh-CN" sz="1400" dirty="0">
+                  <a:latin typeface="Microsoft YaHei" panose="020B0503020204020204" pitchFamily="34" charset="-122"/>
+                  <a:ea typeface="Microsoft YaHei" panose="020B0503020204020204" pitchFamily="34" charset="-122"/>
+                </a:rPr>
                 <a:t>excel</a:t>
               </a:r>
               <a:r>
-                <a:rPr lang="zh-CN" altLang="en-US" sz="1600" dirty="0"/>
+                <a:rPr lang="zh-CN" altLang="en-US" sz="1400" dirty="0">
+                  <a:latin typeface="Microsoft YaHei" panose="020B0503020204020204" pitchFamily="34" charset="-122"/>
+                  <a:ea typeface="Microsoft YaHei" panose="020B0503020204020204" pitchFamily="34" charset="-122"/>
+                </a:rPr>
                 <a:t>文件并提供下载</a:t>
               </a:r>
             </a:p>
@@ -12623,7 +14466,7 @@
           <p:spPr>
             <a:xfrm>
               <a:off x="811820" y="1514349"/>
-              <a:ext cx="3604937" cy="338554"/>
+              <a:ext cx="3604937" cy="307777"/>
             </a:xfrm>
             <a:prstGeom prst="rect">
               <a:avLst/>
@@ -12637,7 +14480,10 @@
             <a:lstStyle/>
             <a:p>
               <a:r>
-                <a:rPr lang="zh-CN" altLang="en-US" sz="1600" dirty="0"/>
+                <a:rPr lang="zh-CN" altLang="en-US" sz="1400" dirty="0">
+                  <a:latin typeface="Microsoft YaHei" panose="020B0503020204020204" pitchFamily="34" charset="-122"/>
+                  <a:ea typeface="Microsoft YaHei" panose="020B0503020204020204" pitchFamily="34" charset="-122"/>
+                </a:rPr>
                 <a:t>实现根据姓名动态筛选运动员</a:t>
               </a:r>
             </a:p>
@@ -12659,9 +14505,9 @@
         <p:grpSpPr>
           <a:xfrm>
             <a:off x="955506" y="4172881"/>
-            <a:ext cx="3884385" cy="836808"/>
+            <a:ext cx="3884385" cy="836807"/>
             <a:chOff x="647568" y="1262316"/>
-            <a:chExt cx="3884385" cy="836808"/>
+            <a:chExt cx="3884385" cy="836807"/>
           </a:xfrm>
         </p:grpSpPr>
         <p:sp>
@@ -12786,7 +14632,7 @@
           <p:spPr>
             <a:xfrm>
               <a:off x="811820" y="1514349"/>
-              <a:ext cx="3604937" cy="584775"/>
+              <a:ext cx="3604937" cy="523220"/>
             </a:xfrm>
             <a:prstGeom prst="rect">
               <a:avLst/>
@@ -12800,19 +14646,31 @@
             <a:lstStyle/>
             <a:p>
               <a:r>
-                <a:rPr lang="zh-CN" altLang="en-US" sz="1600" dirty="0"/>
+                <a:rPr lang="zh-CN" altLang="en-US" sz="1400" dirty="0">
+                  <a:latin typeface="Microsoft YaHei" panose="020B0503020204020204" pitchFamily="34" charset="-122"/>
+                  <a:ea typeface="Microsoft YaHei" panose="020B0503020204020204" pitchFamily="34" charset="-122"/>
+                </a:rPr>
                 <a:t>根据</a:t>
               </a:r>
               <a:r>
-                <a:rPr lang="en-US" altLang="zh-CN" sz="1600" dirty="0"/>
+                <a:rPr lang="en-US" altLang="zh-CN" sz="1400" dirty="0">
+                  <a:latin typeface="Microsoft YaHei" panose="020B0503020204020204" pitchFamily="34" charset="-122"/>
+                  <a:ea typeface="Microsoft YaHei" panose="020B0503020204020204" pitchFamily="34" charset="-122"/>
+                </a:rPr>
                 <a:t>element-</a:t>
               </a:r>
               <a:r>
-                <a:rPr lang="en-US" altLang="zh-CN" sz="1600" dirty="0" err="1"/>
+                <a:rPr lang="en-US" altLang="zh-CN" sz="1400" dirty="0" err="1">
+                  <a:latin typeface="Microsoft YaHei" panose="020B0503020204020204" pitchFamily="34" charset="-122"/>
+                  <a:ea typeface="Microsoft YaHei" panose="020B0503020204020204" pitchFamily="34" charset="-122"/>
+                </a:rPr>
                 <a:t>ui</a:t>
               </a:r>
               <a:r>
-                <a:rPr lang="zh-CN" altLang="en-US" sz="1600" dirty="0"/>
+                <a:rPr lang="zh-CN" altLang="en-US" sz="1400" dirty="0">
+                  <a:latin typeface="Microsoft YaHei" panose="020B0503020204020204" pitchFamily="34" charset="-122"/>
+                  <a:ea typeface="Microsoft YaHei" panose="020B0503020204020204" pitchFamily="34" charset="-122"/>
+                </a:rPr>
                 <a:t>组件在前端实现运动员属性的动态排序</a:t>
               </a:r>
             </a:p>
@@ -12834,9 +14692,9 @@
         <p:grpSpPr>
           <a:xfrm>
             <a:off x="955506" y="5351019"/>
-            <a:ext cx="3884385" cy="836808"/>
+            <a:ext cx="3884385" cy="836807"/>
             <a:chOff x="647568" y="1262316"/>
-            <a:chExt cx="3884385" cy="836808"/>
+            <a:chExt cx="3884385" cy="836807"/>
           </a:xfrm>
         </p:grpSpPr>
         <p:sp>
@@ -12961,7 +14819,7 @@
           <p:spPr>
             <a:xfrm>
               <a:off x="811820" y="1514349"/>
-              <a:ext cx="3604937" cy="584775"/>
+              <a:ext cx="3604937" cy="523220"/>
             </a:xfrm>
             <a:prstGeom prst="rect">
               <a:avLst/>
@@ -12975,15 +14833,24 @@
             <a:lstStyle/>
             <a:p>
               <a:r>
-                <a:rPr lang="zh-CN" altLang="en-US" sz="1600" dirty="0"/>
+                <a:rPr lang="zh-CN" altLang="en-US" sz="1400" dirty="0">
+                  <a:latin typeface="Microsoft YaHei" panose="020B0503020204020204" pitchFamily="34" charset="-122"/>
+                  <a:ea typeface="Microsoft YaHei" panose="020B0503020204020204" pitchFamily="34" charset="-122"/>
+                </a:rPr>
                 <a:t>根据路由跳转到运动员详细页面，并传递运动员的</a:t>
               </a:r>
               <a:r>
-                <a:rPr lang="en-US" altLang="zh-CN" sz="1600" dirty="0"/>
+                <a:rPr lang="en-US" altLang="zh-CN" sz="1400" dirty="0">
+                  <a:latin typeface="Microsoft YaHei" panose="020B0503020204020204" pitchFamily="34" charset="-122"/>
+                  <a:ea typeface="Microsoft YaHei" panose="020B0503020204020204" pitchFamily="34" charset="-122"/>
+                </a:rPr>
                 <a:t>id</a:t>
               </a:r>
               <a:r>
-                <a:rPr lang="zh-CN" altLang="en-US" sz="1600" dirty="0"/>
+                <a:rPr lang="zh-CN" altLang="en-US" sz="1400" dirty="0">
+                  <a:latin typeface="Microsoft YaHei" panose="020B0503020204020204" pitchFamily="34" charset="-122"/>
+                  <a:ea typeface="Microsoft YaHei" panose="020B0503020204020204" pitchFamily="34" charset="-122"/>
+                </a:rPr>
                 <a:t>作为后续页面的参数</a:t>
               </a:r>
             </a:p>
@@ -13143,19 +15010,31 @@
           <a:lstStyle/>
           <a:p>
             <a:r>
-              <a:rPr lang="en-US" altLang="zh-CN" dirty="0"/>
+              <a:rPr lang="en-US" altLang="zh-CN" dirty="0">
+                <a:latin typeface="Microsoft YaHei" panose="020B0503020204020204" pitchFamily="34" charset="-122"/>
+                <a:ea typeface="Microsoft YaHei" panose="020B0503020204020204" pitchFamily="34" charset="-122"/>
+              </a:rPr>
               <a:t>4.3 </a:t>
             </a:r>
             <a:r>
-              <a:rPr lang="zh-CN" altLang="en-US" dirty="0"/>
+              <a:rPr lang="zh-CN" altLang="en-US" dirty="0">
+                <a:latin typeface="Microsoft YaHei" panose="020B0503020204020204" pitchFamily="34" charset="-122"/>
+                <a:ea typeface="Microsoft YaHei" panose="020B0503020204020204" pitchFamily="34" charset="-122"/>
+              </a:rPr>
               <a:t>查询模块</a:t>
             </a:r>
             <a:r>
-              <a:rPr lang="en-US" altLang="zh-CN" dirty="0"/>
+              <a:rPr lang="en-US" altLang="zh-CN" dirty="0">
+                <a:latin typeface="Microsoft YaHei" panose="020B0503020204020204" pitchFamily="34" charset="-122"/>
+                <a:ea typeface="Microsoft YaHei" panose="020B0503020204020204" pitchFamily="34" charset="-122"/>
+              </a:rPr>
               <a:t>-</a:t>
             </a:r>
             <a:r>
-              <a:rPr lang="zh-CN" altLang="en-US" dirty="0"/>
+              <a:rPr lang="zh-CN" altLang="en-US" dirty="0">
+                <a:latin typeface="Microsoft YaHei" panose="020B0503020204020204" pitchFamily="34" charset="-122"/>
+                <a:ea typeface="Microsoft YaHei" panose="020B0503020204020204" pitchFamily="34" charset="-122"/>
+              </a:rPr>
               <a:t>运动员详细</a:t>
             </a:r>
           </a:p>
@@ -13532,7 +15411,7 @@
           <p:spPr>
             <a:xfrm>
               <a:off x="811820" y="1514349"/>
-              <a:ext cx="3604937" cy="584775"/>
+              <a:ext cx="3604937" cy="523220"/>
             </a:xfrm>
             <a:prstGeom prst="rect">
               <a:avLst/>
@@ -13546,18 +15425,30 @@
             <a:lstStyle/>
             <a:p>
               <a:r>
-                <a:rPr lang="zh-CN" altLang="en-US" sz="1600" dirty="0"/>
+                <a:rPr lang="zh-CN" altLang="en-US" sz="1400" dirty="0">
+                  <a:latin typeface="Microsoft YaHei" panose="020B0503020204020204" pitchFamily="34" charset="-122"/>
+                  <a:ea typeface="Microsoft YaHei" panose="020B0503020204020204" pitchFamily="34" charset="-122"/>
+                </a:rPr>
                 <a:t>通过路由跳转并传递运动员</a:t>
               </a:r>
               <a:r>
-                <a:rPr lang="en-US" altLang="zh-CN" sz="1600" dirty="0"/>
+                <a:rPr lang="en-US" altLang="zh-CN" sz="1400" dirty="0">
+                  <a:latin typeface="Microsoft YaHei" panose="020B0503020204020204" pitchFamily="34" charset="-122"/>
+                  <a:ea typeface="Microsoft YaHei" panose="020B0503020204020204" pitchFamily="34" charset="-122"/>
+                </a:rPr>
                 <a:t>ID</a:t>
               </a:r>
               <a:r>
-                <a:rPr lang="zh-CN" altLang="en-US" sz="1600" dirty="0"/>
+                <a:rPr lang="zh-CN" altLang="en-US" sz="1400" dirty="0">
+                  <a:latin typeface="Microsoft YaHei" panose="020B0503020204020204" pitchFamily="34" charset="-122"/>
+                  <a:ea typeface="Microsoft YaHei" panose="020B0503020204020204" pitchFamily="34" charset="-122"/>
+                </a:rPr>
                 <a:t>查询运动员的各种详细属性</a:t>
               </a:r>
-              <a:endParaRPr lang="en-US" altLang="zh-CN" sz="1600" dirty="0"/>
+              <a:endParaRPr lang="en-US" altLang="zh-CN" sz="1400" dirty="0">
+                <a:latin typeface="Microsoft YaHei" panose="020B0503020204020204" pitchFamily="34" charset="-122"/>
+                <a:ea typeface="Microsoft YaHei" panose="020B0503020204020204" pitchFamily="34" charset="-122"/>
+              </a:endParaRPr>
             </a:p>
           </p:txBody>
         </p:sp>
@@ -13577,9 +15468,9 @@
         <p:grpSpPr>
           <a:xfrm>
             <a:off x="7256191" y="2837929"/>
-            <a:ext cx="3884385" cy="1083030"/>
+            <a:ext cx="3884385" cy="1083029"/>
             <a:chOff x="647568" y="1262316"/>
-            <a:chExt cx="3884385" cy="1083030"/>
+            <a:chExt cx="3884385" cy="1083029"/>
           </a:xfrm>
         </p:grpSpPr>
         <p:sp>
@@ -13704,7 +15595,7 @@
           <p:spPr>
             <a:xfrm>
               <a:off x="811820" y="1514349"/>
-              <a:ext cx="3604937" cy="830997"/>
+              <a:ext cx="3604937" cy="738664"/>
             </a:xfrm>
             <a:prstGeom prst="rect">
               <a:avLst/>
@@ -13718,26 +15609,44 @@
             <a:lstStyle/>
             <a:p>
               <a:r>
-                <a:rPr lang="zh-CN" altLang="en-US" sz="1600" dirty="0"/>
+                <a:rPr lang="zh-CN" altLang="en-US" sz="1400" dirty="0">
+                  <a:latin typeface="Microsoft YaHei" panose="020B0503020204020204" pitchFamily="34" charset="-122"/>
+                  <a:ea typeface="Microsoft YaHei" panose="020B0503020204020204" pitchFamily="34" charset="-122"/>
+                </a:rPr>
                 <a:t>通过运动员</a:t>
               </a:r>
               <a:r>
-                <a:rPr lang="en-US" altLang="zh-CN" sz="1600" dirty="0"/>
+                <a:rPr lang="en-US" altLang="zh-CN" sz="1400" dirty="0">
+                  <a:latin typeface="Microsoft YaHei" panose="020B0503020204020204" pitchFamily="34" charset="-122"/>
+                  <a:ea typeface="Microsoft YaHei" panose="020B0503020204020204" pitchFamily="34" charset="-122"/>
+                </a:rPr>
                 <a:t>ID</a:t>
               </a:r>
               <a:r>
-                <a:rPr lang="zh-CN" altLang="en-US" sz="1600" dirty="0"/>
+                <a:rPr lang="zh-CN" altLang="en-US" sz="1400" dirty="0">
+                  <a:latin typeface="Microsoft YaHei" panose="020B0503020204020204" pitchFamily="34" charset="-122"/>
+                  <a:ea typeface="Microsoft YaHei" panose="020B0503020204020204" pitchFamily="34" charset="-122"/>
+                </a:rPr>
                 <a:t>查询运动员调用后端删除运动员</a:t>
               </a:r>
               <a:r>
-                <a:rPr lang="en-US" altLang="zh-CN" sz="1600" dirty="0" err="1"/>
+                <a:rPr lang="en-US" altLang="zh-CN" sz="1400" dirty="0" err="1">
+                  <a:latin typeface="Microsoft YaHei" panose="020B0503020204020204" pitchFamily="34" charset="-122"/>
+                  <a:ea typeface="Microsoft YaHei" panose="020B0503020204020204" pitchFamily="34" charset="-122"/>
+                </a:rPr>
                 <a:t>api</a:t>
               </a:r>
               <a:r>
-                <a:rPr lang="zh-CN" altLang="en-US" sz="1600" dirty="0"/>
+                <a:rPr lang="zh-CN" altLang="en-US" sz="1400" dirty="0">
+                  <a:latin typeface="Microsoft YaHei" panose="020B0503020204020204" pitchFamily="34" charset="-122"/>
+                  <a:ea typeface="Microsoft YaHei" panose="020B0503020204020204" pitchFamily="34" charset="-122"/>
+                </a:rPr>
                 <a:t>并且返回到上一级页面，并在该页面弹出警告框。</a:t>
               </a:r>
-              <a:endParaRPr lang="en-US" altLang="zh-CN" sz="1600" dirty="0"/>
+              <a:endParaRPr lang="en-US" altLang="zh-CN" sz="1400" dirty="0">
+                <a:latin typeface="Microsoft YaHei" panose="020B0503020204020204" pitchFamily="34" charset="-122"/>
+                <a:ea typeface="Microsoft YaHei" panose="020B0503020204020204" pitchFamily="34" charset="-122"/>
+              </a:endParaRPr>
             </a:p>
           </p:txBody>
         </p:sp>
@@ -13757,9 +15666,9 @@
         <p:grpSpPr>
           <a:xfrm>
             <a:off x="7256190" y="4310284"/>
-            <a:ext cx="3884385" cy="836808"/>
+            <a:ext cx="3884385" cy="830997"/>
             <a:chOff x="647568" y="1262316"/>
-            <a:chExt cx="3884385" cy="836808"/>
+            <a:chExt cx="3884385" cy="830997"/>
           </a:xfrm>
         </p:grpSpPr>
         <p:sp>
@@ -13884,7 +15793,7 @@
           <p:spPr>
             <a:xfrm>
               <a:off x="811820" y="1514349"/>
-              <a:ext cx="3604937" cy="584775"/>
+              <a:ext cx="3604937" cy="523220"/>
             </a:xfrm>
             <a:prstGeom prst="rect">
               <a:avLst/>
@@ -13898,22 +15807,37 @@
             <a:lstStyle/>
             <a:p>
               <a:r>
-                <a:rPr lang="zh-CN" altLang="en-US" sz="1600" dirty="0"/>
+                <a:rPr lang="zh-CN" altLang="en-US" sz="1400" dirty="0">
+                  <a:latin typeface="Microsoft YaHei" panose="020B0503020204020204" pitchFamily="34" charset="-122"/>
+                  <a:ea typeface="Microsoft YaHei" panose="020B0503020204020204" pitchFamily="34" charset="-122"/>
+                </a:rPr>
                 <a:t>调用</a:t>
               </a:r>
               <a:r>
-                <a:rPr lang="en-US" altLang="zh-CN" sz="1600" dirty="0" err="1"/>
+                <a:rPr lang="en-US" altLang="zh-CN" sz="1400" dirty="0" err="1">
+                  <a:latin typeface="Microsoft YaHei" panose="020B0503020204020204" pitchFamily="34" charset="-122"/>
+                  <a:ea typeface="Microsoft YaHei" panose="020B0503020204020204" pitchFamily="34" charset="-122"/>
+                </a:rPr>
                 <a:t>vue</a:t>
               </a:r>
               <a:r>
-                <a:rPr lang="en-US" altLang="zh-CN" sz="1600" dirty="0"/>
+                <a:rPr lang="en-US" altLang="zh-CN" sz="1400" dirty="0">
+                  <a:latin typeface="Microsoft YaHei" panose="020B0503020204020204" pitchFamily="34" charset="-122"/>
+                  <a:ea typeface="Microsoft YaHei" panose="020B0503020204020204" pitchFamily="34" charset="-122"/>
+                </a:rPr>
                 <a:t>-json-excel</a:t>
               </a:r>
               <a:r>
-                <a:rPr lang="zh-CN" altLang="en-US" sz="1600" dirty="0"/>
+                <a:rPr lang="zh-CN" altLang="en-US" sz="1400" dirty="0">
+                  <a:latin typeface="Microsoft YaHei" panose="020B0503020204020204" pitchFamily="34" charset="-122"/>
+                  <a:ea typeface="Microsoft YaHei" panose="020B0503020204020204" pitchFamily="34" charset="-122"/>
+                </a:rPr>
                 <a:t>组件下载运动员的全部比赛记录</a:t>
               </a:r>
-              <a:endParaRPr lang="en-US" altLang="zh-CN" sz="1600" dirty="0"/>
+              <a:endParaRPr lang="en-US" altLang="zh-CN" sz="1400" dirty="0">
+                <a:latin typeface="Microsoft YaHei" panose="020B0503020204020204" pitchFamily="34" charset="-122"/>
+                <a:ea typeface="Microsoft YaHei" panose="020B0503020204020204" pitchFamily="34" charset="-122"/>
+              </a:endParaRPr>
             </a:p>
           </p:txBody>
         </p:sp>
@@ -14359,6 +16283,301 @@
 </file>
 
 <file path=ppt/theme/theme2.xml><?xml version="1.0" encoding="utf-8"?>
+<a:theme xmlns:a="http://schemas.openxmlformats.org/drawingml/2006/main" name="Custom Design">
+  <a:themeElements>
+    <a:clrScheme name="Office">
+      <a:dk1>
+        <a:sysClr val="windowText" lastClr="000000"/>
+      </a:dk1>
+      <a:lt1>
+        <a:sysClr val="window" lastClr="FFFFFF"/>
+      </a:lt1>
+      <a:dk2>
+        <a:srgbClr val="44546A"/>
+      </a:dk2>
+      <a:lt2>
+        <a:srgbClr val="E7E6E6"/>
+      </a:lt2>
+      <a:accent1>
+        <a:srgbClr val="4472C4"/>
+      </a:accent1>
+      <a:accent2>
+        <a:srgbClr val="ED7D31"/>
+      </a:accent2>
+      <a:accent3>
+        <a:srgbClr val="A5A5A5"/>
+      </a:accent3>
+      <a:accent4>
+        <a:srgbClr val="FFC000"/>
+      </a:accent4>
+      <a:accent5>
+        <a:srgbClr val="5B9BD5"/>
+      </a:accent5>
+      <a:accent6>
+        <a:srgbClr val="70AD47"/>
+      </a:accent6>
+      <a:hlink>
+        <a:srgbClr val="0563C1"/>
+      </a:hlink>
+      <a:folHlink>
+        <a:srgbClr val="954F72"/>
+      </a:folHlink>
+    </a:clrScheme>
+    <a:fontScheme name="Office">
+      <a:majorFont>
+        <a:latin typeface="游ゴシック Light" panose="020F0302020204030204"/>
+        <a:ea typeface=""/>
+        <a:cs typeface=""/>
+        <a:font script="Jpan" typeface="游ゴシック Light"/>
+        <a:font script="Hang" typeface="맑은 고딕"/>
+        <a:font script="Hans" typeface="等线 Light"/>
+        <a:font script="Hant" typeface="新細明體"/>
+        <a:font script="Arab" typeface="Times New Roman"/>
+        <a:font script="Hebr" typeface="Times New Roman"/>
+        <a:font script="Thai" typeface="Angsana New"/>
+        <a:font script="Ethi" typeface="Nyala"/>
+        <a:font script="Beng" typeface="Vrinda"/>
+        <a:font script="Gujr" typeface="Shruti"/>
+        <a:font script="Khmr" typeface="MoolBoran"/>
+        <a:font script="Knda" typeface="Tunga"/>
+        <a:font script="Guru" typeface="Raavi"/>
+        <a:font script="Cans" typeface="Euphemia"/>
+        <a:font script="Cher" typeface="Plantagenet Cherokee"/>
+        <a:font script="Yiii" typeface="Microsoft Yi Baiti"/>
+        <a:font script="Tibt" typeface="Microsoft Himalaya"/>
+        <a:font script="Thaa" typeface="MV Boli"/>
+        <a:font script="Deva" typeface="Mangal"/>
+        <a:font script="Telu" typeface="Gautami"/>
+        <a:font script="Taml" typeface="Latha"/>
+        <a:font script="Syrc" typeface="Estrangelo Edessa"/>
+        <a:font script="Orya" typeface="Kalinga"/>
+        <a:font script="Mlym" typeface="Kartika"/>
+        <a:font script="Laoo" typeface="DokChampa"/>
+        <a:font script="Sinh" typeface="Iskoola Pota"/>
+        <a:font script="Mong" typeface="Mongolian Baiti"/>
+        <a:font script="Viet" typeface="Times New Roman"/>
+        <a:font script="Uigh" typeface="Microsoft Uighur"/>
+        <a:font script="Geor" typeface="Sylfaen"/>
+        <a:font script="Armn" typeface="Arial"/>
+        <a:font script="Bugi" typeface="Leelawadee UI"/>
+        <a:font script="Bopo" typeface="Microsoft JhengHei"/>
+        <a:font script="Java" typeface="Javanese Text"/>
+        <a:font script="Lisu" typeface="Segoe UI"/>
+        <a:font script="Mymr" typeface="Myanmar Text"/>
+        <a:font script="Nkoo" typeface="Ebrima"/>
+        <a:font script="Olck" typeface="Nirmala UI"/>
+        <a:font script="Osma" typeface="Ebrima"/>
+        <a:font script="Phag" typeface="Phagspa"/>
+        <a:font script="Syrn" typeface="Estrangelo Edessa"/>
+        <a:font script="Syrj" typeface="Estrangelo Edessa"/>
+        <a:font script="Syre" typeface="Estrangelo Edessa"/>
+        <a:font script="Sora" typeface="Nirmala UI"/>
+        <a:font script="Tale" typeface="Microsoft Tai Le"/>
+        <a:font script="Talu" typeface="Microsoft New Tai Lue"/>
+        <a:font script="Tfng" typeface="Ebrima"/>
+      </a:majorFont>
+      <a:minorFont>
+        <a:latin typeface="游ゴシック" panose="020F0502020204030204"/>
+        <a:ea typeface=""/>
+        <a:cs typeface=""/>
+        <a:font script="Jpan" typeface="游ゴシック"/>
+        <a:font script="Hang" typeface="맑은 고딕"/>
+        <a:font script="Hans" typeface="等线"/>
+        <a:font script="Hant" typeface="新細明體"/>
+        <a:font script="Arab" typeface="Arial"/>
+        <a:font script="Hebr" typeface="Arial"/>
+        <a:font script="Thai" typeface="Cordia New"/>
+        <a:font script="Ethi" typeface="Nyala"/>
+        <a:font script="Beng" typeface="Vrinda"/>
+        <a:font script="Gujr" typeface="Shruti"/>
+        <a:font script="Khmr" typeface="DaunPenh"/>
+        <a:font script="Knda" typeface="Tunga"/>
+        <a:font script="Guru" typeface="Raavi"/>
+        <a:font script="Cans" typeface="Euphemia"/>
+        <a:font script="Cher" typeface="Plantagenet Cherokee"/>
+        <a:font script="Yiii" typeface="Microsoft Yi Baiti"/>
+        <a:font script="Tibt" typeface="Microsoft Himalaya"/>
+        <a:font script="Thaa" typeface="MV Boli"/>
+        <a:font script="Deva" typeface="Mangal"/>
+        <a:font script="Telu" typeface="Gautami"/>
+        <a:font script="Taml" typeface="Latha"/>
+        <a:font script="Syrc" typeface="Estrangelo Edessa"/>
+        <a:font script="Orya" typeface="Kalinga"/>
+        <a:font script="Mlym" typeface="Kartika"/>
+        <a:font script="Laoo" typeface="DokChampa"/>
+        <a:font script="Sinh" typeface="Iskoola Pota"/>
+        <a:font script="Mong" typeface="Mongolian Baiti"/>
+        <a:font script="Viet" typeface="Arial"/>
+        <a:font script="Uigh" typeface="Microsoft Uighur"/>
+        <a:font script="Geor" typeface="Sylfaen"/>
+        <a:font script="Armn" typeface="Arial"/>
+        <a:font script="Bugi" typeface="Leelawadee UI"/>
+        <a:font script="Bopo" typeface="Microsoft JhengHei"/>
+        <a:font script="Java" typeface="Javanese Text"/>
+        <a:font script="Lisu" typeface="Segoe UI"/>
+        <a:font script="Mymr" typeface="Myanmar Text"/>
+        <a:font script="Nkoo" typeface="Ebrima"/>
+        <a:font script="Olck" typeface="Nirmala UI"/>
+        <a:font script="Osma" typeface="Ebrima"/>
+        <a:font script="Phag" typeface="Phagspa"/>
+        <a:font script="Syrn" typeface="Estrangelo Edessa"/>
+        <a:font script="Syrj" typeface="Estrangelo Edessa"/>
+        <a:font script="Syre" typeface="Estrangelo Edessa"/>
+        <a:font script="Sora" typeface="Nirmala UI"/>
+        <a:font script="Tale" typeface="Microsoft Tai Le"/>
+        <a:font script="Talu" typeface="Microsoft New Tai Lue"/>
+        <a:font script="Tfng" typeface="Ebrima"/>
+      </a:minorFont>
+    </a:fontScheme>
+    <a:fmtScheme name="Office">
+      <a:fillStyleLst>
+        <a:solidFill>
+          <a:schemeClr val="phClr"/>
+        </a:solidFill>
+        <a:gradFill rotWithShape="1">
+          <a:gsLst>
+            <a:gs pos="0">
+              <a:schemeClr val="phClr">
+                <a:lumMod val="110000"/>
+                <a:satMod val="105000"/>
+                <a:tint val="67000"/>
+              </a:schemeClr>
+            </a:gs>
+            <a:gs pos="50000">
+              <a:schemeClr val="phClr">
+                <a:lumMod val="105000"/>
+                <a:satMod val="103000"/>
+                <a:tint val="73000"/>
+              </a:schemeClr>
+            </a:gs>
+            <a:gs pos="100000">
+              <a:schemeClr val="phClr">
+                <a:lumMod val="105000"/>
+                <a:satMod val="109000"/>
+                <a:tint val="81000"/>
+              </a:schemeClr>
+            </a:gs>
+          </a:gsLst>
+          <a:lin ang="5400000" scaled="0"/>
+        </a:gradFill>
+        <a:gradFill rotWithShape="1">
+          <a:gsLst>
+            <a:gs pos="0">
+              <a:schemeClr val="phClr">
+                <a:satMod val="103000"/>
+                <a:lumMod val="102000"/>
+                <a:tint val="94000"/>
+              </a:schemeClr>
+            </a:gs>
+            <a:gs pos="50000">
+              <a:schemeClr val="phClr">
+                <a:satMod val="110000"/>
+                <a:lumMod val="100000"/>
+                <a:shade val="100000"/>
+              </a:schemeClr>
+            </a:gs>
+            <a:gs pos="100000">
+              <a:schemeClr val="phClr">
+                <a:lumMod val="99000"/>
+                <a:satMod val="120000"/>
+                <a:shade val="78000"/>
+              </a:schemeClr>
+            </a:gs>
+          </a:gsLst>
+          <a:lin ang="5400000" scaled="0"/>
+        </a:gradFill>
+      </a:fillStyleLst>
+      <a:lnStyleLst>
+        <a:ln w="6350" cap="flat" cmpd="sng" algn="ctr">
+          <a:solidFill>
+            <a:schemeClr val="phClr"/>
+          </a:solidFill>
+          <a:prstDash val="solid"/>
+          <a:miter lim="800000"/>
+        </a:ln>
+        <a:ln w="12700" cap="flat" cmpd="sng" algn="ctr">
+          <a:solidFill>
+            <a:schemeClr val="phClr"/>
+          </a:solidFill>
+          <a:prstDash val="solid"/>
+          <a:miter lim="800000"/>
+        </a:ln>
+        <a:ln w="19050" cap="flat" cmpd="sng" algn="ctr">
+          <a:solidFill>
+            <a:schemeClr val="phClr"/>
+          </a:solidFill>
+          <a:prstDash val="solid"/>
+          <a:miter lim="800000"/>
+        </a:ln>
+      </a:lnStyleLst>
+      <a:effectStyleLst>
+        <a:effectStyle>
+          <a:effectLst/>
+        </a:effectStyle>
+        <a:effectStyle>
+          <a:effectLst/>
+        </a:effectStyle>
+        <a:effectStyle>
+          <a:effectLst>
+            <a:outerShdw blurRad="57150" dist="19050" dir="5400000" algn="ctr" rotWithShape="0">
+              <a:srgbClr val="000000">
+                <a:alpha val="63000"/>
+              </a:srgbClr>
+            </a:outerShdw>
+          </a:effectLst>
+        </a:effectStyle>
+      </a:effectStyleLst>
+      <a:bgFillStyleLst>
+        <a:solidFill>
+          <a:schemeClr val="phClr"/>
+        </a:solidFill>
+        <a:solidFill>
+          <a:schemeClr val="phClr">
+            <a:tint val="95000"/>
+            <a:satMod val="170000"/>
+          </a:schemeClr>
+        </a:solidFill>
+        <a:gradFill rotWithShape="1">
+          <a:gsLst>
+            <a:gs pos="0">
+              <a:schemeClr val="phClr">
+                <a:tint val="93000"/>
+                <a:satMod val="150000"/>
+                <a:shade val="98000"/>
+                <a:lumMod val="102000"/>
+              </a:schemeClr>
+            </a:gs>
+            <a:gs pos="50000">
+              <a:schemeClr val="phClr">
+                <a:tint val="98000"/>
+                <a:satMod val="130000"/>
+                <a:shade val="90000"/>
+                <a:lumMod val="103000"/>
+              </a:schemeClr>
+            </a:gs>
+            <a:gs pos="100000">
+              <a:schemeClr val="phClr">
+                <a:shade val="63000"/>
+                <a:satMod val="120000"/>
+              </a:schemeClr>
+            </a:gs>
+          </a:gsLst>
+          <a:lin ang="5400000" scaled="0"/>
+        </a:gradFill>
+      </a:bgFillStyleLst>
+    </a:fmtScheme>
+  </a:themeElements>
+  <a:objectDefaults/>
+  <a:extraClrSchemeLst/>
+  <a:extLst>
+    <a:ext uri="{05A4C25C-085E-4340-85A3-A5531E510DB2}">
+      <thm15:themeFamily xmlns:thm15="http://schemas.microsoft.com/office/thememl/2012/main" name="Office Theme" id="{62F939B6-93AF-4DB8-9C6B-D6C7DFDC589F}" vid="{4A3C46E8-61CC-4603-A589-7422A47A8E4A}"/>
+    </a:ext>
+  </a:extLst>
+</a:theme>
+</file>
+
+<file path=ppt/theme/theme3.xml><?xml version="1.0" encoding="utf-8"?>
 <a:theme xmlns:a="http://schemas.openxmlformats.org/drawingml/2006/main" name="Office 主题​​">
   <a:themeElements>
     <a:clrScheme name="Office">
